--- a/SYSG.pptx
+++ b/SYSG.pptx
@@ -106,6 +106,22 @@
       </a:defRPr>
     </a:lvl9pPr>
   </p:defaultTextStyle>
+  <p:extLst>
+    <p:ext uri="{EFAFB233-063F-42B5-8137-9DF3F51BA10A}">
+      <p15:sldGuideLst xmlns:p15="http://schemas.microsoft.com/office/powerpoint/2012/main">
+        <p15:guide id="1" orient="horz" pos="2160" userDrawn="1">
+          <p15:clr>
+            <a:srgbClr val="A4A3A4"/>
+          </p15:clr>
+        </p15:guide>
+        <p15:guide id="2" pos="3840" userDrawn="1">
+          <p15:clr>
+            <a:srgbClr val="A4A3A4"/>
+          </p15:clr>
+        </p15:guide>
+      </p15:sldGuideLst>
+    </p:ext>
+  </p:extLst>
 </p:presentation>
 </file>
 
@@ -256,7 +272,7 @@
           <a:p>
             <a:fld id="{88C60456-FB3B-4026-A5DC-EEEFAE77261F}" type="datetimeFigureOut">
               <a:rPr lang="en-US" smtClean="0"/>
-              <a:t>1/20/2023</a:t>
+              <a:t>1/23/2023</a:t>
             </a:fld>
             <a:endParaRPr lang="en-US"/>
           </a:p>
@@ -454,7 +470,7 @@
           <a:p>
             <a:fld id="{88C60456-FB3B-4026-A5DC-EEEFAE77261F}" type="datetimeFigureOut">
               <a:rPr lang="en-US" smtClean="0"/>
-              <a:t>1/20/2023</a:t>
+              <a:t>1/23/2023</a:t>
             </a:fld>
             <a:endParaRPr lang="en-US"/>
           </a:p>
@@ -662,7 +678,7 @@
           <a:p>
             <a:fld id="{88C60456-FB3B-4026-A5DC-EEEFAE77261F}" type="datetimeFigureOut">
               <a:rPr lang="en-US" smtClean="0"/>
-              <a:t>1/20/2023</a:t>
+              <a:t>1/23/2023</a:t>
             </a:fld>
             <a:endParaRPr lang="en-US"/>
           </a:p>
@@ -860,7 +876,7 @@
           <a:p>
             <a:fld id="{88C60456-FB3B-4026-A5DC-EEEFAE77261F}" type="datetimeFigureOut">
               <a:rPr lang="en-US" smtClean="0"/>
-              <a:t>1/20/2023</a:t>
+              <a:t>1/23/2023</a:t>
             </a:fld>
             <a:endParaRPr lang="en-US"/>
           </a:p>
@@ -1135,7 +1151,7 @@
           <a:p>
             <a:fld id="{88C60456-FB3B-4026-A5DC-EEEFAE77261F}" type="datetimeFigureOut">
               <a:rPr lang="en-US" smtClean="0"/>
-              <a:t>1/20/2023</a:t>
+              <a:t>1/23/2023</a:t>
             </a:fld>
             <a:endParaRPr lang="en-US"/>
           </a:p>
@@ -1400,7 +1416,7 @@
           <a:p>
             <a:fld id="{88C60456-FB3B-4026-A5DC-EEEFAE77261F}" type="datetimeFigureOut">
               <a:rPr lang="en-US" smtClean="0"/>
-              <a:t>1/20/2023</a:t>
+              <a:t>1/23/2023</a:t>
             </a:fld>
             <a:endParaRPr lang="en-US"/>
           </a:p>
@@ -1812,7 +1828,7 @@
           <a:p>
             <a:fld id="{88C60456-FB3B-4026-A5DC-EEEFAE77261F}" type="datetimeFigureOut">
               <a:rPr lang="en-US" smtClean="0"/>
-              <a:t>1/20/2023</a:t>
+              <a:t>1/23/2023</a:t>
             </a:fld>
             <a:endParaRPr lang="en-US"/>
           </a:p>
@@ -1953,7 +1969,7 @@
           <a:p>
             <a:fld id="{88C60456-FB3B-4026-A5DC-EEEFAE77261F}" type="datetimeFigureOut">
               <a:rPr lang="en-US" smtClean="0"/>
-              <a:t>1/20/2023</a:t>
+              <a:t>1/23/2023</a:t>
             </a:fld>
             <a:endParaRPr lang="en-US"/>
           </a:p>
@@ -2066,7 +2082,7 @@
           <a:p>
             <a:fld id="{88C60456-FB3B-4026-A5DC-EEEFAE77261F}" type="datetimeFigureOut">
               <a:rPr lang="en-US" smtClean="0"/>
-              <a:t>1/20/2023</a:t>
+              <a:t>1/23/2023</a:t>
             </a:fld>
             <a:endParaRPr lang="en-US"/>
           </a:p>
@@ -2377,7 +2393,7 @@
           <a:p>
             <a:fld id="{88C60456-FB3B-4026-A5DC-EEEFAE77261F}" type="datetimeFigureOut">
               <a:rPr lang="en-US" smtClean="0"/>
-              <a:t>1/20/2023</a:t>
+              <a:t>1/23/2023</a:t>
             </a:fld>
             <a:endParaRPr lang="en-US"/>
           </a:p>
@@ -2665,7 +2681,7 @@
           <a:p>
             <a:fld id="{88C60456-FB3B-4026-A5DC-EEEFAE77261F}" type="datetimeFigureOut">
               <a:rPr lang="en-US" smtClean="0"/>
-              <a:t>1/20/2023</a:t>
+              <a:t>1/23/2023</a:t>
             </a:fld>
             <a:endParaRPr lang="en-US"/>
           </a:p>
@@ -2906,7 +2922,7 @@
           <a:p>
             <a:fld id="{88C60456-FB3B-4026-A5DC-EEEFAE77261F}" type="datetimeFigureOut">
               <a:rPr lang="en-US" smtClean="0"/>
-              <a:t>1/20/2023</a:t>
+              <a:t>1/23/2023</a:t>
             </a:fld>
             <a:endParaRPr lang="en-US"/>
           </a:p>
@@ -3489,6 +3505,136 @@
           <a:chExt cx="0" cy="0"/>
         </a:xfrm>
       </p:grpSpPr>
+      <p:sp>
+        <p:nvSpPr>
+          <p:cNvPr id="2" name="TextBox 1">
+            <a:extLst>
+              <a:ext uri="{FF2B5EF4-FFF2-40B4-BE49-F238E27FC236}">
+                <a16:creationId xmlns:a16="http://schemas.microsoft.com/office/drawing/2014/main" id="{2419E976-C61E-FAC2-FCEA-6EEA88B51E53}"/>
+              </a:ext>
+            </a:extLst>
+          </p:cNvPr>
+          <p:cNvSpPr txBox="1"/>
+          <p:nvPr/>
+        </p:nvSpPr>
+        <p:spPr>
+          <a:xfrm>
+            <a:off x="5185913" y="172527"/>
+            <a:ext cx="1820174" cy="369332"/>
+          </a:xfrm>
+          <a:prstGeom prst="rect">
+            <a:avLst/>
+          </a:prstGeom>
+          <a:noFill/>
+        </p:spPr>
+        <p:txBody>
+          <a:bodyPr wrap="square" rtlCol="0">
+            <a:spAutoFit/>
+          </a:bodyPr>
+          <a:lstStyle/>
+          <a:p>
+            <a:pPr algn="ctr"/>
+            <a:r>
+              <a:rPr lang="en-US" dirty="0"/>
+              <a:t>p1a4 c2.00</a:t>
+            </a:r>
+          </a:p>
+        </p:txBody>
+      </p:sp>
+      <p:pic>
+        <p:nvPicPr>
+          <p:cNvPr id="1030" name="Picture 6">
+            <a:extLst>
+              <a:ext uri="{FF2B5EF4-FFF2-40B4-BE49-F238E27FC236}">
+                <a16:creationId xmlns:a16="http://schemas.microsoft.com/office/drawing/2014/main" id="{75814677-2C1B-C664-B0E0-06F8ED85923D}"/>
+              </a:ext>
+            </a:extLst>
+          </p:cNvPr>
+          <p:cNvPicPr>
+            <a:picLocks noChangeAspect="1" noChangeArrowheads="1"/>
+          </p:cNvPicPr>
+          <p:nvPr/>
+        </p:nvPicPr>
+        <p:blipFill>
+          <a:blip r:embed="rId2">
+            <a:extLst>
+              <a:ext uri="{28A0092B-C50C-407E-A947-70E740481C1C}">
+                <a14:useLocalDpi xmlns:a14="http://schemas.microsoft.com/office/drawing/2010/main" val="0"/>
+              </a:ext>
+            </a:extLst>
+          </a:blip>
+          <a:srcRect/>
+          <a:stretch>
+            <a:fillRect/>
+          </a:stretch>
+        </p:blipFill>
+        <p:spPr bwMode="auto">
+          <a:xfrm>
+            <a:off x="4060452" y="801000"/>
+            <a:ext cx="4581525" cy="2787761"/>
+          </a:xfrm>
+          <a:prstGeom prst="rect">
+            <a:avLst/>
+          </a:prstGeom>
+          <a:noFill/>
+          <a:extLst>
+            <a:ext uri="{909E8E84-426E-40DD-AFC4-6F175D3DCCD1}">
+              <a14:hiddenFill xmlns:a14="http://schemas.microsoft.com/office/drawing/2010/main">
+                <a:solidFill>
+                  <a:srgbClr val="FFFFFF"/>
+                </a:solidFill>
+              </a14:hiddenFill>
+            </a:ext>
+          </a:extLst>
+        </p:spPr>
+      </p:pic>
+      <p:pic>
+        <p:nvPicPr>
+          <p:cNvPr id="1032" name="Picture 8">
+            <a:extLst>
+              <a:ext uri="{FF2B5EF4-FFF2-40B4-BE49-F238E27FC236}">
+                <a16:creationId xmlns:a16="http://schemas.microsoft.com/office/drawing/2014/main" id="{85E505F7-609F-9E12-8678-26C914611649}"/>
+              </a:ext>
+            </a:extLst>
+          </p:cNvPr>
+          <p:cNvPicPr>
+            <a:picLocks noChangeAspect="1" noChangeArrowheads="1"/>
+          </p:cNvPicPr>
+          <p:nvPr/>
+        </p:nvPicPr>
+        <p:blipFill>
+          <a:blip r:embed="rId3">
+            <a:extLst>
+              <a:ext uri="{28A0092B-C50C-407E-A947-70E740481C1C}">
+                <a14:useLocalDpi xmlns:a14="http://schemas.microsoft.com/office/drawing/2010/main" val="0"/>
+              </a:ext>
+            </a:extLst>
+          </a:blip>
+          <a:srcRect/>
+          <a:stretch>
+            <a:fillRect/>
+          </a:stretch>
+        </p:blipFill>
+        <p:spPr bwMode="auto">
+          <a:xfrm>
+            <a:off x="2555781" y="3879674"/>
+            <a:ext cx="6721849" cy="2805799"/>
+          </a:xfrm>
+          <a:prstGeom prst="rect">
+            <a:avLst/>
+          </a:prstGeom>
+          <a:noFill/>
+          <a:extLst>
+            <a:ext uri="{909E8E84-426E-40DD-AFC4-6F175D3DCCD1}">
+              <a14:hiddenFill xmlns:a14="http://schemas.microsoft.com/office/drawing/2010/main">
+                <a:solidFill>
+                  <a:srgbClr val="FFFFFF"/>
+                </a:solidFill>
+              </a14:hiddenFill>
+            </a:ext>
+          </a:extLst>
+        </p:spPr>
+      </p:pic>
     </p:spTree>
     <p:extLst>
       <p:ext uri="{BB962C8B-B14F-4D97-AF65-F5344CB8AC3E}">

--- a/SYSG.pptx
+++ b/SYSG.pptx
@@ -4,6 +4,9 @@
   <p:sldMasterIdLst>
     <p:sldMasterId id="2147483648" r:id="rId1"/>
   </p:sldMasterIdLst>
+  <p:notesMasterIdLst>
+    <p:notesMasterId r:id="rId5"/>
+  </p:notesMasterIdLst>
   <p:sldIdLst>
     <p:sldId id="256" r:id="rId2"/>
     <p:sldId id="257" r:id="rId3"/>
@@ -125,6 +128,439 @@
 </p:presentation>
 </file>
 
+<file path=ppt/notesMasters/notesMaster1.xml><?xml version="1.0" encoding="utf-8"?>
+<p:notesMaster xmlns:a="http://schemas.openxmlformats.org/drawingml/2006/main" xmlns:r="http://schemas.openxmlformats.org/officeDocument/2006/relationships" xmlns:p="http://schemas.openxmlformats.org/presentationml/2006/main">
+  <p:cSld>
+    <p:bg>
+      <p:bgRef idx="1001">
+        <a:schemeClr val="bg1"/>
+      </p:bgRef>
+    </p:bg>
+    <p:spTree>
+      <p:nvGrpSpPr>
+        <p:cNvPr id="1" name=""/>
+        <p:cNvGrpSpPr/>
+        <p:nvPr/>
+      </p:nvGrpSpPr>
+      <p:grpSpPr>
+        <a:xfrm>
+          <a:off x="0" y="0"/>
+          <a:ext cx="0" cy="0"/>
+          <a:chOff x="0" y="0"/>
+          <a:chExt cx="0" cy="0"/>
+        </a:xfrm>
+      </p:grpSpPr>
+      <p:sp>
+        <p:nvSpPr>
+          <p:cNvPr id="2" name="Header Placeholder 1"/>
+          <p:cNvSpPr>
+            <a:spLocks noGrp="1"/>
+          </p:cNvSpPr>
+          <p:nvPr>
+            <p:ph type="hdr" sz="quarter"/>
+          </p:nvPr>
+        </p:nvSpPr>
+        <p:spPr>
+          <a:xfrm>
+            <a:off x="0" y="0"/>
+            <a:ext cx="2971800" cy="458788"/>
+          </a:xfrm>
+          <a:prstGeom prst="rect">
+            <a:avLst/>
+          </a:prstGeom>
+        </p:spPr>
+        <p:txBody>
+          <a:bodyPr vert="horz" lIns="91440" tIns="45720" rIns="91440" bIns="45720" rtlCol="0"/>
+          <a:lstStyle>
+            <a:lvl1pPr algn="l">
+              <a:defRPr sz="1200"/>
+            </a:lvl1pPr>
+          </a:lstStyle>
+          <a:p>
+            <a:endParaRPr lang="en-US"/>
+          </a:p>
+        </p:txBody>
+      </p:sp>
+      <p:sp>
+        <p:nvSpPr>
+          <p:cNvPr id="3" name="Date Placeholder 2"/>
+          <p:cNvSpPr>
+            <a:spLocks noGrp="1"/>
+          </p:cNvSpPr>
+          <p:nvPr>
+            <p:ph type="dt" idx="1"/>
+          </p:nvPr>
+        </p:nvSpPr>
+        <p:spPr>
+          <a:xfrm>
+            <a:off x="3884613" y="0"/>
+            <a:ext cx="2971800" cy="458788"/>
+          </a:xfrm>
+          <a:prstGeom prst="rect">
+            <a:avLst/>
+          </a:prstGeom>
+        </p:spPr>
+        <p:txBody>
+          <a:bodyPr vert="horz" lIns="91440" tIns="45720" rIns="91440" bIns="45720" rtlCol="0"/>
+          <a:lstStyle>
+            <a:lvl1pPr algn="r">
+              <a:defRPr sz="1200"/>
+            </a:lvl1pPr>
+          </a:lstStyle>
+          <a:p>
+            <a:fld id="{9DB45F93-D156-4AE8-B29F-58D76D05F0C5}" type="datetimeFigureOut">
+              <a:rPr lang="en-US" smtClean="0"/>
+              <a:t>1/27/2023</a:t>
+            </a:fld>
+            <a:endParaRPr lang="en-US"/>
+          </a:p>
+        </p:txBody>
+      </p:sp>
+      <p:sp>
+        <p:nvSpPr>
+          <p:cNvPr id="4" name="Slide Image Placeholder 3"/>
+          <p:cNvSpPr>
+            <a:spLocks noGrp="1" noRot="1" noChangeAspect="1"/>
+          </p:cNvSpPr>
+          <p:nvPr>
+            <p:ph type="sldImg" idx="2"/>
+          </p:nvPr>
+        </p:nvSpPr>
+        <p:spPr>
+          <a:xfrm>
+            <a:off x="685800" y="1143000"/>
+            <a:ext cx="5486400" cy="3086100"/>
+          </a:xfrm>
+          <a:prstGeom prst="rect">
+            <a:avLst/>
+          </a:prstGeom>
+          <a:noFill/>
+          <a:ln w="12700">
+            <a:solidFill>
+              <a:prstClr val="black"/>
+            </a:solidFill>
+          </a:ln>
+        </p:spPr>
+        <p:txBody>
+          <a:bodyPr vert="horz" lIns="91440" tIns="45720" rIns="91440" bIns="45720" rtlCol="0" anchor="ctr"/>
+          <a:lstStyle/>
+          <a:p>
+            <a:endParaRPr lang="en-US"/>
+          </a:p>
+        </p:txBody>
+      </p:sp>
+      <p:sp>
+        <p:nvSpPr>
+          <p:cNvPr id="5" name="Notes Placeholder 4"/>
+          <p:cNvSpPr>
+            <a:spLocks noGrp="1"/>
+          </p:cNvSpPr>
+          <p:nvPr>
+            <p:ph type="body" sz="quarter" idx="3"/>
+          </p:nvPr>
+        </p:nvSpPr>
+        <p:spPr>
+          <a:xfrm>
+            <a:off x="685800" y="4400550"/>
+            <a:ext cx="5486400" cy="3600450"/>
+          </a:xfrm>
+          <a:prstGeom prst="rect">
+            <a:avLst/>
+          </a:prstGeom>
+        </p:spPr>
+        <p:txBody>
+          <a:bodyPr vert="horz" lIns="91440" tIns="45720" rIns="91440" bIns="45720" rtlCol="0"/>
+          <a:lstStyle/>
+          <a:p>
+            <a:pPr lvl="0"/>
+            <a:r>
+              <a:rPr lang="en-US"/>
+              <a:t>Click to edit Master text styles</a:t>
+            </a:r>
+          </a:p>
+          <a:p>
+            <a:pPr lvl="1"/>
+            <a:r>
+              <a:rPr lang="en-US"/>
+              <a:t>Second level</a:t>
+            </a:r>
+          </a:p>
+          <a:p>
+            <a:pPr lvl="2"/>
+            <a:r>
+              <a:rPr lang="en-US"/>
+              <a:t>Third level</a:t>
+            </a:r>
+          </a:p>
+          <a:p>
+            <a:pPr lvl="3"/>
+            <a:r>
+              <a:rPr lang="en-US"/>
+              <a:t>Fourth level</a:t>
+            </a:r>
+          </a:p>
+          <a:p>
+            <a:pPr lvl="4"/>
+            <a:r>
+              <a:rPr lang="en-US"/>
+              <a:t>Fifth level</a:t>
+            </a:r>
+          </a:p>
+        </p:txBody>
+      </p:sp>
+      <p:sp>
+        <p:nvSpPr>
+          <p:cNvPr id="6" name="Footer Placeholder 5"/>
+          <p:cNvSpPr>
+            <a:spLocks noGrp="1"/>
+          </p:cNvSpPr>
+          <p:nvPr>
+            <p:ph type="ftr" sz="quarter" idx="4"/>
+          </p:nvPr>
+        </p:nvSpPr>
+        <p:spPr>
+          <a:xfrm>
+            <a:off x="0" y="8685213"/>
+            <a:ext cx="2971800" cy="458787"/>
+          </a:xfrm>
+          <a:prstGeom prst="rect">
+            <a:avLst/>
+          </a:prstGeom>
+        </p:spPr>
+        <p:txBody>
+          <a:bodyPr vert="horz" lIns="91440" tIns="45720" rIns="91440" bIns="45720" rtlCol="0" anchor="b"/>
+          <a:lstStyle>
+            <a:lvl1pPr algn="l">
+              <a:defRPr sz="1200"/>
+            </a:lvl1pPr>
+          </a:lstStyle>
+          <a:p>
+            <a:endParaRPr lang="en-US"/>
+          </a:p>
+        </p:txBody>
+      </p:sp>
+      <p:sp>
+        <p:nvSpPr>
+          <p:cNvPr id="7" name="Slide Number Placeholder 6"/>
+          <p:cNvSpPr>
+            <a:spLocks noGrp="1"/>
+          </p:cNvSpPr>
+          <p:nvPr>
+            <p:ph type="sldNum" sz="quarter" idx="5"/>
+          </p:nvPr>
+        </p:nvSpPr>
+        <p:spPr>
+          <a:xfrm>
+            <a:off x="3884613" y="8685213"/>
+            <a:ext cx="2971800" cy="458787"/>
+          </a:xfrm>
+          <a:prstGeom prst="rect">
+            <a:avLst/>
+          </a:prstGeom>
+        </p:spPr>
+        <p:txBody>
+          <a:bodyPr vert="horz" lIns="91440" tIns="45720" rIns="91440" bIns="45720" rtlCol="0" anchor="b"/>
+          <a:lstStyle>
+            <a:lvl1pPr algn="r">
+              <a:defRPr sz="1200"/>
+            </a:lvl1pPr>
+          </a:lstStyle>
+          <a:p>
+            <a:fld id="{C274715F-B38D-4FF4-A3CF-827D419B9D44}" type="slidenum">
+              <a:rPr lang="en-US" smtClean="0"/>
+              <a:t>‹#›</a:t>
+            </a:fld>
+            <a:endParaRPr lang="en-US"/>
+          </a:p>
+        </p:txBody>
+      </p:sp>
+    </p:spTree>
+    <p:extLst>
+      <p:ext uri="{BB962C8B-B14F-4D97-AF65-F5344CB8AC3E}">
+        <p14:creationId xmlns:p14="http://schemas.microsoft.com/office/powerpoint/2010/main" val="52822704"/>
+      </p:ext>
+    </p:extLst>
+  </p:cSld>
+  <p:clrMap bg1="lt1" tx1="dk1" bg2="lt2" tx2="dk2" accent1="accent1" accent2="accent2" accent3="accent3" accent4="accent4" accent5="accent5" accent6="accent6" hlink="hlink" folHlink="folHlink"/>
+  <p:notesStyle>
+    <a:lvl1pPr marL="0" algn="l" defTabSz="914400" rtl="0" eaLnBrk="1" latinLnBrk="0" hangingPunct="1">
+      <a:defRPr sz="1200" kern="1200">
+        <a:solidFill>
+          <a:schemeClr val="tx1"/>
+        </a:solidFill>
+        <a:latin typeface="+mn-lt"/>
+        <a:ea typeface="+mn-ea"/>
+        <a:cs typeface="+mn-cs"/>
+      </a:defRPr>
+    </a:lvl1pPr>
+    <a:lvl2pPr marL="457200" algn="l" defTabSz="914400" rtl="0" eaLnBrk="1" latinLnBrk="0" hangingPunct="1">
+      <a:defRPr sz="1200" kern="1200">
+        <a:solidFill>
+          <a:schemeClr val="tx1"/>
+        </a:solidFill>
+        <a:latin typeface="+mn-lt"/>
+        <a:ea typeface="+mn-ea"/>
+        <a:cs typeface="+mn-cs"/>
+      </a:defRPr>
+    </a:lvl2pPr>
+    <a:lvl3pPr marL="914400" algn="l" defTabSz="914400" rtl="0" eaLnBrk="1" latinLnBrk="0" hangingPunct="1">
+      <a:defRPr sz="1200" kern="1200">
+        <a:solidFill>
+          <a:schemeClr val="tx1"/>
+        </a:solidFill>
+        <a:latin typeface="+mn-lt"/>
+        <a:ea typeface="+mn-ea"/>
+        <a:cs typeface="+mn-cs"/>
+      </a:defRPr>
+    </a:lvl3pPr>
+    <a:lvl4pPr marL="1371600" algn="l" defTabSz="914400" rtl="0" eaLnBrk="1" latinLnBrk="0" hangingPunct="1">
+      <a:defRPr sz="1200" kern="1200">
+        <a:solidFill>
+          <a:schemeClr val="tx1"/>
+        </a:solidFill>
+        <a:latin typeface="+mn-lt"/>
+        <a:ea typeface="+mn-ea"/>
+        <a:cs typeface="+mn-cs"/>
+      </a:defRPr>
+    </a:lvl4pPr>
+    <a:lvl5pPr marL="1828800" algn="l" defTabSz="914400" rtl="0" eaLnBrk="1" latinLnBrk="0" hangingPunct="1">
+      <a:defRPr sz="1200" kern="1200">
+        <a:solidFill>
+          <a:schemeClr val="tx1"/>
+        </a:solidFill>
+        <a:latin typeface="+mn-lt"/>
+        <a:ea typeface="+mn-ea"/>
+        <a:cs typeface="+mn-cs"/>
+      </a:defRPr>
+    </a:lvl5pPr>
+    <a:lvl6pPr marL="2286000" algn="l" defTabSz="914400" rtl="0" eaLnBrk="1" latinLnBrk="0" hangingPunct="1">
+      <a:defRPr sz="1200" kern="1200">
+        <a:solidFill>
+          <a:schemeClr val="tx1"/>
+        </a:solidFill>
+        <a:latin typeface="+mn-lt"/>
+        <a:ea typeface="+mn-ea"/>
+        <a:cs typeface="+mn-cs"/>
+      </a:defRPr>
+    </a:lvl6pPr>
+    <a:lvl7pPr marL="2743200" algn="l" defTabSz="914400" rtl="0" eaLnBrk="1" latinLnBrk="0" hangingPunct="1">
+      <a:defRPr sz="1200" kern="1200">
+        <a:solidFill>
+          <a:schemeClr val="tx1"/>
+        </a:solidFill>
+        <a:latin typeface="+mn-lt"/>
+        <a:ea typeface="+mn-ea"/>
+        <a:cs typeface="+mn-cs"/>
+      </a:defRPr>
+    </a:lvl7pPr>
+    <a:lvl8pPr marL="3200400" algn="l" defTabSz="914400" rtl="0" eaLnBrk="1" latinLnBrk="0" hangingPunct="1">
+      <a:defRPr sz="1200" kern="1200">
+        <a:solidFill>
+          <a:schemeClr val="tx1"/>
+        </a:solidFill>
+        <a:latin typeface="+mn-lt"/>
+        <a:ea typeface="+mn-ea"/>
+        <a:cs typeface="+mn-cs"/>
+      </a:defRPr>
+    </a:lvl8pPr>
+    <a:lvl9pPr marL="3657600" algn="l" defTabSz="914400" rtl="0" eaLnBrk="1" latinLnBrk="0" hangingPunct="1">
+      <a:defRPr sz="1200" kern="1200">
+        <a:solidFill>
+          <a:schemeClr val="tx1"/>
+        </a:solidFill>
+        <a:latin typeface="+mn-lt"/>
+        <a:ea typeface="+mn-ea"/>
+        <a:cs typeface="+mn-cs"/>
+      </a:defRPr>
+    </a:lvl9pPr>
+  </p:notesStyle>
+</p:notesMaster>
+</file>
+
+<file path=ppt/notesSlides/notesSlide1.xml><?xml version="1.0" encoding="utf-8"?>
+<p:notes xmlns:a="http://schemas.openxmlformats.org/drawingml/2006/main" xmlns:r="http://schemas.openxmlformats.org/officeDocument/2006/relationships" xmlns:p="http://schemas.openxmlformats.org/presentationml/2006/main">
+  <p:cSld>
+    <p:spTree>
+      <p:nvGrpSpPr>
+        <p:cNvPr id="1" name=""/>
+        <p:cNvGrpSpPr/>
+        <p:nvPr/>
+      </p:nvGrpSpPr>
+      <p:grpSpPr>
+        <a:xfrm>
+          <a:off x="0" y="0"/>
+          <a:ext cx="0" cy="0"/>
+          <a:chOff x="0" y="0"/>
+          <a:chExt cx="0" cy="0"/>
+        </a:xfrm>
+      </p:grpSpPr>
+      <p:sp>
+        <p:nvSpPr>
+          <p:cNvPr id="2" name="Slide Image Placeholder 1"/>
+          <p:cNvSpPr>
+            <a:spLocks noGrp="1" noRot="1" noChangeAspect="1"/>
+          </p:cNvSpPr>
+          <p:nvPr>
+            <p:ph type="sldImg"/>
+          </p:nvPr>
+        </p:nvSpPr>
+        <p:spPr/>
+      </p:sp>
+      <p:sp>
+        <p:nvSpPr>
+          <p:cNvPr id="3" name="Notes Placeholder 2"/>
+          <p:cNvSpPr>
+            <a:spLocks noGrp="1"/>
+          </p:cNvSpPr>
+          <p:nvPr>
+            <p:ph type="body" idx="1"/>
+          </p:nvPr>
+        </p:nvSpPr>
+        <p:spPr/>
+        <p:txBody>
+          <a:bodyPr/>
+          <a:lstStyle/>
+          <a:p>
+            <a:endParaRPr lang="en-US" dirty="0"/>
+          </a:p>
+        </p:txBody>
+      </p:sp>
+      <p:sp>
+        <p:nvSpPr>
+          <p:cNvPr id="4" name="Slide Number Placeholder 3"/>
+          <p:cNvSpPr>
+            <a:spLocks noGrp="1"/>
+          </p:cNvSpPr>
+          <p:nvPr>
+            <p:ph type="sldNum" sz="quarter" idx="5"/>
+          </p:nvPr>
+        </p:nvSpPr>
+        <p:spPr/>
+        <p:txBody>
+          <a:bodyPr/>
+          <a:lstStyle/>
+          <a:p>
+            <a:fld id="{C274715F-B38D-4FF4-A3CF-827D419B9D44}" type="slidenum">
+              <a:rPr lang="en-US" smtClean="0"/>
+              <a:t>1</a:t>
+            </a:fld>
+            <a:endParaRPr lang="en-US"/>
+          </a:p>
+        </p:txBody>
+      </p:sp>
+    </p:spTree>
+    <p:extLst>
+      <p:ext uri="{BB962C8B-B14F-4D97-AF65-F5344CB8AC3E}">
+        <p14:creationId xmlns:p14="http://schemas.microsoft.com/office/powerpoint/2010/main" val="675930798"/>
+      </p:ext>
+    </p:extLst>
+  </p:cSld>
+  <p:clrMapOvr>
+    <a:masterClrMapping/>
+  </p:clrMapOvr>
+</p:notes>
+</file>
+
 <file path=ppt/slideLayouts/slideLayout1.xml><?xml version="1.0" encoding="utf-8"?>
 <p:sldLayout xmlns:a="http://schemas.openxmlformats.org/drawingml/2006/main" xmlns:r="http://schemas.openxmlformats.org/officeDocument/2006/relationships" xmlns:p="http://schemas.openxmlformats.org/presentationml/2006/main" type="title" preserve="1">
   <p:cSld name="Title Slide">
@@ -272,7 +708,7 @@
           <a:p>
             <a:fld id="{88C60456-FB3B-4026-A5DC-EEEFAE77261F}" type="datetimeFigureOut">
               <a:rPr lang="en-US" smtClean="0"/>
-              <a:t>1/23/2023</a:t>
+              <a:t>1/27/2023</a:t>
             </a:fld>
             <a:endParaRPr lang="en-US"/>
           </a:p>
@@ -470,7 +906,7 @@
           <a:p>
             <a:fld id="{88C60456-FB3B-4026-A5DC-EEEFAE77261F}" type="datetimeFigureOut">
               <a:rPr lang="en-US" smtClean="0"/>
-              <a:t>1/23/2023</a:t>
+              <a:t>1/27/2023</a:t>
             </a:fld>
             <a:endParaRPr lang="en-US"/>
           </a:p>
@@ -678,7 +1114,7 @@
           <a:p>
             <a:fld id="{88C60456-FB3B-4026-A5DC-EEEFAE77261F}" type="datetimeFigureOut">
               <a:rPr lang="en-US" smtClean="0"/>
-              <a:t>1/23/2023</a:t>
+              <a:t>1/27/2023</a:t>
             </a:fld>
             <a:endParaRPr lang="en-US"/>
           </a:p>
@@ -876,7 +1312,7 @@
           <a:p>
             <a:fld id="{88C60456-FB3B-4026-A5DC-EEEFAE77261F}" type="datetimeFigureOut">
               <a:rPr lang="en-US" smtClean="0"/>
-              <a:t>1/23/2023</a:t>
+              <a:t>1/27/2023</a:t>
             </a:fld>
             <a:endParaRPr lang="en-US"/>
           </a:p>
@@ -1151,7 +1587,7 @@
           <a:p>
             <a:fld id="{88C60456-FB3B-4026-A5DC-EEEFAE77261F}" type="datetimeFigureOut">
               <a:rPr lang="en-US" smtClean="0"/>
-              <a:t>1/23/2023</a:t>
+              <a:t>1/27/2023</a:t>
             </a:fld>
             <a:endParaRPr lang="en-US"/>
           </a:p>
@@ -1416,7 +1852,7 @@
           <a:p>
             <a:fld id="{88C60456-FB3B-4026-A5DC-EEEFAE77261F}" type="datetimeFigureOut">
               <a:rPr lang="en-US" smtClean="0"/>
-              <a:t>1/23/2023</a:t>
+              <a:t>1/27/2023</a:t>
             </a:fld>
             <a:endParaRPr lang="en-US"/>
           </a:p>
@@ -1828,7 +2264,7 @@
           <a:p>
             <a:fld id="{88C60456-FB3B-4026-A5DC-EEEFAE77261F}" type="datetimeFigureOut">
               <a:rPr lang="en-US" smtClean="0"/>
-              <a:t>1/23/2023</a:t>
+              <a:t>1/27/2023</a:t>
             </a:fld>
             <a:endParaRPr lang="en-US"/>
           </a:p>
@@ -1969,7 +2405,7 @@
           <a:p>
             <a:fld id="{88C60456-FB3B-4026-A5DC-EEEFAE77261F}" type="datetimeFigureOut">
               <a:rPr lang="en-US" smtClean="0"/>
-              <a:t>1/23/2023</a:t>
+              <a:t>1/27/2023</a:t>
             </a:fld>
             <a:endParaRPr lang="en-US"/>
           </a:p>
@@ -2082,7 +2518,7 @@
           <a:p>
             <a:fld id="{88C60456-FB3B-4026-A5DC-EEEFAE77261F}" type="datetimeFigureOut">
               <a:rPr lang="en-US" smtClean="0"/>
-              <a:t>1/23/2023</a:t>
+              <a:t>1/27/2023</a:t>
             </a:fld>
             <a:endParaRPr lang="en-US"/>
           </a:p>
@@ -2393,7 +2829,7 @@
           <a:p>
             <a:fld id="{88C60456-FB3B-4026-A5DC-EEEFAE77261F}" type="datetimeFigureOut">
               <a:rPr lang="en-US" smtClean="0"/>
-              <a:t>1/23/2023</a:t>
+              <a:t>1/27/2023</a:t>
             </a:fld>
             <a:endParaRPr lang="en-US"/>
           </a:p>
@@ -2681,7 +3117,7 @@
           <a:p>
             <a:fld id="{88C60456-FB3B-4026-A5DC-EEEFAE77261F}" type="datetimeFigureOut">
               <a:rPr lang="en-US" smtClean="0"/>
-              <a:t>1/23/2023</a:t>
+              <a:t>1/27/2023</a:t>
             </a:fld>
             <a:endParaRPr lang="en-US"/>
           </a:p>
@@ -2922,7 +3358,7 @@
           <a:p>
             <a:fld id="{88C60456-FB3B-4026-A5DC-EEEFAE77261F}" type="datetimeFigureOut">
               <a:rPr lang="en-US" smtClean="0"/>
-              <a:t>1/23/2023</a:t>
+              <a:t>1/27/2023</a:t>
             </a:fld>
             <a:endParaRPr lang="en-US"/>
           </a:p>
@@ -3543,10 +3979,10 @@
       </p:sp>
       <p:pic>
         <p:nvPicPr>
-          <p:cNvPr id="1030" name="Picture 6">
-            <a:extLst>
-              <a:ext uri="{FF2B5EF4-FFF2-40B4-BE49-F238E27FC236}">
-                <a16:creationId xmlns:a16="http://schemas.microsoft.com/office/drawing/2014/main" id="{75814677-2C1B-C664-B0E0-06F8ED85923D}"/>
+          <p:cNvPr id="1026" name="Picture 2">
+            <a:extLst>
+              <a:ext uri="{FF2B5EF4-FFF2-40B4-BE49-F238E27FC236}">
+                <a16:creationId xmlns:a16="http://schemas.microsoft.com/office/drawing/2014/main" id="{FEBAF8A0-6813-76E1-7DBC-EDE240626C56}"/>
               </a:ext>
             </a:extLst>
           </p:cNvPr>
@@ -3570,8 +4006,8 @@
         </p:blipFill>
         <p:spPr bwMode="auto">
           <a:xfrm>
-            <a:off x="4060452" y="801000"/>
-            <a:ext cx="4581525" cy="2787761"/>
+            <a:off x="3842303" y="607867"/>
+            <a:ext cx="4776335" cy="2906298"/>
           </a:xfrm>
           <a:prstGeom prst="rect">
             <a:avLst/>
@@ -3590,10 +4026,10 @@
       </p:pic>
       <p:pic>
         <p:nvPicPr>
-          <p:cNvPr id="1032" name="Picture 8">
-            <a:extLst>
-              <a:ext uri="{FF2B5EF4-FFF2-40B4-BE49-F238E27FC236}">
-                <a16:creationId xmlns:a16="http://schemas.microsoft.com/office/drawing/2014/main" id="{85E505F7-609F-9E12-8678-26C914611649}"/>
+          <p:cNvPr id="1028" name="Picture 4">
+            <a:extLst>
+              <a:ext uri="{FF2B5EF4-FFF2-40B4-BE49-F238E27FC236}">
+                <a16:creationId xmlns:a16="http://schemas.microsoft.com/office/drawing/2014/main" id="{C491E33C-D724-E848-3F01-A01CE6016AE4}"/>
               </a:ext>
             </a:extLst>
           </p:cNvPr>
@@ -3617,8 +4053,8 @@
         </p:blipFill>
         <p:spPr bwMode="auto">
           <a:xfrm>
-            <a:off x="2555781" y="3879674"/>
-            <a:ext cx="6721849" cy="2805799"/>
+            <a:off x="2840691" y="3880635"/>
+            <a:ext cx="6294344" cy="2714868"/>
           </a:xfrm>
           <a:prstGeom prst="rect">
             <a:avLst/>
@@ -3941,4 +4377,299 @@
     </a:ext>
   </a:extLst>
 </a:theme>
+</file>
+
+<file path=ppt/theme/theme2.xml><?xml version="1.0" encoding="utf-8"?>
+<a:theme xmlns:a="http://schemas.openxmlformats.org/drawingml/2006/main" name="Office Theme">
+  <a:themeElements>
+    <a:clrScheme name="Office">
+      <a:dk1>
+        <a:sysClr val="windowText" lastClr="000000"/>
+      </a:dk1>
+      <a:lt1>
+        <a:sysClr val="window" lastClr="FFFFFF"/>
+      </a:lt1>
+      <a:dk2>
+        <a:srgbClr val="44546A"/>
+      </a:dk2>
+      <a:lt2>
+        <a:srgbClr val="E7E6E6"/>
+      </a:lt2>
+      <a:accent1>
+        <a:srgbClr val="4472C4"/>
+      </a:accent1>
+      <a:accent2>
+        <a:srgbClr val="ED7D31"/>
+      </a:accent2>
+      <a:accent3>
+        <a:srgbClr val="A5A5A5"/>
+      </a:accent3>
+      <a:accent4>
+        <a:srgbClr val="FFC000"/>
+      </a:accent4>
+      <a:accent5>
+        <a:srgbClr val="5B9BD5"/>
+      </a:accent5>
+      <a:accent6>
+        <a:srgbClr val="70AD47"/>
+      </a:accent6>
+      <a:hlink>
+        <a:srgbClr val="0563C1"/>
+      </a:hlink>
+      <a:folHlink>
+        <a:srgbClr val="954F72"/>
+      </a:folHlink>
+    </a:clrScheme>
+    <a:fontScheme name="Office">
+      <a:majorFont>
+        <a:latin typeface="Calibri Light" panose="020F0302020204030204"/>
+        <a:ea typeface=""/>
+        <a:cs typeface=""/>
+        <a:font script="Jpan" typeface="游ゴシック Light"/>
+        <a:font script="Hang" typeface="맑은 고딕"/>
+        <a:font script="Hans" typeface="等线 Light"/>
+        <a:font script="Hant" typeface="新細明體"/>
+        <a:font script="Arab" typeface="Times New Roman"/>
+        <a:font script="Hebr" typeface="Times New Roman"/>
+        <a:font script="Thai" typeface="Angsana New"/>
+        <a:font script="Ethi" typeface="Nyala"/>
+        <a:font script="Beng" typeface="Vrinda"/>
+        <a:font script="Gujr" typeface="Shruti"/>
+        <a:font script="Khmr" typeface="MoolBoran"/>
+        <a:font script="Knda" typeface="Tunga"/>
+        <a:font script="Guru" typeface="Raavi"/>
+        <a:font script="Cans" typeface="Euphemia"/>
+        <a:font script="Cher" typeface="Plantagenet Cherokee"/>
+        <a:font script="Yiii" typeface="Microsoft Yi Baiti"/>
+        <a:font script="Tibt" typeface="Microsoft Himalaya"/>
+        <a:font script="Thaa" typeface="MV Boli"/>
+        <a:font script="Deva" typeface="Mangal"/>
+        <a:font script="Telu" typeface="Gautami"/>
+        <a:font script="Taml" typeface="Latha"/>
+        <a:font script="Syrc" typeface="Estrangelo Edessa"/>
+        <a:font script="Orya" typeface="Kalinga"/>
+        <a:font script="Mlym" typeface="Kartika"/>
+        <a:font script="Laoo" typeface="DokChampa"/>
+        <a:font script="Sinh" typeface="Iskoola Pota"/>
+        <a:font script="Mong" typeface="Mongolian Baiti"/>
+        <a:font script="Viet" typeface="Times New Roman"/>
+        <a:font script="Uigh" typeface="Microsoft Uighur"/>
+        <a:font script="Geor" typeface="Sylfaen"/>
+        <a:font script="Armn" typeface="Arial"/>
+        <a:font script="Bugi" typeface="Leelawadee UI"/>
+        <a:font script="Bopo" typeface="Microsoft JhengHei"/>
+        <a:font script="Java" typeface="Javanese Text"/>
+        <a:font script="Lisu" typeface="Segoe UI"/>
+        <a:font script="Mymr" typeface="Myanmar Text"/>
+        <a:font script="Nkoo" typeface="Ebrima"/>
+        <a:font script="Olck" typeface="Nirmala UI"/>
+        <a:font script="Osma" typeface="Ebrima"/>
+        <a:font script="Phag" typeface="Phagspa"/>
+        <a:font script="Syrn" typeface="Estrangelo Edessa"/>
+        <a:font script="Syrj" typeface="Estrangelo Edessa"/>
+        <a:font script="Syre" typeface="Estrangelo Edessa"/>
+        <a:font script="Sora" typeface="Nirmala UI"/>
+        <a:font script="Tale" typeface="Microsoft Tai Le"/>
+        <a:font script="Talu" typeface="Microsoft New Tai Lue"/>
+        <a:font script="Tfng" typeface="Ebrima"/>
+      </a:majorFont>
+      <a:minorFont>
+        <a:latin typeface="Calibri" panose="020F0502020204030204"/>
+        <a:ea typeface=""/>
+        <a:cs typeface=""/>
+        <a:font script="Jpan" typeface="游ゴシック"/>
+        <a:font script="Hang" typeface="맑은 고딕"/>
+        <a:font script="Hans" typeface="等线"/>
+        <a:font script="Hant" typeface="新細明體"/>
+        <a:font script="Arab" typeface="Arial"/>
+        <a:font script="Hebr" typeface="Arial"/>
+        <a:font script="Thai" typeface="Cordia New"/>
+        <a:font script="Ethi" typeface="Nyala"/>
+        <a:font script="Beng" typeface="Vrinda"/>
+        <a:font script="Gujr" typeface="Shruti"/>
+        <a:font script="Khmr" typeface="DaunPenh"/>
+        <a:font script="Knda" typeface="Tunga"/>
+        <a:font script="Guru" typeface="Raavi"/>
+        <a:font script="Cans" typeface="Euphemia"/>
+        <a:font script="Cher" typeface="Plantagenet Cherokee"/>
+        <a:font script="Yiii" typeface="Microsoft Yi Baiti"/>
+        <a:font script="Tibt" typeface="Microsoft Himalaya"/>
+        <a:font script="Thaa" typeface="MV Boli"/>
+        <a:font script="Deva" typeface="Mangal"/>
+        <a:font script="Telu" typeface="Gautami"/>
+        <a:font script="Taml" typeface="Latha"/>
+        <a:font script="Syrc" typeface="Estrangelo Edessa"/>
+        <a:font script="Orya" typeface="Kalinga"/>
+        <a:font script="Mlym" typeface="Kartika"/>
+        <a:font script="Laoo" typeface="DokChampa"/>
+        <a:font script="Sinh" typeface="Iskoola Pota"/>
+        <a:font script="Mong" typeface="Mongolian Baiti"/>
+        <a:font script="Viet" typeface="Arial"/>
+        <a:font script="Uigh" typeface="Microsoft Uighur"/>
+        <a:font script="Geor" typeface="Sylfaen"/>
+        <a:font script="Armn" typeface="Arial"/>
+        <a:font script="Bugi" typeface="Leelawadee UI"/>
+        <a:font script="Bopo" typeface="Microsoft JhengHei"/>
+        <a:font script="Java" typeface="Javanese Text"/>
+        <a:font script="Lisu" typeface="Segoe UI"/>
+        <a:font script="Mymr" typeface="Myanmar Text"/>
+        <a:font script="Nkoo" typeface="Ebrima"/>
+        <a:font script="Olck" typeface="Nirmala UI"/>
+        <a:font script="Osma" typeface="Ebrima"/>
+        <a:font script="Phag" typeface="Phagspa"/>
+        <a:font script="Syrn" typeface="Estrangelo Edessa"/>
+        <a:font script="Syrj" typeface="Estrangelo Edessa"/>
+        <a:font script="Syre" typeface="Estrangelo Edessa"/>
+        <a:font script="Sora" typeface="Nirmala UI"/>
+        <a:font script="Tale" typeface="Microsoft Tai Le"/>
+        <a:font script="Talu" typeface="Microsoft New Tai Lue"/>
+        <a:font script="Tfng" typeface="Ebrima"/>
+      </a:minorFont>
+    </a:fontScheme>
+    <a:fmtScheme name="Office">
+      <a:fillStyleLst>
+        <a:solidFill>
+          <a:schemeClr val="phClr"/>
+        </a:solidFill>
+        <a:gradFill rotWithShape="1">
+          <a:gsLst>
+            <a:gs pos="0">
+              <a:schemeClr val="phClr">
+                <a:lumMod val="110000"/>
+                <a:satMod val="105000"/>
+                <a:tint val="67000"/>
+              </a:schemeClr>
+            </a:gs>
+            <a:gs pos="50000">
+              <a:schemeClr val="phClr">
+                <a:lumMod val="105000"/>
+                <a:satMod val="103000"/>
+                <a:tint val="73000"/>
+              </a:schemeClr>
+            </a:gs>
+            <a:gs pos="100000">
+              <a:schemeClr val="phClr">
+                <a:lumMod val="105000"/>
+                <a:satMod val="109000"/>
+                <a:tint val="81000"/>
+              </a:schemeClr>
+            </a:gs>
+          </a:gsLst>
+          <a:lin ang="5400000" scaled="0"/>
+        </a:gradFill>
+        <a:gradFill rotWithShape="1">
+          <a:gsLst>
+            <a:gs pos="0">
+              <a:schemeClr val="phClr">
+                <a:satMod val="103000"/>
+                <a:lumMod val="102000"/>
+                <a:tint val="94000"/>
+              </a:schemeClr>
+            </a:gs>
+            <a:gs pos="50000">
+              <a:schemeClr val="phClr">
+                <a:satMod val="110000"/>
+                <a:lumMod val="100000"/>
+                <a:shade val="100000"/>
+              </a:schemeClr>
+            </a:gs>
+            <a:gs pos="100000">
+              <a:schemeClr val="phClr">
+                <a:lumMod val="99000"/>
+                <a:satMod val="120000"/>
+                <a:shade val="78000"/>
+              </a:schemeClr>
+            </a:gs>
+          </a:gsLst>
+          <a:lin ang="5400000" scaled="0"/>
+        </a:gradFill>
+      </a:fillStyleLst>
+      <a:lnStyleLst>
+        <a:ln w="6350" cap="flat" cmpd="sng" algn="ctr">
+          <a:solidFill>
+            <a:schemeClr val="phClr"/>
+          </a:solidFill>
+          <a:prstDash val="solid"/>
+          <a:miter lim="800000"/>
+        </a:ln>
+        <a:ln w="12700" cap="flat" cmpd="sng" algn="ctr">
+          <a:solidFill>
+            <a:schemeClr val="phClr"/>
+          </a:solidFill>
+          <a:prstDash val="solid"/>
+          <a:miter lim="800000"/>
+        </a:ln>
+        <a:ln w="19050" cap="flat" cmpd="sng" algn="ctr">
+          <a:solidFill>
+            <a:schemeClr val="phClr"/>
+          </a:solidFill>
+          <a:prstDash val="solid"/>
+          <a:miter lim="800000"/>
+        </a:ln>
+      </a:lnStyleLst>
+      <a:effectStyleLst>
+        <a:effectStyle>
+          <a:effectLst/>
+        </a:effectStyle>
+        <a:effectStyle>
+          <a:effectLst/>
+        </a:effectStyle>
+        <a:effectStyle>
+          <a:effectLst>
+            <a:outerShdw blurRad="57150" dist="19050" dir="5400000" algn="ctr" rotWithShape="0">
+              <a:srgbClr val="000000">
+                <a:alpha val="63000"/>
+              </a:srgbClr>
+            </a:outerShdw>
+          </a:effectLst>
+        </a:effectStyle>
+      </a:effectStyleLst>
+      <a:bgFillStyleLst>
+        <a:solidFill>
+          <a:schemeClr val="phClr"/>
+        </a:solidFill>
+        <a:solidFill>
+          <a:schemeClr val="phClr">
+            <a:tint val="95000"/>
+            <a:satMod val="170000"/>
+          </a:schemeClr>
+        </a:solidFill>
+        <a:gradFill rotWithShape="1">
+          <a:gsLst>
+            <a:gs pos="0">
+              <a:schemeClr val="phClr">
+                <a:tint val="93000"/>
+                <a:satMod val="150000"/>
+                <a:shade val="98000"/>
+                <a:lumMod val="102000"/>
+              </a:schemeClr>
+            </a:gs>
+            <a:gs pos="50000">
+              <a:schemeClr val="phClr">
+                <a:tint val="98000"/>
+                <a:satMod val="130000"/>
+                <a:shade val="90000"/>
+                <a:lumMod val="103000"/>
+              </a:schemeClr>
+            </a:gs>
+            <a:gs pos="100000">
+              <a:schemeClr val="phClr">
+                <a:shade val="63000"/>
+                <a:satMod val="120000"/>
+              </a:schemeClr>
+            </a:gs>
+          </a:gsLst>
+          <a:lin ang="5400000" scaled="0"/>
+        </a:gradFill>
+      </a:bgFillStyleLst>
+    </a:fmtScheme>
+  </a:themeElements>
+  <a:objectDefaults/>
+  <a:extraClrSchemeLst/>
+  <a:extLst>
+    <a:ext uri="{05A4C25C-085E-4340-85A3-A5531E510DB2}">
+      <thm15:themeFamily xmlns:thm15="http://schemas.microsoft.com/office/thememl/2012/main" name="Office Theme 2013 - 2022" id="{62F939B6-93AF-4DB8-9C6B-D6C7DFDC589F}" vid="{4A3C46E8-61CC-4603-A589-7422A47A8E4A}"/>
+    </a:ext>
+  </a:extLst>
+</a:theme>
 </file>
--- a/SYSG.pptx
+++ b/SYSG.pptx
@@ -210,7 +210,7 @@
           <a:p>
             <a:fld id="{9DB45F93-D156-4AE8-B29F-58D76D05F0C5}" type="datetimeFigureOut">
               <a:rPr lang="en-US" smtClean="0"/>
-              <a:t>1/27/2023</a:t>
+              <a:t>1/31/2023</a:t>
             </a:fld>
             <a:endParaRPr lang="en-US"/>
           </a:p>
@@ -708,7 +708,7 @@
           <a:p>
             <a:fld id="{88C60456-FB3B-4026-A5DC-EEEFAE77261F}" type="datetimeFigureOut">
               <a:rPr lang="en-US" smtClean="0"/>
-              <a:t>1/27/2023</a:t>
+              <a:t>1/31/2023</a:t>
             </a:fld>
             <a:endParaRPr lang="en-US"/>
           </a:p>
@@ -906,7 +906,7 @@
           <a:p>
             <a:fld id="{88C60456-FB3B-4026-A5DC-EEEFAE77261F}" type="datetimeFigureOut">
               <a:rPr lang="en-US" smtClean="0"/>
-              <a:t>1/27/2023</a:t>
+              <a:t>1/31/2023</a:t>
             </a:fld>
             <a:endParaRPr lang="en-US"/>
           </a:p>
@@ -1114,7 +1114,7 @@
           <a:p>
             <a:fld id="{88C60456-FB3B-4026-A5DC-EEEFAE77261F}" type="datetimeFigureOut">
               <a:rPr lang="en-US" smtClean="0"/>
-              <a:t>1/27/2023</a:t>
+              <a:t>1/31/2023</a:t>
             </a:fld>
             <a:endParaRPr lang="en-US"/>
           </a:p>
@@ -1312,7 +1312,7 @@
           <a:p>
             <a:fld id="{88C60456-FB3B-4026-A5DC-EEEFAE77261F}" type="datetimeFigureOut">
               <a:rPr lang="en-US" smtClean="0"/>
-              <a:t>1/27/2023</a:t>
+              <a:t>1/31/2023</a:t>
             </a:fld>
             <a:endParaRPr lang="en-US"/>
           </a:p>
@@ -1587,7 +1587,7 @@
           <a:p>
             <a:fld id="{88C60456-FB3B-4026-A5DC-EEEFAE77261F}" type="datetimeFigureOut">
               <a:rPr lang="en-US" smtClean="0"/>
-              <a:t>1/27/2023</a:t>
+              <a:t>1/31/2023</a:t>
             </a:fld>
             <a:endParaRPr lang="en-US"/>
           </a:p>
@@ -1852,7 +1852,7 @@
           <a:p>
             <a:fld id="{88C60456-FB3B-4026-A5DC-EEEFAE77261F}" type="datetimeFigureOut">
               <a:rPr lang="en-US" smtClean="0"/>
-              <a:t>1/27/2023</a:t>
+              <a:t>1/31/2023</a:t>
             </a:fld>
             <a:endParaRPr lang="en-US"/>
           </a:p>
@@ -2264,7 +2264,7 @@
           <a:p>
             <a:fld id="{88C60456-FB3B-4026-A5DC-EEEFAE77261F}" type="datetimeFigureOut">
               <a:rPr lang="en-US" smtClean="0"/>
-              <a:t>1/27/2023</a:t>
+              <a:t>1/31/2023</a:t>
             </a:fld>
             <a:endParaRPr lang="en-US"/>
           </a:p>
@@ -2405,7 +2405,7 @@
           <a:p>
             <a:fld id="{88C60456-FB3B-4026-A5DC-EEEFAE77261F}" type="datetimeFigureOut">
               <a:rPr lang="en-US" smtClean="0"/>
-              <a:t>1/27/2023</a:t>
+              <a:t>1/31/2023</a:t>
             </a:fld>
             <a:endParaRPr lang="en-US"/>
           </a:p>
@@ -2518,7 +2518,7 @@
           <a:p>
             <a:fld id="{88C60456-FB3B-4026-A5DC-EEEFAE77261F}" type="datetimeFigureOut">
               <a:rPr lang="en-US" smtClean="0"/>
-              <a:t>1/27/2023</a:t>
+              <a:t>1/31/2023</a:t>
             </a:fld>
             <a:endParaRPr lang="en-US"/>
           </a:p>
@@ -2829,7 +2829,7 @@
           <a:p>
             <a:fld id="{88C60456-FB3B-4026-A5DC-EEEFAE77261F}" type="datetimeFigureOut">
               <a:rPr lang="en-US" smtClean="0"/>
-              <a:t>1/27/2023</a:t>
+              <a:t>1/31/2023</a:t>
             </a:fld>
             <a:endParaRPr lang="en-US"/>
           </a:p>
@@ -3117,7 +3117,7 @@
           <a:p>
             <a:fld id="{88C60456-FB3B-4026-A5DC-EEEFAE77261F}" type="datetimeFigureOut">
               <a:rPr lang="en-US" smtClean="0"/>
-              <a:t>1/27/2023</a:t>
+              <a:t>1/31/2023</a:t>
             </a:fld>
             <a:endParaRPr lang="en-US"/>
           </a:p>
@@ -3358,7 +3358,7 @@
           <a:p>
             <a:fld id="{88C60456-FB3B-4026-A5DC-EEEFAE77261F}" type="datetimeFigureOut">
               <a:rPr lang="en-US" smtClean="0"/>
-              <a:t>1/27/2023</a:t>
+              <a:t>1/31/2023</a:t>
             </a:fld>
             <a:endParaRPr lang="en-US"/>
           </a:p>
@@ -4006,7 +4006,7 @@
         </p:blipFill>
         <p:spPr bwMode="auto">
           <a:xfrm>
-            <a:off x="3842303" y="607867"/>
+            <a:off x="1319665" y="715444"/>
             <a:ext cx="4776335" cy="2906298"/>
           </a:xfrm>
           <a:prstGeom prst="rect">
@@ -4026,10 +4026,10 @@
       </p:pic>
       <p:pic>
         <p:nvPicPr>
-          <p:cNvPr id="1028" name="Picture 4">
-            <a:extLst>
-              <a:ext uri="{FF2B5EF4-FFF2-40B4-BE49-F238E27FC236}">
-                <a16:creationId xmlns:a16="http://schemas.microsoft.com/office/drawing/2014/main" id="{C491E33C-D724-E848-3F01-A01CE6016AE4}"/>
+          <p:cNvPr id="3" name="Picture 2">
+            <a:extLst>
+              <a:ext uri="{FF2B5EF4-FFF2-40B4-BE49-F238E27FC236}">
+                <a16:creationId xmlns:a16="http://schemas.microsoft.com/office/drawing/2014/main" id="{77A43F0C-BBB8-6098-0CFA-004429EF73D2}"/>
               </a:ext>
             </a:extLst>
           </p:cNvPr>
@@ -4053,8 +4053,53 @@
         </p:blipFill>
         <p:spPr bwMode="auto">
           <a:xfrm>
-            <a:off x="2840691" y="3880635"/>
-            <a:ext cx="6294344" cy="2714868"/>
+            <a:off x="5434733" y="3949975"/>
+            <a:ext cx="6322792" cy="2665547"/>
+          </a:xfrm>
+          <a:prstGeom prst="rect">
+            <a:avLst/>
+          </a:prstGeom>
+          <a:noFill/>
+          <a:extLst>
+            <a:ext uri="{909E8E84-426E-40DD-AFC4-6F175D3DCCD1}">
+              <a14:hiddenFill xmlns:a14="http://schemas.microsoft.com/office/drawing/2010/main">
+                <a:solidFill>
+                  <a:srgbClr val="FFFFFF"/>
+                </a:solidFill>
+              </a14:hiddenFill>
+            </a:ext>
+          </a:extLst>
+        </p:spPr>
+      </p:pic>
+      <p:pic>
+        <p:nvPicPr>
+          <p:cNvPr id="4" name="Picture 4">
+            <a:extLst>
+              <a:ext uri="{FF2B5EF4-FFF2-40B4-BE49-F238E27FC236}">
+                <a16:creationId xmlns:a16="http://schemas.microsoft.com/office/drawing/2014/main" id="{5AD23993-5075-6E7E-6ED0-D73C1CF22EF2}"/>
+              </a:ext>
+            </a:extLst>
+          </p:cNvPr>
+          <p:cNvPicPr>
+            <a:picLocks noChangeAspect="1" noChangeArrowheads="1"/>
+          </p:cNvPicPr>
+          <p:nvPr/>
+        </p:nvPicPr>
+        <p:blipFill rotWithShape="1">
+          <a:blip r:embed="rId4">
+            <a:extLst>
+              <a:ext uri="{28A0092B-C50C-407E-A947-70E740481C1C}">
+                <a14:useLocalDpi xmlns:a14="http://schemas.microsoft.com/office/drawing/2010/main" val="0"/>
+              </a:ext>
+            </a:extLst>
+          </a:blip>
+          <a:srcRect r="49754"/>
+          <a:stretch/>
+        </p:blipFill>
+        <p:spPr bwMode="auto">
+          <a:xfrm>
+            <a:off x="6532859" y="715444"/>
+            <a:ext cx="3677941" cy="3060946"/>
           </a:xfrm>
           <a:prstGeom prst="rect">
             <a:avLst/>

--- a/SYSG.pptx
+++ b/SYSG.pptx
@@ -4006,7 +4006,7 @@
         </p:blipFill>
         <p:spPr bwMode="auto">
           <a:xfrm>
-            <a:off x="1319665" y="715444"/>
+            <a:off x="508607" y="715444"/>
             <a:ext cx="4776335" cy="2906298"/>
           </a:xfrm>
           <a:prstGeom prst="rect">
@@ -4053,7 +4053,7 @@
         </p:blipFill>
         <p:spPr bwMode="auto">
           <a:xfrm>
-            <a:off x="5434733" y="3949975"/>
+            <a:off x="5434733" y="3862494"/>
             <a:ext cx="6322792" cy="2665547"/>
           </a:xfrm>
           <a:prstGeom prst="rect">
@@ -4098,8 +4098,55 @@
         </p:blipFill>
         <p:spPr bwMode="auto">
           <a:xfrm>
-            <a:off x="6532859" y="715444"/>
+            <a:off x="6757159" y="715444"/>
             <a:ext cx="3677941" cy="3060946"/>
+          </a:xfrm>
+          <a:prstGeom prst="rect">
+            <a:avLst/>
+          </a:prstGeom>
+          <a:noFill/>
+          <a:extLst>
+            <a:ext uri="{909E8E84-426E-40DD-AFC4-6F175D3DCCD1}">
+              <a14:hiddenFill xmlns:a14="http://schemas.microsoft.com/office/drawing/2010/main">
+                <a:solidFill>
+                  <a:srgbClr val="FFFFFF"/>
+                </a:solidFill>
+              </a14:hiddenFill>
+            </a:ext>
+          </a:extLst>
+        </p:spPr>
+      </p:pic>
+      <p:pic>
+        <p:nvPicPr>
+          <p:cNvPr id="1030" name="Picture 6">
+            <a:extLst>
+              <a:ext uri="{FF2B5EF4-FFF2-40B4-BE49-F238E27FC236}">
+                <a16:creationId xmlns:a16="http://schemas.microsoft.com/office/drawing/2014/main" id="{539E9CD9-CAED-EB68-776A-09BD7ADE8676}"/>
+              </a:ext>
+            </a:extLst>
+          </p:cNvPr>
+          <p:cNvPicPr>
+            <a:picLocks noChangeAspect="1" noChangeArrowheads="1"/>
+          </p:cNvPicPr>
+          <p:nvPr/>
+        </p:nvPicPr>
+        <p:blipFill>
+          <a:blip r:embed="rId5">
+            <a:extLst>
+              <a:ext uri="{28A0092B-C50C-407E-A947-70E740481C1C}">
+                <a14:useLocalDpi xmlns:a14="http://schemas.microsoft.com/office/drawing/2010/main" val="0"/>
+              </a:ext>
+            </a:extLst>
+          </a:blip>
+          <a:srcRect/>
+          <a:stretch>
+            <a:fillRect/>
+          </a:stretch>
+        </p:blipFill>
+        <p:spPr bwMode="auto">
+          <a:xfrm>
+            <a:off x="434475" y="3621742"/>
+            <a:ext cx="4776336" cy="2906299"/>
           </a:xfrm>
           <a:prstGeom prst="rect">
             <a:avLst/>

--- a/SYSG.pptx
+++ b/SYSG.pptx
@@ -4006,7 +4006,7 @@
         </p:blipFill>
         <p:spPr bwMode="auto">
           <a:xfrm>
-            <a:off x="508607" y="715444"/>
+            <a:off x="494901" y="715444"/>
             <a:ext cx="4776335" cy="2906298"/>
           </a:xfrm>
           <a:prstGeom prst="rect">
@@ -4053,7 +4053,7 @@
         </p:blipFill>
         <p:spPr bwMode="auto">
           <a:xfrm>
-            <a:off x="5434733" y="3862494"/>
+            <a:off x="5517029" y="3862494"/>
             <a:ext cx="6322792" cy="2665547"/>
           </a:xfrm>
           <a:prstGeom prst="rect">
@@ -4093,13 +4093,13 @@
               </a:ext>
             </a:extLst>
           </a:blip>
-          <a:srcRect r="49754"/>
+          <a:srcRect r="50028"/>
           <a:stretch/>
         </p:blipFill>
         <p:spPr bwMode="auto">
           <a:xfrm>
             <a:off x="6757159" y="715444"/>
-            <a:ext cx="3677941" cy="3060946"/>
+            <a:ext cx="3657857" cy="3060946"/>
           </a:xfrm>
           <a:prstGeom prst="rect">
             <a:avLst/>
@@ -4118,10 +4118,10 @@
       </p:pic>
       <p:pic>
         <p:nvPicPr>
-          <p:cNvPr id="1030" name="Picture 6">
-            <a:extLst>
-              <a:ext uri="{FF2B5EF4-FFF2-40B4-BE49-F238E27FC236}">
-                <a16:creationId xmlns:a16="http://schemas.microsoft.com/office/drawing/2014/main" id="{539E9CD9-CAED-EB68-776A-09BD7ADE8676}"/>
+          <p:cNvPr id="1032" name="Picture 8">
+            <a:extLst>
+              <a:ext uri="{FF2B5EF4-FFF2-40B4-BE49-F238E27FC236}">
+                <a16:creationId xmlns:a16="http://schemas.microsoft.com/office/drawing/2014/main" id="{930B3979-098F-51C7-B744-460BB7795233}"/>
               </a:ext>
             </a:extLst>
           </p:cNvPr>
@@ -4145,8 +4145,8 @@
         </p:blipFill>
         <p:spPr bwMode="auto">
           <a:xfrm>
-            <a:off x="434475" y="3621742"/>
-            <a:ext cx="4776336" cy="2906299"/>
+            <a:off x="494901" y="3742118"/>
+            <a:ext cx="4871622" cy="2906298"/>
           </a:xfrm>
           <a:prstGeom prst="rect">
             <a:avLst/>

--- a/SYSG.pptx
+++ b/SYSG.pptx
@@ -4118,10 +4118,10 @@
       </p:pic>
       <p:pic>
         <p:nvPicPr>
-          <p:cNvPr id="1032" name="Picture 8">
-            <a:extLst>
-              <a:ext uri="{FF2B5EF4-FFF2-40B4-BE49-F238E27FC236}">
-                <a16:creationId xmlns:a16="http://schemas.microsoft.com/office/drawing/2014/main" id="{930B3979-098F-51C7-B744-460BB7795233}"/>
+          <p:cNvPr id="1034" name="Picture 10">
+            <a:extLst>
+              <a:ext uri="{FF2B5EF4-FFF2-40B4-BE49-F238E27FC236}">
+                <a16:creationId xmlns:a16="http://schemas.microsoft.com/office/drawing/2014/main" id="{8DB0D654-7E88-E212-F797-4F93A05E9DC9}"/>
               </a:ext>
             </a:extLst>
           </p:cNvPr>
@@ -4145,7 +4145,7 @@
         </p:blipFill>
         <p:spPr bwMode="auto">
           <a:xfrm>
-            <a:off x="494901" y="3742118"/>
+            <a:off x="494901" y="3634613"/>
             <a:ext cx="4871622" cy="2906298"/>
           </a:xfrm>
           <a:prstGeom prst="rect">

--- a/SYSG.pptx
+++ b/SYSG.pptx
@@ -210,7 +210,7 @@
           <a:p>
             <a:fld id="{9DB45F93-D156-4AE8-B29F-58D76D05F0C5}" type="datetimeFigureOut">
               <a:rPr lang="en-US" smtClean="0"/>
-              <a:t>1/31/2023</a:t>
+              <a:t>2/2/2023</a:t>
             </a:fld>
             <a:endParaRPr lang="en-US"/>
           </a:p>
@@ -708,7 +708,7 @@
           <a:p>
             <a:fld id="{88C60456-FB3B-4026-A5DC-EEEFAE77261F}" type="datetimeFigureOut">
               <a:rPr lang="en-US" smtClean="0"/>
-              <a:t>1/31/2023</a:t>
+              <a:t>2/2/2023</a:t>
             </a:fld>
             <a:endParaRPr lang="en-US"/>
           </a:p>
@@ -906,7 +906,7 @@
           <a:p>
             <a:fld id="{88C60456-FB3B-4026-A5DC-EEEFAE77261F}" type="datetimeFigureOut">
               <a:rPr lang="en-US" smtClean="0"/>
-              <a:t>1/31/2023</a:t>
+              <a:t>2/2/2023</a:t>
             </a:fld>
             <a:endParaRPr lang="en-US"/>
           </a:p>
@@ -1114,7 +1114,7 @@
           <a:p>
             <a:fld id="{88C60456-FB3B-4026-A5DC-EEEFAE77261F}" type="datetimeFigureOut">
               <a:rPr lang="en-US" smtClean="0"/>
-              <a:t>1/31/2023</a:t>
+              <a:t>2/2/2023</a:t>
             </a:fld>
             <a:endParaRPr lang="en-US"/>
           </a:p>
@@ -1312,7 +1312,7 @@
           <a:p>
             <a:fld id="{88C60456-FB3B-4026-A5DC-EEEFAE77261F}" type="datetimeFigureOut">
               <a:rPr lang="en-US" smtClean="0"/>
-              <a:t>1/31/2023</a:t>
+              <a:t>2/2/2023</a:t>
             </a:fld>
             <a:endParaRPr lang="en-US"/>
           </a:p>
@@ -1587,7 +1587,7 @@
           <a:p>
             <a:fld id="{88C60456-FB3B-4026-A5DC-EEEFAE77261F}" type="datetimeFigureOut">
               <a:rPr lang="en-US" smtClean="0"/>
-              <a:t>1/31/2023</a:t>
+              <a:t>2/2/2023</a:t>
             </a:fld>
             <a:endParaRPr lang="en-US"/>
           </a:p>
@@ -1852,7 +1852,7 @@
           <a:p>
             <a:fld id="{88C60456-FB3B-4026-A5DC-EEEFAE77261F}" type="datetimeFigureOut">
               <a:rPr lang="en-US" smtClean="0"/>
-              <a:t>1/31/2023</a:t>
+              <a:t>2/2/2023</a:t>
             </a:fld>
             <a:endParaRPr lang="en-US"/>
           </a:p>
@@ -2264,7 +2264,7 @@
           <a:p>
             <a:fld id="{88C60456-FB3B-4026-A5DC-EEEFAE77261F}" type="datetimeFigureOut">
               <a:rPr lang="en-US" smtClean="0"/>
-              <a:t>1/31/2023</a:t>
+              <a:t>2/2/2023</a:t>
             </a:fld>
             <a:endParaRPr lang="en-US"/>
           </a:p>
@@ -2405,7 +2405,7 @@
           <a:p>
             <a:fld id="{88C60456-FB3B-4026-A5DC-EEEFAE77261F}" type="datetimeFigureOut">
               <a:rPr lang="en-US" smtClean="0"/>
-              <a:t>1/31/2023</a:t>
+              <a:t>2/2/2023</a:t>
             </a:fld>
             <a:endParaRPr lang="en-US"/>
           </a:p>
@@ -2518,7 +2518,7 @@
           <a:p>
             <a:fld id="{88C60456-FB3B-4026-A5DC-EEEFAE77261F}" type="datetimeFigureOut">
               <a:rPr lang="en-US" smtClean="0"/>
-              <a:t>1/31/2023</a:t>
+              <a:t>2/2/2023</a:t>
             </a:fld>
             <a:endParaRPr lang="en-US"/>
           </a:p>
@@ -2829,7 +2829,7 @@
           <a:p>
             <a:fld id="{88C60456-FB3B-4026-A5DC-EEEFAE77261F}" type="datetimeFigureOut">
               <a:rPr lang="en-US" smtClean="0"/>
-              <a:t>1/31/2023</a:t>
+              <a:t>2/2/2023</a:t>
             </a:fld>
             <a:endParaRPr lang="en-US"/>
           </a:p>
@@ -3117,7 +3117,7 @@
           <a:p>
             <a:fld id="{88C60456-FB3B-4026-A5DC-EEEFAE77261F}" type="datetimeFigureOut">
               <a:rPr lang="en-US" smtClean="0"/>
-              <a:t>1/31/2023</a:t>
+              <a:t>2/2/2023</a:t>
             </a:fld>
             <a:endParaRPr lang="en-US"/>
           </a:p>
@@ -3358,7 +3358,7 @@
           <a:p>
             <a:fld id="{88C60456-FB3B-4026-A5DC-EEEFAE77261F}" type="datetimeFigureOut">
               <a:rPr lang="en-US" smtClean="0"/>
-              <a:t>1/31/2023</a:t>
+              <a:t>2/2/2023</a:t>
             </a:fld>
             <a:endParaRPr lang="en-US"/>
           </a:p>
@@ -4006,7 +4006,7 @@
         </p:blipFill>
         <p:spPr bwMode="auto">
           <a:xfrm>
-            <a:off x="494901" y="715444"/>
+            <a:off x="370263" y="702573"/>
             <a:ext cx="4776335" cy="2906298"/>
           </a:xfrm>
           <a:prstGeom prst="rect">
@@ -4026,10 +4026,10 @@
       </p:pic>
       <p:pic>
         <p:nvPicPr>
-          <p:cNvPr id="3" name="Picture 2">
-            <a:extLst>
-              <a:ext uri="{FF2B5EF4-FFF2-40B4-BE49-F238E27FC236}">
-                <a16:creationId xmlns:a16="http://schemas.microsoft.com/office/drawing/2014/main" id="{77A43F0C-BBB8-6098-0CFA-004429EF73D2}"/>
+          <p:cNvPr id="1034" name="Picture 10">
+            <a:extLst>
+              <a:ext uri="{FF2B5EF4-FFF2-40B4-BE49-F238E27FC236}">
+                <a16:creationId xmlns:a16="http://schemas.microsoft.com/office/drawing/2014/main" id="{8DB0D654-7E88-E212-F797-4F93A05E9DC9}"/>
               </a:ext>
             </a:extLst>
           </p:cNvPr>
@@ -4053,8 +4053,8 @@
         </p:blipFill>
         <p:spPr bwMode="auto">
           <a:xfrm>
-            <a:off x="5517029" y="3862494"/>
-            <a:ext cx="6322792" cy="2665547"/>
+            <a:off x="370263" y="3621742"/>
+            <a:ext cx="4871622" cy="2906298"/>
           </a:xfrm>
           <a:prstGeom prst="rect">
             <a:avLst/>
@@ -4073,55 +4073,10 @@
       </p:pic>
       <p:pic>
         <p:nvPicPr>
-          <p:cNvPr id="4" name="Picture 4">
-            <a:extLst>
-              <a:ext uri="{FF2B5EF4-FFF2-40B4-BE49-F238E27FC236}">
-                <a16:creationId xmlns:a16="http://schemas.microsoft.com/office/drawing/2014/main" id="{5AD23993-5075-6E7E-6ED0-D73C1CF22EF2}"/>
-              </a:ext>
-            </a:extLst>
-          </p:cNvPr>
-          <p:cNvPicPr>
-            <a:picLocks noChangeAspect="1" noChangeArrowheads="1"/>
-          </p:cNvPicPr>
-          <p:nvPr/>
-        </p:nvPicPr>
-        <p:blipFill rotWithShape="1">
-          <a:blip r:embed="rId4">
-            <a:extLst>
-              <a:ext uri="{28A0092B-C50C-407E-A947-70E740481C1C}">
-                <a14:useLocalDpi xmlns:a14="http://schemas.microsoft.com/office/drawing/2010/main" val="0"/>
-              </a:ext>
-            </a:extLst>
-          </a:blip>
-          <a:srcRect r="50028"/>
-          <a:stretch/>
-        </p:blipFill>
-        <p:spPr bwMode="auto">
-          <a:xfrm>
-            <a:off x="6757159" y="715444"/>
-            <a:ext cx="3657857" cy="3060946"/>
-          </a:xfrm>
-          <a:prstGeom prst="rect">
-            <a:avLst/>
-          </a:prstGeom>
-          <a:noFill/>
-          <a:extLst>
-            <a:ext uri="{909E8E84-426E-40DD-AFC4-6F175D3DCCD1}">
-              <a14:hiddenFill xmlns:a14="http://schemas.microsoft.com/office/drawing/2010/main">
-                <a:solidFill>
-                  <a:srgbClr val="FFFFFF"/>
-                </a:solidFill>
-              </a14:hiddenFill>
-            </a:ext>
-          </a:extLst>
-        </p:spPr>
-      </p:pic>
-      <p:pic>
-        <p:nvPicPr>
-          <p:cNvPr id="1034" name="Picture 10">
-            <a:extLst>
-              <a:ext uri="{FF2B5EF4-FFF2-40B4-BE49-F238E27FC236}">
-                <a16:creationId xmlns:a16="http://schemas.microsoft.com/office/drawing/2014/main" id="{8DB0D654-7E88-E212-F797-4F93A05E9DC9}"/>
+          <p:cNvPr id="5" name="Picture 2">
+            <a:extLst>
+              <a:ext uri="{FF2B5EF4-FFF2-40B4-BE49-F238E27FC236}">
+                <a16:creationId xmlns:a16="http://schemas.microsoft.com/office/drawing/2014/main" id="{9776A215-7CD5-DF06-1B7A-A081A661C30D}"/>
               </a:ext>
             </a:extLst>
           </p:cNvPr>
@@ -4131,7 +4086,7 @@
           <p:nvPr/>
         </p:nvPicPr>
         <p:blipFill>
-          <a:blip r:embed="rId5">
+          <a:blip r:embed="rId4">
             <a:extLst>
               <a:ext uri="{28A0092B-C50C-407E-A947-70E740481C1C}">
                 <a14:useLocalDpi xmlns:a14="http://schemas.microsoft.com/office/drawing/2010/main" val="0"/>
@@ -4145,8 +4100,8 @@
         </p:blipFill>
         <p:spPr bwMode="auto">
           <a:xfrm>
-            <a:off x="494901" y="3634613"/>
-            <a:ext cx="4871622" cy="2906298"/>
+            <a:off x="5241885" y="2168593"/>
+            <a:ext cx="6950115" cy="2906298"/>
           </a:xfrm>
           <a:prstGeom prst="rect">
             <a:avLst/>

--- a/SYSG.pptx
+++ b/SYSG.pptx
@@ -4100,7 +4100,7 @@
         </p:blipFill>
         <p:spPr bwMode="auto">
           <a:xfrm>
-            <a:off x="5241885" y="2168593"/>
+            <a:off x="5241885" y="1975851"/>
             <a:ext cx="6950115" cy="2906298"/>
           </a:xfrm>
           <a:prstGeom prst="rect">

--- a/SYSG.pptx
+++ b/SYSG.pptx
@@ -3979,10 +3979,10 @@
       </p:sp>
       <p:pic>
         <p:nvPicPr>
-          <p:cNvPr id="1026" name="Picture 2">
-            <a:extLst>
-              <a:ext uri="{FF2B5EF4-FFF2-40B4-BE49-F238E27FC236}">
-                <a16:creationId xmlns:a16="http://schemas.microsoft.com/office/drawing/2014/main" id="{FEBAF8A0-6813-76E1-7DBC-EDE240626C56}"/>
+          <p:cNvPr id="1034" name="Picture 10">
+            <a:extLst>
+              <a:ext uri="{FF2B5EF4-FFF2-40B4-BE49-F238E27FC236}">
+                <a16:creationId xmlns:a16="http://schemas.microsoft.com/office/drawing/2014/main" id="{8DB0D654-7E88-E212-F797-4F93A05E9DC9}"/>
               </a:ext>
             </a:extLst>
           </p:cNvPr>
@@ -3993,53 +3993,6 @@
         </p:nvPicPr>
         <p:blipFill>
           <a:blip r:embed="rId2">
-            <a:extLst>
-              <a:ext uri="{28A0092B-C50C-407E-A947-70E740481C1C}">
-                <a14:useLocalDpi xmlns:a14="http://schemas.microsoft.com/office/drawing/2010/main" val="0"/>
-              </a:ext>
-            </a:extLst>
-          </a:blip>
-          <a:srcRect/>
-          <a:stretch>
-            <a:fillRect/>
-          </a:stretch>
-        </p:blipFill>
-        <p:spPr bwMode="auto">
-          <a:xfrm>
-            <a:off x="370263" y="702573"/>
-            <a:ext cx="4776335" cy="2906298"/>
-          </a:xfrm>
-          <a:prstGeom prst="rect">
-            <a:avLst/>
-          </a:prstGeom>
-          <a:noFill/>
-          <a:extLst>
-            <a:ext uri="{909E8E84-426E-40DD-AFC4-6F175D3DCCD1}">
-              <a14:hiddenFill xmlns:a14="http://schemas.microsoft.com/office/drawing/2010/main">
-                <a:solidFill>
-                  <a:srgbClr val="FFFFFF"/>
-                </a:solidFill>
-              </a14:hiddenFill>
-            </a:ext>
-          </a:extLst>
-        </p:spPr>
-      </p:pic>
-      <p:pic>
-        <p:nvPicPr>
-          <p:cNvPr id="1034" name="Picture 10">
-            <a:extLst>
-              <a:ext uri="{FF2B5EF4-FFF2-40B4-BE49-F238E27FC236}">
-                <a16:creationId xmlns:a16="http://schemas.microsoft.com/office/drawing/2014/main" id="{8DB0D654-7E88-E212-F797-4F93A05E9DC9}"/>
-              </a:ext>
-            </a:extLst>
-          </p:cNvPr>
-          <p:cNvPicPr>
-            <a:picLocks noChangeAspect="1" noChangeArrowheads="1"/>
-          </p:cNvPicPr>
-          <p:nvPr/>
-        </p:nvPicPr>
-        <p:blipFill>
-          <a:blip r:embed="rId3">
             <a:extLst>
               <a:ext uri="{28A0092B-C50C-407E-A947-70E740481C1C}">
                 <a14:useLocalDpi xmlns:a14="http://schemas.microsoft.com/office/drawing/2010/main" val="0"/>
@@ -4086,7 +4039,7 @@
           <p:nvPr/>
         </p:nvPicPr>
         <p:blipFill>
-          <a:blip r:embed="rId4">
+          <a:blip r:embed="rId3">
             <a:extLst>
               <a:ext uri="{28A0092B-C50C-407E-A947-70E740481C1C}">
                 <a14:useLocalDpi xmlns:a14="http://schemas.microsoft.com/office/drawing/2010/main" val="0"/>
@@ -4102,6 +4055,53 @@
           <a:xfrm>
             <a:off x="5241885" y="1975851"/>
             <a:ext cx="6950115" cy="2906298"/>
+          </a:xfrm>
+          <a:prstGeom prst="rect">
+            <a:avLst/>
+          </a:prstGeom>
+          <a:noFill/>
+          <a:extLst>
+            <a:ext uri="{909E8E84-426E-40DD-AFC4-6F175D3DCCD1}">
+              <a14:hiddenFill xmlns:a14="http://schemas.microsoft.com/office/drawing/2010/main">
+                <a:solidFill>
+                  <a:srgbClr val="FFFFFF"/>
+                </a:solidFill>
+              </a14:hiddenFill>
+            </a:ext>
+          </a:extLst>
+        </p:spPr>
+      </p:pic>
+      <p:pic>
+        <p:nvPicPr>
+          <p:cNvPr id="1028" name="Picture 4">
+            <a:extLst>
+              <a:ext uri="{FF2B5EF4-FFF2-40B4-BE49-F238E27FC236}">
+                <a16:creationId xmlns:a16="http://schemas.microsoft.com/office/drawing/2014/main" id="{6CDB6957-B970-7885-E17E-D33F63245746}"/>
+              </a:ext>
+            </a:extLst>
+          </p:cNvPr>
+          <p:cNvPicPr>
+            <a:picLocks noChangeAspect="1" noChangeArrowheads="1"/>
+          </p:cNvPicPr>
+          <p:nvPr/>
+        </p:nvPicPr>
+        <p:blipFill>
+          <a:blip r:embed="rId4">
+            <a:extLst>
+              <a:ext uri="{28A0092B-C50C-407E-A947-70E740481C1C}">
+                <a14:useLocalDpi xmlns:a14="http://schemas.microsoft.com/office/drawing/2010/main" val="0"/>
+              </a:ext>
+            </a:extLst>
+          </a:blip>
+          <a:srcRect/>
+          <a:stretch>
+            <a:fillRect/>
+          </a:stretch>
+        </p:blipFill>
+        <p:spPr bwMode="auto">
+          <a:xfrm>
+            <a:off x="370263" y="628652"/>
+            <a:ext cx="4776334" cy="2906298"/>
           </a:xfrm>
           <a:prstGeom prst="rect">
             <a:avLst/>

--- a/SYSG.pptx
+++ b/SYSG.pptx
@@ -5,12 +5,13 @@
     <p:sldMasterId id="2147483648" r:id="rId1"/>
   </p:sldMasterIdLst>
   <p:notesMasterIdLst>
-    <p:notesMasterId r:id="rId5"/>
+    <p:notesMasterId r:id="rId6"/>
   </p:notesMasterIdLst>
   <p:sldIdLst>
     <p:sldId id="256" r:id="rId2"/>
     <p:sldId id="257" r:id="rId3"/>
     <p:sldId id="258" r:id="rId4"/>
+    <p:sldId id="259" r:id="rId5"/>
   </p:sldIdLst>
   <p:sldSz cx="12192000" cy="6858000"/>
   <p:notesSz cx="6858000" cy="9144000"/>
@@ -210,7 +211,7 @@
           <a:p>
             <a:fld id="{9DB45F93-D156-4AE8-B29F-58D76D05F0C5}" type="datetimeFigureOut">
               <a:rPr lang="en-US" smtClean="0"/>
-              <a:t>2/2/2023</a:t>
+              <a:t>2/7/2023</a:t>
             </a:fld>
             <a:endParaRPr lang="en-US"/>
           </a:p>
@@ -708,7 +709,7 @@
           <a:p>
             <a:fld id="{88C60456-FB3B-4026-A5DC-EEEFAE77261F}" type="datetimeFigureOut">
               <a:rPr lang="en-US" smtClean="0"/>
-              <a:t>2/2/2023</a:t>
+              <a:t>2/7/2023</a:t>
             </a:fld>
             <a:endParaRPr lang="en-US"/>
           </a:p>
@@ -906,7 +907,7 @@
           <a:p>
             <a:fld id="{88C60456-FB3B-4026-A5DC-EEEFAE77261F}" type="datetimeFigureOut">
               <a:rPr lang="en-US" smtClean="0"/>
-              <a:t>2/2/2023</a:t>
+              <a:t>2/7/2023</a:t>
             </a:fld>
             <a:endParaRPr lang="en-US"/>
           </a:p>
@@ -1114,7 +1115,7 @@
           <a:p>
             <a:fld id="{88C60456-FB3B-4026-A5DC-EEEFAE77261F}" type="datetimeFigureOut">
               <a:rPr lang="en-US" smtClean="0"/>
-              <a:t>2/2/2023</a:t>
+              <a:t>2/7/2023</a:t>
             </a:fld>
             <a:endParaRPr lang="en-US"/>
           </a:p>
@@ -1312,7 +1313,7 @@
           <a:p>
             <a:fld id="{88C60456-FB3B-4026-A5DC-EEEFAE77261F}" type="datetimeFigureOut">
               <a:rPr lang="en-US" smtClean="0"/>
-              <a:t>2/2/2023</a:t>
+              <a:t>2/7/2023</a:t>
             </a:fld>
             <a:endParaRPr lang="en-US"/>
           </a:p>
@@ -1587,7 +1588,7 @@
           <a:p>
             <a:fld id="{88C60456-FB3B-4026-A5DC-EEEFAE77261F}" type="datetimeFigureOut">
               <a:rPr lang="en-US" smtClean="0"/>
-              <a:t>2/2/2023</a:t>
+              <a:t>2/7/2023</a:t>
             </a:fld>
             <a:endParaRPr lang="en-US"/>
           </a:p>
@@ -1852,7 +1853,7 @@
           <a:p>
             <a:fld id="{88C60456-FB3B-4026-A5DC-EEEFAE77261F}" type="datetimeFigureOut">
               <a:rPr lang="en-US" smtClean="0"/>
-              <a:t>2/2/2023</a:t>
+              <a:t>2/7/2023</a:t>
             </a:fld>
             <a:endParaRPr lang="en-US"/>
           </a:p>
@@ -2264,7 +2265,7 @@
           <a:p>
             <a:fld id="{88C60456-FB3B-4026-A5DC-EEEFAE77261F}" type="datetimeFigureOut">
               <a:rPr lang="en-US" smtClean="0"/>
-              <a:t>2/2/2023</a:t>
+              <a:t>2/7/2023</a:t>
             </a:fld>
             <a:endParaRPr lang="en-US"/>
           </a:p>
@@ -2405,7 +2406,7 @@
           <a:p>
             <a:fld id="{88C60456-FB3B-4026-A5DC-EEEFAE77261F}" type="datetimeFigureOut">
               <a:rPr lang="en-US" smtClean="0"/>
-              <a:t>2/2/2023</a:t>
+              <a:t>2/7/2023</a:t>
             </a:fld>
             <a:endParaRPr lang="en-US"/>
           </a:p>
@@ -2518,7 +2519,7 @@
           <a:p>
             <a:fld id="{88C60456-FB3B-4026-A5DC-EEEFAE77261F}" type="datetimeFigureOut">
               <a:rPr lang="en-US" smtClean="0"/>
-              <a:t>2/2/2023</a:t>
+              <a:t>2/7/2023</a:t>
             </a:fld>
             <a:endParaRPr lang="en-US"/>
           </a:p>
@@ -2829,7 +2830,7 @@
           <a:p>
             <a:fld id="{88C60456-FB3B-4026-A5DC-EEEFAE77261F}" type="datetimeFigureOut">
               <a:rPr lang="en-US" smtClean="0"/>
-              <a:t>2/2/2023</a:t>
+              <a:t>2/7/2023</a:t>
             </a:fld>
             <a:endParaRPr lang="en-US"/>
           </a:p>
@@ -3117,7 +3118,7 @@
           <a:p>
             <a:fld id="{88C60456-FB3B-4026-A5DC-EEEFAE77261F}" type="datetimeFigureOut">
               <a:rPr lang="en-US" smtClean="0"/>
-              <a:t>2/2/2023</a:t>
+              <a:t>2/7/2023</a:t>
             </a:fld>
             <a:endParaRPr lang="en-US"/>
           </a:p>
@@ -3358,7 +3359,7 @@
           <a:p>
             <a:fld id="{88C60456-FB3B-4026-A5DC-EEEFAE77261F}" type="datetimeFigureOut">
               <a:rPr lang="en-US" smtClean="0"/>
-              <a:t>2/2/2023</a:t>
+              <a:t>2/7/2023</a:t>
             </a:fld>
             <a:endParaRPr lang="en-US"/>
           </a:p>
@@ -3941,6 +3942,53 @@
           <a:chExt cx="0" cy="0"/>
         </a:xfrm>
       </p:grpSpPr>
+      <p:pic>
+        <p:nvPicPr>
+          <p:cNvPr id="1026" name="Picture 2">
+            <a:extLst>
+              <a:ext uri="{FF2B5EF4-FFF2-40B4-BE49-F238E27FC236}">
+                <a16:creationId xmlns:a16="http://schemas.microsoft.com/office/drawing/2014/main" id="{D0F7AEE8-096D-2850-0C1F-1DD56683AE62}"/>
+              </a:ext>
+            </a:extLst>
+          </p:cNvPr>
+          <p:cNvPicPr>
+            <a:picLocks noChangeAspect="1" noChangeArrowheads="1"/>
+          </p:cNvPicPr>
+          <p:nvPr/>
+        </p:nvPicPr>
+        <p:blipFill>
+          <a:blip r:embed="rId2">
+            <a:extLst>
+              <a:ext uri="{28A0092B-C50C-407E-A947-70E740481C1C}">
+                <a14:useLocalDpi xmlns:a14="http://schemas.microsoft.com/office/drawing/2010/main" val="0"/>
+              </a:ext>
+            </a:extLst>
+          </a:blip>
+          <a:srcRect/>
+          <a:stretch>
+            <a:fillRect/>
+          </a:stretch>
+        </p:blipFill>
+        <p:spPr bwMode="auto">
+          <a:xfrm>
+            <a:off x="5340497" y="2121807"/>
+            <a:ext cx="6252036" cy="2614386"/>
+          </a:xfrm>
+          <a:prstGeom prst="rect">
+            <a:avLst/>
+          </a:prstGeom>
+          <a:noFill/>
+          <a:extLst>
+            <a:ext uri="{909E8E84-426E-40DD-AFC4-6F175D3DCCD1}">
+              <a14:hiddenFill xmlns:a14="http://schemas.microsoft.com/office/drawing/2010/main">
+                <a:solidFill>
+                  <a:srgbClr val="FFFFFF"/>
+                </a:solidFill>
+              </a14:hiddenFill>
+            </a:ext>
+          </a:extLst>
+        </p:spPr>
+      </p:pic>
       <p:sp>
         <p:nvSpPr>
           <p:cNvPr id="2" name="TextBox 1">
@@ -3992,7 +4040,7 @@
           <p:nvPr/>
         </p:nvPicPr>
         <p:blipFill>
-          <a:blip r:embed="rId2">
+          <a:blip r:embed="rId3">
             <a:extLst>
               <a:ext uri="{28A0092B-C50C-407E-A947-70E740481C1C}">
                 <a14:useLocalDpi xmlns:a14="http://schemas.microsoft.com/office/drawing/2010/main" val="0"/>
@@ -4026,53 +4074,6 @@
       </p:pic>
       <p:pic>
         <p:nvPicPr>
-          <p:cNvPr id="5" name="Picture 2">
-            <a:extLst>
-              <a:ext uri="{FF2B5EF4-FFF2-40B4-BE49-F238E27FC236}">
-                <a16:creationId xmlns:a16="http://schemas.microsoft.com/office/drawing/2014/main" id="{9776A215-7CD5-DF06-1B7A-A081A661C30D}"/>
-              </a:ext>
-            </a:extLst>
-          </p:cNvPr>
-          <p:cNvPicPr>
-            <a:picLocks noChangeAspect="1" noChangeArrowheads="1"/>
-          </p:cNvPicPr>
-          <p:nvPr/>
-        </p:nvPicPr>
-        <p:blipFill>
-          <a:blip r:embed="rId3">
-            <a:extLst>
-              <a:ext uri="{28A0092B-C50C-407E-A947-70E740481C1C}">
-                <a14:useLocalDpi xmlns:a14="http://schemas.microsoft.com/office/drawing/2010/main" val="0"/>
-              </a:ext>
-            </a:extLst>
-          </a:blip>
-          <a:srcRect/>
-          <a:stretch>
-            <a:fillRect/>
-          </a:stretch>
-        </p:blipFill>
-        <p:spPr bwMode="auto">
-          <a:xfrm>
-            <a:off x="5241885" y="1975851"/>
-            <a:ext cx="6950115" cy="2906298"/>
-          </a:xfrm>
-          <a:prstGeom prst="rect">
-            <a:avLst/>
-          </a:prstGeom>
-          <a:noFill/>
-          <a:extLst>
-            <a:ext uri="{909E8E84-426E-40DD-AFC4-6F175D3DCCD1}">
-              <a14:hiddenFill xmlns:a14="http://schemas.microsoft.com/office/drawing/2010/main">
-                <a:solidFill>
-                  <a:srgbClr val="FFFFFF"/>
-                </a:solidFill>
-              </a14:hiddenFill>
-            </a:ext>
-          </a:extLst>
-        </p:spPr>
-      </p:pic>
-      <p:pic>
-        <p:nvPicPr>
           <p:cNvPr id="1028" name="Picture 4">
             <a:extLst>
               <a:ext uri="{FF2B5EF4-FFF2-40B4-BE49-F238E27FC236}">
@@ -4118,10 +4119,125 @@
           </a:extLst>
         </p:spPr>
       </p:pic>
+      <p:sp>
+        <p:nvSpPr>
+          <p:cNvPr id="3" name="Rectangle 2">
+            <a:extLst>
+              <a:ext uri="{FF2B5EF4-FFF2-40B4-BE49-F238E27FC236}">
+                <a16:creationId xmlns:a16="http://schemas.microsoft.com/office/drawing/2014/main" id="{41AAC99C-66CF-36CE-E351-4628B341A652}"/>
+              </a:ext>
+            </a:extLst>
+          </p:cNvPr>
+          <p:cNvSpPr/>
+          <p:nvPr/>
+        </p:nvSpPr>
+        <p:spPr>
+          <a:xfrm>
+            <a:off x="4661308" y="1855694"/>
+            <a:ext cx="3137647" cy="519953"/>
+          </a:xfrm>
+          <a:prstGeom prst="rect">
+            <a:avLst/>
+          </a:prstGeom>
+        </p:spPr>
+        <p:style>
+          <a:lnRef idx="2">
+            <a:schemeClr val="accent1">
+              <a:shade val="50000"/>
+            </a:schemeClr>
+          </a:lnRef>
+          <a:fillRef idx="1">
+            <a:schemeClr val="accent1"/>
+          </a:fillRef>
+          <a:effectRef idx="0">
+            <a:schemeClr val="accent1"/>
+          </a:effectRef>
+          <a:fontRef idx="minor">
+            <a:schemeClr val="lt1"/>
+          </a:fontRef>
+        </p:style>
+        <p:txBody>
+          <a:bodyPr rtlCol="0" anchor="ctr"/>
+          <a:lstStyle/>
+          <a:p>
+            <a:pPr algn="ctr"/>
+            <a:r>
+              <a:rPr lang="en-US" dirty="0"/>
+              <a:t>Old Nm </a:t>
+            </a:r>
+          </a:p>
+        </p:txBody>
+      </p:sp>
     </p:spTree>
     <p:extLst>
       <p:ext uri="{BB962C8B-B14F-4D97-AF65-F5344CB8AC3E}">
         <p14:creationId xmlns:p14="http://schemas.microsoft.com/office/powerpoint/2010/main" val="4046696635"/>
+      </p:ext>
+    </p:extLst>
+  </p:cSld>
+  <p:clrMapOvr>
+    <a:masterClrMapping/>
+  </p:clrMapOvr>
+</p:sld>
+</file>
+
+<file path=ppt/slides/slide4.xml><?xml version="1.0" encoding="utf-8"?>
+<p:sld xmlns:a="http://schemas.openxmlformats.org/drawingml/2006/main" xmlns:r="http://schemas.openxmlformats.org/officeDocument/2006/relationships" xmlns:p="http://schemas.openxmlformats.org/presentationml/2006/main">
+  <p:cSld>
+    <p:spTree>
+      <p:nvGrpSpPr>
+        <p:cNvPr id="1" name=""/>
+        <p:cNvGrpSpPr/>
+        <p:nvPr/>
+      </p:nvGrpSpPr>
+      <p:grpSpPr>
+        <a:xfrm>
+          <a:off x="0" y="0"/>
+          <a:ext cx="0" cy="0"/>
+          <a:chOff x="0" y="0"/>
+          <a:chExt cx="0" cy="0"/>
+        </a:xfrm>
+      </p:grpSpPr>
+      <p:sp>
+        <p:nvSpPr>
+          <p:cNvPr id="2" name="TextBox 1">
+            <a:extLst>
+              <a:ext uri="{FF2B5EF4-FFF2-40B4-BE49-F238E27FC236}">
+                <a16:creationId xmlns:a16="http://schemas.microsoft.com/office/drawing/2014/main" id="{2D0BBCAA-5054-475B-7AB1-38BC066C2AF9}"/>
+              </a:ext>
+            </a:extLst>
+          </p:cNvPr>
+          <p:cNvSpPr txBox="1"/>
+          <p:nvPr/>
+        </p:nvSpPr>
+        <p:spPr>
+          <a:xfrm>
+            <a:off x="5185913" y="172527"/>
+            <a:ext cx="1820174" cy="369332"/>
+          </a:xfrm>
+          <a:prstGeom prst="rect">
+            <a:avLst/>
+          </a:prstGeom>
+          <a:noFill/>
+        </p:spPr>
+        <p:txBody>
+          <a:bodyPr wrap="square" rtlCol="0">
+            <a:spAutoFit/>
+          </a:bodyPr>
+          <a:lstStyle/>
+          <a:p>
+            <a:pPr algn="ctr"/>
+            <a:r>
+              <a:rPr lang="en-US" dirty="0"/>
+              <a:t>p1a4 c2.00</a:t>
+            </a:r>
+          </a:p>
+        </p:txBody>
+      </p:sp>
+    </p:spTree>
+    <p:extLst>
+      <p:ext uri="{BB962C8B-B14F-4D97-AF65-F5344CB8AC3E}">
+        <p14:creationId xmlns:p14="http://schemas.microsoft.com/office/powerpoint/2010/main" val="2615429125"/>
       </p:ext>
     </p:extLst>
   </p:cSld>

--- a/SYSG.pptx
+++ b/SYSG.pptx
@@ -5,13 +5,14 @@
     <p:sldMasterId id="2147483648" r:id="rId1"/>
   </p:sldMasterIdLst>
   <p:notesMasterIdLst>
-    <p:notesMasterId r:id="rId6"/>
+    <p:notesMasterId r:id="rId7"/>
   </p:notesMasterIdLst>
   <p:sldIdLst>
     <p:sldId id="256" r:id="rId2"/>
     <p:sldId id="257" r:id="rId3"/>
     <p:sldId id="258" r:id="rId4"/>
     <p:sldId id="259" r:id="rId5"/>
+    <p:sldId id="260" r:id="rId6"/>
   </p:sldIdLst>
   <p:sldSz cx="12192000" cy="6858000"/>
   <p:notesSz cx="6858000" cy="9144000"/>
@@ -211,7 +212,7 @@
           <a:p>
             <a:fld id="{9DB45F93-D156-4AE8-B29F-58D76D05F0C5}" type="datetimeFigureOut">
               <a:rPr lang="en-US" smtClean="0"/>
-              <a:t>2/7/2023</a:t>
+              <a:t>2/13/2023</a:t>
             </a:fld>
             <a:endParaRPr lang="en-US"/>
           </a:p>
@@ -709,7 +710,7 @@
           <a:p>
             <a:fld id="{88C60456-FB3B-4026-A5DC-EEEFAE77261F}" type="datetimeFigureOut">
               <a:rPr lang="en-US" smtClean="0"/>
-              <a:t>2/7/2023</a:t>
+              <a:t>2/13/2023</a:t>
             </a:fld>
             <a:endParaRPr lang="en-US"/>
           </a:p>
@@ -907,7 +908,7 @@
           <a:p>
             <a:fld id="{88C60456-FB3B-4026-A5DC-EEEFAE77261F}" type="datetimeFigureOut">
               <a:rPr lang="en-US" smtClean="0"/>
-              <a:t>2/7/2023</a:t>
+              <a:t>2/13/2023</a:t>
             </a:fld>
             <a:endParaRPr lang="en-US"/>
           </a:p>
@@ -1115,7 +1116,7 @@
           <a:p>
             <a:fld id="{88C60456-FB3B-4026-A5DC-EEEFAE77261F}" type="datetimeFigureOut">
               <a:rPr lang="en-US" smtClean="0"/>
-              <a:t>2/7/2023</a:t>
+              <a:t>2/13/2023</a:t>
             </a:fld>
             <a:endParaRPr lang="en-US"/>
           </a:p>
@@ -1313,7 +1314,7 @@
           <a:p>
             <a:fld id="{88C60456-FB3B-4026-A5DC-EEEFAE77261F}" type="datetimeFigureOut">
               <a:rPr lang="en-US" smtClean="0"/>
-              <a:t>2/7/2023</a:t>
+              <a:t>2/13/2023</a:t>
             </a:fld>
             <a:endParaRPr lang="en-US"/>
           </a:p>
@@ -1588,7 +1589,7 @@
           <a:p>
             <a:fld id="{88C60456-FB3B-4026-A5DC-EEEFAE77261F}" type="datetimeFigureOut">
               <a:rPr lang="en-US" smtClean="0"/>
-              <a:t>2/7/2023</a:t>
+              <a:t>2/13/2023</a:t>
             </a:fld>
             <a:endParaRPr lang="en-US"/>
           </a:p>
@@ -1853,7 +1854,7 @@
           <a:p>
             <a:fld id="{88C60456-FB3B-4026-A5DC-EEEFAE77261F}" type="datetimeFigureOut">
               <a:rPr lang="en-US" smtClean="0"/>
-              <a:t>2/7/2023</a:t>
+              <a:t>2/13/2023</a:t>
             </a:fld>
             <a:endParaRPr lang="en-US"/>
           </a:p>
@@ -2265,7 +2266,7 @@
           <a:p>
             <a:fld id="{88C60456-FB3B-4026-A5DC-EEEFAE77261F}" type="datetimeFigureOut">
               <a:rPr lang="en-US" smtClean="0"/>
-              <a:t>2/7/2023</a:t>
+              <a:t>2/13/2023</a:t>
             </a:fld>
             <a:endParaRPr lang="en-US"/>
           </a:p>
@@ -2406,7 +2407,7 @@
           <a:p>
             <a:fld id="{88C60456-FB3B-4026-A5DC-EEEFAE77261F}" type="datetimeFigureOut">
               <a:rPr lang="en-US" smtClean="0"/>
-              <a:t>2/7/2023</a:t>
+              <a:t>2/13/2023</a:t>
             </a:fld>
             <a:endParaRPr lang="en-US"/>
           </a:p>
@@ -2519,7 +2520,7 @@
           <a:p>
             <a:fld id="{88C60456-FB3B-4026-A5DC-EEEFAE77261F}" type="datetimeFigureOut">
               <a:rPr lang="en-US" smtClean="0"/>
-              <a:t>2/7/2023</a:t>
+              <a:t>2/13/2023</a:t>
             </a:fld>
             <a:endParaRPr lang="en-US"/>
           </a:p>
@@ -2830,7 +2831,7 @@
           <a:p>
             <a:fld id="{88C60456-FB3B-4026-A5DC-EEEFAE77261F}" type="datetimeFigureOut">
               <a:rPr lang="en-US" smtClean="0"/>
-              <a:t>2/7/2023</a:t>
+              <a:t>2/13/2023</a:t>
             </a:fld>
             <a:endParaRPr lang="en-US"/>
           </a:p>
@@ -3118,7 +3119,7 @@
           <a:p>
             <a:fld id="{88C60456-FB3B-4026-A5DC-EEEFAE77261F}" type="datetimeFigureOut">
               <a:rPr lang="en-US" smtClean="0"/>
-              <a:t>2/7/2023</a:t>
+              <a:t>2/13/2023</a:t>
             </a:fld>
             <a:endParaRPr lang="en-US"/>
           </a:p>
@@ -3359,7 +3360,7 @@
           <a:p>
             <a:fld id="{88C60456-FB3B-4026-A5DC-EEEFAE77261F}" type="datetimeFigureOut">
               <a:rPr lang="en-US" smtClean="0"/>
-              <a:t>2/7/2023</a:t>
+              <a:t>2/13/2023</a:t>
             </a:fld>
             <a:endParaRPr lang="en-US"/>
           </a:p>
@@ -4234,10 +4235,171 @@
           </a:p>
         </p:txBody>
       </p:sp>
+      <p:pic>
+        <p:nvPicPr>
+          <p:cNvPr id="2050" name="Picture 2">
+            <a:extLst>
+              <a:ext uri="{FF2B5EF4-FFF2-40B4-BE49-F238E27FC236}">
+                <a16:creationId xmlns:a16="http://schemas.microsoft.com/office/drawing/2014/main" id="{804BD284-5128-99E4-4E4D-ED242099A4AE}"/>
+              </a:ext>
+            </a:extLst>
+          </p:cNvPr>
+          <p:cNvPicPr>
+            <a:picLocks noChangeAspect="1" noChangeArrowheads="1"/>
+          </p:cNvPicPr>
+          <p:nvPr/>
+        </p:nvPicPr>
+        <p:blipFill>
+          <a:blip r:embed="rId2">
+            <a:extLst>
+              <a:ext uri="{28A0092B-C50C-407E-A947-70E740481C1C}">
+                <a14:useLocalDpi xmlns:a14="http://schemas.microsoft.com/office/drawing/2010/main" val="0"/>
+              </a:ext>
+            </a:extLst>
+          </a:blip>
+          <a:srcRect/>
+          <a:stretch>
+            <a:fillRect/>
+          </a:stretch>
+        </p:blipFill>
+        <p:spPr bwMode="auto">
+          <a:xfrm>
+            <a:off x="2843408" y="3070874"/>
+            <a:ext cx="6688509" cy="3142129"/>
+          </a:xfrm>
+          <a:prstGeom prst="rect">
+            <a:avLst/>
+          </a:prstGeom>
+          <a:noFill/>
+          <a:extLst>
+            <a:ext uri="{909E8E84-426E-40DD-AFC4-6F175D3DCCD1}">
+              <a14:hiddenFill xmlns:a14="http://schemas.microsoft.com/office/drawing/2010/main">
+                <a:solidFill>
+                  <a:srgbClr val="FFFFFF"/>
+                </a:solidFill>
+              </a14:hiddenFill>
+            </a:ext>
+          </a:extLst>
+        </p:spPr>
+      </p:pic>
     </p:spTree>
     <p:extLst>
       <p:ext uri="{BB962C8B-B14F-4D97-AF65-F5344CB8AC3E}">
         <p14:creationId xmlns:p14="http://schemas.microsoft.com/office/powerpoint/2010/main" val="2615429125"/>
+      </p:ext>
+    </p:extLst>
+  </p:cSld>
+  <p:clrMapOvr>
+    <a:masterClrMapping/>
+  </p:clrMapOvr>
+</p:sld>
+</file>
+
+<file path=ppt/slides/slide5.xml><?xml version="1.0" encoding="utf-8"?>
+<p:sld xmlns:a="http://schemas.openxmlformats.org/drawingml/2006/main" xmlns:r="http://schemas.openxmlformats.org/officeDocument/2006/relationships" xmlns:p="http://schemas.openxmlformats.org/presentationml/2006/main">
+  <p:cSld>
+    <p:spTree>
+      <p:nvGrpSpPr>
+        <p:cNvPr id="1" name=""/>
+        <p:cNvGrpSpPr/>
+        <p:nvPr/>
+      </p:nvGrpSpPr>
+      <p:grpSpPr>
+        <a:xfrm>
+          <a:off x="0" y="0"/>
+          <a:ext cx="0" cy="0"/>
+          <a:chOff x="0" y="0"/>
+          <a:chExt cx="0" cy="0"/>
+        </a:xfrm>
+      </p:grpSpPr>
+      <p:sp>
+        <p:nvSpPr>
+          <p:cNvPr id="2" name="TextBox 1">
+            <a:extLst>
+              <a:ext uri="{FF2B5EF4-FFF2-40B4-BE49-F238E27FC236}">
+                <a16:creationId xmlns:a16="http://schemas.microsoft.com/office/drawing/2014/main" id="{2D0BBCAA-5054-475B-7AB1-38BC066C2AF9}"/>
+              </a:ext>
+            </a:extLst>
+          </p:cNvPr>
+          <p:cNvSpPr txBox="1"/>
+          <p:nvPr/>
+        </p:nvSpPr>
+        <p:spPr>
+          <a:xfrm>
+            <a:off x="5185913" y="172527"/>
+            <a:ext cx="1820174" cy="369332"/>
+          </a:xfrm>
+          <a:prstGeom prst="rect">
+            <a:avLst/>
+          </a:prstGeom>
+          <a:noFill/>
+        </p:spPr>
+        <p:txBody>
+          <a:bodyPr wrap="square" rtlCol="0">
+            <a:spAutoFit/>
+          </a:bodyPr>
+          <a:lstStyle/>
+          <a:p>
+            <a:pPr algn="ctr"/>
+            <a:r>
+              <a:rPr lang="en-US"/>
+              <a:t>p2a4 c1.75</a:t>
+            </a:r>
+            <a:endParaRPr lang="en-US" dirty="0"/>
+          </a:p>
+        </p:txBody>
+      </p:sp>
+      <p:pic>
+        <p:nvPicPr>
+          <p:cNvPr id="1026" name="Picture 2">
+            <a:extLst>
+              <a:ext uri="{FF2B5EF4-FFF2-40B4-BE49-F238E27FC236}">
+                <a16:creationId xmlns:a16="http://schemas.microsoft.com/office/drawing/2014/main" id="{73DA8BA8-20A0-9904-6C3A-49EE62217B97}"/>
+              </a:ext>
+            </a:extLst>
+          </p:cNvPr>
+          <p:cNvPicPr>
+            <a:picLocks noChangeAspect="1" noChangeArrowheads="1"/>
+          </p:cNvPicPr>
+          <p:nvPr/>
+        </p:nvPicPr>
+        <p:blipFill>
+          <a:blip r:embed="rId2">
+            <a:extLst>
+              <a:ext uri="{28A0092B-C50C-407E-A947-70E740481C1C}">
+                <a14:useLocalDpi xmlns:a14="http://schemas.microsoft.com/office/drawing/2010/main" val="0"/>
+              </a:ext>
+            </a:extLst>
+          </a:blip>
+          <a:srcRect/>
+          <a:stretch>
+            <a:fillRect/>
+          </a:stretch>
+        </p:blipFill>
+        <p:spPr bwMode="auto">
+          <a:xfrm>
+            <a:off x="2328862" y="1275230"/>
+            <a:ext cx="7534275" cy="4648200"/>
+          </a:xfrm>
+          <a:prstGeom prst="rect">
+            <a:avLst/>
+          </a:prstGeom>
+          <a:noFill/>
+          <a:extLst>
+            <a:ext uri="{909E8E84-426E-40DD-AFC4-6F175D3DCCD1}">
+              <a14:hiddenFill xmlns:a14="http://schemas.microsoft.com/office/drawing/2010/main">
+                <a:solidFill>
+                  <a:srgbClr val="FFFFFF"/>
+                </a:solidFill>
+              </a14:hiddenFill>
+            </a:ext>
+          </a:extLst>
+        </p:spPr>
+      </p:pic>
+    </p:spTree>
+    <p:extLst>
+      <p:ext uri="{BB962C8B-B14F-4D97-AF65-F5344CB8AC3E}">
+        <p14:creationId xmlns:p14="http://schemas.microsoft.com/office/powerpoint/2010/main" val="2054669009"/>
       </p:ext>
     </p:extLst>
   </p:cSld>

--- a/SYSG.pptx
+++ b/SYSG.pptx
@@ -212,7 +212,7 @@
           <a:p>
             <a:fld id="{9DB45F93-D156-4AE8-B29F-58D76D05F0C5}" type="datetimeFigureOut">
               <a:rPr lang="en-US" smtClean="0"/>
-              <a:t>2/13/2023</a:t>
+              <a:t>2/14/2023</a:t>
             </a:fld>
             <a:endParaRPr lang="en-US"/>
           </a:p>
@@ -710,7 +710,7 @@
           <a:p>
             <a:fld id="{88C60456-FB3B-4026-A5DC-EEEFAE77261F}" type="datetimeFigureOut">
               <a:rPr lang="en-US" smtClean="0"/>
-              <a:t>2/13/2023</a:t>
+              <a:t>2/14/2023</a:t>
             </a:fld>
             <a:endParaRPr lang="en-US"/>
           </a:p>
@@ -908,7 +908,7 @@
           <a:p>
             <a:fld id="{88C60456-FB3B-4026-A5DC-EEEFAE77261F}" type="datetimeFigureOut">
               <a:rPr lang="en-US" smtClean="0"/>
-              <a:t>2/13/2023</a:t>
+              <a:t>2/14/2023</a:t>
             </a:fld>
             <a:endParaRPr lang="en-US"/>
           </a:p>
@@ -1116,7 +1116,7 @@
           <a:p>
             <a:fld id="{88C60456-FB3B-4026-A5DC-EEEFAE77261F}" type="datetimeFigureOut">
               <a:rPr lang="en-US" smtClean="0"/>
-              <a:t>2/13/2023</a:t>
+              <a:t>2/14/2023</a:t>
             </a:fld>
             <a:endParaRPr lang="en-US"/>
           </a:p>
@@ -1314,7 +1314,7 @@
           <a:p>
             <a:fld id="{88C60456-FB3B-4026-A5DC-EEEFAE77261F}" type="datetimeFigureOut">
               <a:rPr lang="en-US" smtClean="0"/>
-              <a:t>2/13/2023</a:t>
+              <a:t>2/14/2023</a:t>
             </a:fld>
             <a:endParaRPr lang="en-US"/>
           </a:p>
@@ -1589,7 +1589,7 @@
           <a:p>
             <a:fld id="{88C60456-FB3B-4026-A5DC-EEEFAE77261F}" type="datetimeFigureOut">
               <a:rPr lang="en-US" smtClean="0"/>
-              <a:t>2/13/2023</a:t>
+              <a:t>2/14/2023</a:t>
             </a:fld>
             <a:endParaRPr lang="en-US"/>
           </a:p>
@@ -1854,7 +1854,7 @@
           <a:p>
             <a:fld id="{88C60456-FB3B-4026-A5DC-EEEFAE77261F}" type="datetimeFigureOut">
               <a:rPr lang="en-US" smtClean="0"/>
-              <a:t>2/13/2023</a:t>
+              <a:t>2/14/2023</a:t>
             </a:fld>
             <a:endParaRPr lang="en-US"/>
           </a:p>
@@ -2266,7 +2266,7 @@
           <a:p>
             <a:fld id="{88C60456-FB3B-4026-A5DC-EEEFAE77261F}" type="datetimeFigureOut">
               <a:rPr lang="en-US" smtClean="0"/>
-              <a:t>2/13/2023</a:t>
+              <a:t>2/14/2023</a:t>
             </a:fld>
             <a:endParaRPr lang="en-US"/>
           </a:p>
@@ -2407,7 +2407,7 @@
           <a:p>
             <a:fld id="{88C60456-FB3B-4026-A5DC-EEEFAE77261F}" type="datetimeFigureOut">
               <a:rPr lang="en-US" smtClean="0"/>
-              <a:t>2/13/2023</a:t>
+              <a:t>2/14/2023</a:t>
             </a:fld>
             <a:endParaRPr lang="en-US"/>
           </a:p>
@@ -2520,7 +2520,7 @@
           <a:p>
             <a:fld id="{88C60456-FB3B-4026-A5DC-EEEFAE77261F}" type="datetimeFigureOut">
               <a:rPr lang="en-US" smtClean="0"/>
-              <a:t>2/13/2023</a:t>
+              <a:t>2/14/2023</a:t>
             </a:fld>
             <a:endParaRPr lang="en-US"/>
           </a:p>
@@ -2831,7 +2831,7 @@
           <a:p>
             <a:fld id="{88C60456-FB3B-4026-A5DC-EEEFAE77261F}" type="datetimeFigureOut">
               <a:rPr lang="en-US" smtClean="0"/>
-              <a:t>2/13/2023</a:t>
+              <a:t>2/14/2023</a:t>
             </a:fld>
             <a:endParaRPr lang="en-US"/>
           </a:p>
@@ -3119,7 +3119,7 @@
           <a:p>
             <a:fld id="{88C60456-FB3B-4026-A5DC-EEEFAE77261F}" type="datetimeFigureOut">
               <a:rPr lang="en-US" smtClean="0"/>
-              <a:t>2/13/2023</a:t>
+              <a:t>2/14/2023</a:t>
             </a:fld>
             <a:endParaRPr lang="en-US"/>
           </a:p>
@@ -3360,7 +3360,7 @@
           <a:p>
             <a:fld id="{88C60456-FB3B-4026-A5DC-EEEFAE77261F}" type="datetimeFigureOut">
               <a:rPr lang="en-US" smtClean="0"/>
-              <a:t>2/13/2023</a:t>
+              <a:t>2/14/2023</a:t>
             </a:fld>
             <a:endParaRPr lang="en-US"/>
           </a:p>
@@ -4237,10 +4237,10 @@
       </p:sp>
       <p:pic>
         <p:nvPicPr>
-          <p:cNvPr id="2050" name="Picture 2">
-            <a:extLst>
-              <a:ext uri="{FF2B5EF4-FFF2-40B4-BE49-F238E27FC236}">
-                <a16:creationId xmlns:a16="http://schemas.microsoft.com/office/drawing/2014/main" id="{804BD284-5128-99E4-4E4D-ED242099A4AE}"/>
+          <p:cNvPr id="1026" name="Picture 2">
+            <a:extLst>
+              <a:ext uri="{FF2B5EF4-FFF2-40B4-BE49-F238E27FC236}">
+                <a16:creationId xmlns:a16="http://schemas.microsoft.com/office/drawing/2014/main" id="{B143AD66-9BE4-0C0D-6E80-F7AF64AA9E77}"/>
               </a:ext>
             </a:extLst>
           </p:cNvPr>
@@ -4264,8 +4264,55 @@
         </p:blipFill>
         <p:spPr bwMode="auto">
           <a:xfrm>
-            <a:off x="2843408" y="3070874"/>
-            <a:ext cx="6688509" cy="3142129"/>
+            <a:off x="2704820" y="3557945"/>
+            <a:ext cx="6782360" cy="3186219"/>
+          </a:xfrm>
+          <a:prstGeom prst="rect">
+            <a:avLst/>
+          </a:prstGeom>
+          <a:noFill/>
+          <a:extLst>
+            <a:ext uri="{909E8E84-426E-40DD-AFC4-6F175D3DCCD1}">
+              <a14:hiddenFill xmlns:a14="http://schemas.microsoft.com/office/drawing/2010/main">
+                <a:solidFill>
+                  <a:srgbClr val="FFFFFF"/>
+                </a:solidFill>
+              </a14:hiddenFill>
+            </a:ext>
+          </a:extLst>
+        </p:spPr>
+      </p:pic>
+      <p:pic>
+        <p:nvPicPr>
+          <p:cNvPr id="1028" name="Picture 4">
+            <a:extLst>
+              <a:ext uri="{FF2B5EF4-FFF2-40B4-BE49-F238E27FC236}">
+                <a16:creationId xmlns:a16="http://schemas.microsoft.com/office/drawing/2014/main" id="{3BED4CE7-7185-6AB6-6B13-7718A4C95B82}"/>
+              </a:ext>
+            </a:extLst>
+          </p:cNvPr>
+          <p:cNvPicPr>
+            <a:picLocks noChangeAspect="1" noChangeArrowheads="1"/>
+          </p:cNvPicPr>
+          <p:nvPr/>
+        </p:nvPicPr>
+        <p:blipFill>
+          <a:blip r:embed="rId3">
+            <a:extLst>
+              <a:ext uri="{28A0092B-C50C-407E-A947-70E740481C1C}">
+                <a14:useLocalDpi xmlns:a14="http://schemas.microsoft.com/office/drawing/2010/main" val="0"/>
+              </a:ext>
+            </a:extLst>
+          </a:blip>
+          <a:srcRect/>
+          <a:stretch>
+            <a:fillRect/>
+          </a:stretch>
+        </p:blipFill>
+        <p:spPr bwMode="auto">
+          <a:xfrm>
+            <a:off x="3807759" y="541859"/>
+            <a:ext cx="4920777" cy="2971954"/>
           </a:xfrm>
           <a:prstGeom prst="rect">
             <a:avLst/>

--- a/SYSG.pptx
+++ b/SYSG.pptx
@@ -4237,10 +4237,10 @@
       </p:sp>
       <p:pic>
         <p:nvPicPr>
-          <p:cNvPr id="1026" name="Picture 2">
-            <a:extLst>
-              <a:ext uri="{FF2B5EF4-FFF2-40B4-BE49-F238E27FC236}">
-                <a16:creationId xmlns:a16="http://schemas.microsoft.com/office/drawing/2014/main" id="{B143AD66-9BE4-0C0D-6E80-F7AF64AA9E77}"/>
+          <p:cNvPr id="1028" name="Picture 4">
+            <a:extLst>
+              <a:ext uri="{FF2B5EF4-FFF2-40B4-BE49-F238E27FC236}">
+                <a16:creationId xmlns:a16="http://schemas.microsoft.com/office/drawing/2014/main" id="{3BED4CE7-7185-6AB6-6B13-7718A4C95B82}"/>
               </a:ext>
             </a:extLst>
           </p:cNvPr>
@@ -4264,8 +4264,8 @@
         </p:blipFill>
         <p:spPr bwMode="auto">
           <a:xfrm>
-            <a:off x="2704820" y="3557945"/>
-            <a:ext cx="6782360" cy="3186219"/>
+            <a:off x="3807759" y="541859"/>
+            <a:ext cx="4920777" cy="2971954"/>
           </a:xfrm>
           <a:prstGeom prst="rect">
             <a:avLst/>
@@ -4284,10 +4284,10 @@
       </p:pic>
       <p:pic>
         <p:nvPicPr>
-          <p:cNvPr id="1028" name="Picture 4">
-            <a:extLst>
-              <a:ext uri="{FF2B5EF4-FFF2-40B4-BE49-F238E27FC236}">
-                <a16:creationId xmlns:a16="http://schemas.microsoft.com/office/drawing/2014/main" id="{3BED4CE7-7185-6AB6-6B13-7718A4C95B82}"/>
+          <p:cNvPr id="1030" name="Picture 6">
+            <a:extLst>
+              <a:ext uri="{FF2B5EF4-FFF2-40B4-BE49-F238E27FC236}">
+                <a16:creationId xmlns:a16="http://schemas.microsoft.com/office/drawing/2014/main" id="{4F73785E-2C1A-3CBF-77C6-68E12D6D3415}"/>
               </a:ext>
             </a:extLst>
           </p:cNvPr>
@@ -4311,8 +4311,8 @@
         </p:blipFill>
         <p:spPr bwMode="auto">
           <a:xfrm>
-            <a:off x="3807759" y="541859"/>
-            <a:ext cx="4920777" cy="2971954"/>
+            <a:off x="2854269" y="3713519"/>
+            <a:ext cx="6483461" cy="3045802"/>
           </a:xfrm>
           <a:prstGeom prst="rect">
             <a:avLst/>

--- a/SYSG.pptx
+++ b/SYSG.pptx
@@ -5,14 +5,13 @@
     <p:sldMasterId id="2147483648" r:id="rId1"/>
   </p:sldMasterIdLst>
   <p:notesMasterIdLst>
-    <p:notesMasterId r:id="rId7"/>
+    <p:notesMasterId r:id="rId6"/>
   </p:notesMasterIdLst>
   <p:sldIdLst>
     <p:sldId id="256" r:id="rId2"/>
     <p:sldId id="257" r:id="rId3"/>
-    <p:sldId id="258" r:id="rId4"/>
-    <p:sldId id="259" r:id="rId5"/>
-    <p:sldId id="260" r:id="rId6"/>
+    <p:sldId id="259" r:id="rId4"/>
+    <p:sldId id="260" r:id="rId5"/>
   </p:sldIdLst>
   <p:sldSz cx="12192000" cy="6858000"/>
   <p:notesSz cx="6858000" cy="9144000"/>
@@ -3943,262 +3942,6 @@
           <a:chExt cx="0" cy="0"/>
         </a:xfrm>
       </p:grpSpPr>
-      <p:pic>
-        <p:nvPicPr>
-          <p:cNvPr id="1026" name="Picture 2">
-            <a:extLst>
-              <a:ext uri="{FF2B5EF4-FFF2-40B4-BE49-F238E27FC236}">
-                <a16:creationId xmlns:a16="http://schemas.microsoft.com/office/drawing/2014/main" id="{D0F7AEE8-096D-2850-0C1F-1DD56683AE62}"/>
-              </a:ext>
-            </a:extLst>
-          </p:cNvPr>
-          <p:cNvPicPr>
-            <a:picLocks noChangeAspect="1" noChangeArrowheads="1"/>
-          </p:cNvPicPr>
-          <p:nvPr/>
-        </p:nvPicPr>
-        <p:blipFill>
-          <a:blip r:embed="rId2">
-            <a:extLst>
-              <a:ext uri="{28A0092B-C50C-407E-A947-70E740481C1C}">
-                <a14:useLocalDpi xmlns:a14="http://schemas.microsoft.com/office/drawing/2010/main" val="0"/>
-              </a:ext>
-            </a:extLst>
-          </a:blip>
-          <a:srcRect/>
-          <a:stretch>
-            <a:fillRect/>
-          </a:stretch>
-        </p:blipFill>
-        <p:spPr bwMode="auto">
-          <a:xfrm>
-            <a:off x="5340497" y="2121807"/>
-            <a:ext cx="6252036" cy="2614386"/>
-          </a:xfrm>
-          <a:prstGeom prst="rect">
-            <a:avLst/>
-          </a:prstGeom>
-          <a:noFill/>
-          <a:extLst>
-            <a:ext uri="{909E8E84-426E-40DD-AFC4-6F175D3DCCD1}">
-              <a14:hiddenFill xmlns:a14="http://schemas.microsoft.com/office/drawing/2010/main">
-                <a:solidFill>
-                  <a:srgbClr val="FFFFFF"/>
-                </a:solidFill>
-              </a14:hiddenFill>
-            </a:ext>
-          </a:extLst>
-        </p:spPr>
-      </p:pic>
-      <p:sp>
-        <p:nvSpPr>
-          <p:cNvPr id="2" name="TextBox 1">
-            <a:extLst>
-              <a:ext uri="{FF2B5EF4-FFF2-40B4-BE49-F238E27FC236}">
-                <a16:creationId xmlns:a16="http://schemas.microsoft.com/office/drawing/2014/main" id="{2419E976-C61E-FAC2-FCEA-6EEA88B51E53}"/>
-              </a:ext>
-            </a:extLst>
-          </p:cNvPr>
-          <p:cNvSpPr txBox="1"/>
-          <p:nvPr/>
-        </p:nvSpPr>
-        <p:spPr>
-          <a:xfrm>
-            <a:off x="5185913" y="172527"/>
-            <a:ext cx="1820174" cy="369332"/>
-          </a:xfrm>
-          <a:prstGeom prst="rect">
-            <a:avLst/>
-          </a:prstGeom>
-          <a:noFill/>
-        </p:spPr>
-        <p:txBody>
-          <a:bodyPr wrap="square" rtlCol="0">
-            <a:spAutoFit/>
-          </a:bodyPr>
-          <a:lstStyle/>
-          <a:p>
-            <a:pPr algn="ctr"/>
-            <a:r>
-              <a:rPr lang="en-US" dirty="0"/>
-              <a:t>p1a4 c2.00</a:t>
-            </a:r>
-          </a:p>
-        </p:txBody>
-      </p:sp>
-      <p:pic>
-        <p:nvPicPr>
-          <p:cNvPr id="1034" name="Picture 10">
-            <a:extLst>
-              <a:ext uri="{FF2B5EF4-FFF2-40B4-BE49-F238E27FC236}">
-                <a16:creationId xmlns:a16="http://schemas.microsoft.com/office/drawing/2014/main" id="{8DB0D654-7E88-E212-F797-4F93A05E9DC9}"/>
-              </a:ext>
-            </a:extLst>
-          </p:cNvPr>
-          <p:cNvPicPr>
-            <a:picLocks noChangeAspect="1" noChangeArrowheads="1"/>
-          </p:cNvPicPr>
-          <p:nvPr/>
-        </p:nvPicPr>
-        <p:blipFill>
-          <a:blip r:embed="rId3">
-            <a:extLst>
-              <a:ext uri="{28A0092B-C50C-407E-A947-70E740481C1C}">
-                <a14:useLocalDpi xmlns:a14="http://schemas.microsoft.com/office/drawing/2010/main" val="0"/>
-              </a:ext>
-            </a:extLst>
-          </a:blip>
-          <a:srcRect/>
-          <a:stretch>
-            <a:fillRect/>
-          </a:stretch>
-        </p:blipFill>
-        <p:spPr bwMode="auto">
-          <a:xfrm>
-            <a:off x="370263" y="3621742"/>
-            <a:ext cx="4871622" cy="2906298"/>
-          </a:xfrm>
-          <a:prstGeom prst="rect">
-            <a:avLst/>
-          </a:prstGeom>
-          <a:noFill/>
-          <a:extLst>
-            <a:ext uri="{909E8E84-426E-40DD-AFC4-6F175D3DCCD1}">
-              <a14:hiddenFill xmlns:a14="http://schemas.microsoft.com/office/drawing/2010/main">
-                <a:solidFill>
-                  <a:srgbClr val="FFFFFF"/>
-                </a:solidFill>
-              </a14:hiddenFill>
-            </a:ext>
-          </a:extLst>
-        </p:spPr>
-      </p:pic>
-      <p:pic>
-        <p:nvPicPr>
-          <p:cNvPr id="1028" name="Picture 4">
-            <a:extLst>
-              <a:ext uri="{FF2B5EF4-FFF2-40B4-BE49-F238E27FC236}">
-                <a16:creationId xmlns:a16="http://schemas.microsoft.com/office/drawing/2014/main" id="{6CDB6957-B970-7885-E17E-D33F63245746}"/>
-              </a:ext>
-            </a:extLst>
-          </p:cNvPr>
-          <p:cNvPicPr>
-            <a:picLocks noChangeAspect="1" noChangeArrowheads="1"/>
-          </p:cNvPicPr>
-          <p:nvPr/>
-        </p:nvPicPr>
-        <p:blipFill>
-          <a:blip r:embed="rId4">
-            <a:extLst>
-              <a:ext uri="{28A0092B-C50C-407E-A947-70E740481C1C}">
-                <a14:useLocalDpi xmlns:a14="http://schemas.microsoft.com/office/drawing/2010/main" val="0"/>
-              </a:ext>
-            </a:extLst>
-          </a:blip>
-          <a:srcRect/>
-          <a:stretch>
-            <a:fillRect/>
-          </a:stretch>
-        </p:blipFill>
-        <p:spPr bwMode="auto">
-          <a:xfrm>
-            <a:off x="370263" y="628652"/>
-            <a:ext cx="4776334" cy="2906298"/>
-          </a:xfrm>
-          <a:prstGeom prst="rect">
-            <a:avLst/>
-          </a:prstGeom>
-          <a:noFill/>
-          <a:extLst>
-            <a:ext uri="{909E8E84-426E-40DD-AFC4-6F175D3DCCD1}">
-              <a14:hiddenFill xmlns:a14="http://schemas.microsoft.com/office/drawing/2010/main">
-                <a:solidFill>
-                  <a:srgbClr val="FFFFFF"/>
-                </a:solidFill>
-              </a14:hiddenFill>
-            </a:ext>
-          </a:extLst>
-        </p:spPr>
-      </p:pic>
-      <p:sp>
-        <p:nvSpPr>
-          <p:cNvPr id="3" name="Rectangle 2">
-            <a:extLst>
-              <a:ext uri="{FF2B5EF4-FFF2-40B4-BE49-F238E27FC236}">
-                <a16:creationId xmlns:a16="http://schemas.microsoft.com/office/drawing/2014/main" id="{41AAC99C-66CF-36CE-E351-4628B341A652}"/>
-              </a:ext>
-            </a:extLst>
-          </p:cNvPr>
-          <p:cNvSpPr/>
-          <p:nvPr/>
-        </p:nvSpPr>
-        <p:spPr>
-          <a:xfrm>
-            <a:off x="4661308" y="1855694"/>
-            <a:ext cx="3137647" cy="519953"/>
-          </a:xfrm>
-          <a:prstGeom prst="rect">
-            <a:avLst/>
-          </a:prstGeom>
-        </p:spPr>
-        <p:style>
-          <a:lnRef idx="2">
-            <a:schemeClr val="accent1">
-              <a:shade val="50000"/>
-            </a:schemeClr>
-          </a:lnRef>
-          <a:fillRef idx="1">
-            <a:schemeClr val="accent1"/>
-          </a:fillRef>
-          <a:effectRef idx="0">
-            <a:schemeClr val="accent1"/>
-          </a:effectRef>
-          <a:fontRef idx="minor">
-            <a:schemeClr val="lt1"/>
-          </a:fontRef>
-        </p:style>
-        <p:txBody>
-          <a:bodyPr rtlCol="0" anchor="ctr"/>
-          <a:lstStyle/>
-          <a:p>
-            <a:pPr algn="ctr"/>
-            <a:r>
-              <a:rPr lang="en-US" dirty="0"/>
-              <a:t>Old Nm </a:t>
-            </a:r>
-          </a:p>
-        </p:txBody>
-      </p:sp>
-    </p:spTree>
-    <p:extLst>
-      <p:ext uri="{BB962C8B-B14F-4D97-AF65-F5344CB8AC3E}">
-        <p14:creationId xmlns:p14="http://schemas.microsoft.com/office/powerpoint/2010/main" val="4046696635"/>
-      </p:ext>
-    </p:extLst>
-  </p:cSld>
-  <p:clrMapOvr>
-    <a:masterClrMapping/>
-  </p:clrMapOvr>
-</p:sld>
-</file>
-
-<file path=ppt/slides/slide4.xml><?xml version="1.0" encoding="utf-8"?>
-<p:sld xmlns:a="http://schemas.openxmlformats.org/drawingml/2006/main" xmlns:r="http://schemas.openxmlformats.org/officeDocument/2006/relationships" xmlns:p="http://schemas.openxmlformats.org/presentationml/2006/main">
-  <p:cSld>
-    <p:spTree>
-      <p:nvGrpSpPr>
-        <p:cNvPr id="1" name=""/>
-        <p:cNvGrpSpPr/>
-        <p:nvPr/>
-      </p:nvGrpSpPr>
-      <p:grpSpPr>
-        <a:xfrm>
-          <a:off x="0" y="0"/>
-          <a:ext cx="0" cy="0"/>
-          <a:chOff x="0" y="0"/>
-          <a:chExt cx="0" cy="0"/>
-        </a:xfrm>
-      </p:grpSpPr>
       <p:sp>
         <p:nvSpPr>
           <p:cNvPr id="2" name="TextBox 1">
@@ -4284,10 +4027,10 @@
       </p:pic>
       <p:pic>
         <p:nvPicPr>
-          <p:cNvPr id="1030" name="Picture 6">
-            <a:extLst>
-              <a:ext uri="{FF2B5EF4-FFF2-40B4-BE49-F238E27FC236}">
-                <a16:creationId xmlns:a16="http://schemas.microsoft.com/office/drawing/2014/main" id="{4F73785E-2C1A-3CBF-77C6-68E12D6D3415}"/>
+          <p:cNvPr id="1032" name="Picture 8">
+            <a:extLst>
+              <a:ext uri="{FF2B5EF4-FFF2-40B4-BE49-F238E27FC236}">
+                <a16:creationId xmlns:a16="http://schemas.microsoft.com/office/drawing/2014/main" id="{0FE2A19A-69A9-C0A6-E637-338586FC1FAA}"/>
               </a:ext>
             </a:extLst>
           </p:cNvPr>
@@ -4311,8 +4054,8 @@
         </p:blipFill>
         <p:spPr bwMode="auto">
           <a:xfrm>
-            <a:off x="2854269" y="3713519"/>
-            <a:ext cx="6483461" cy="3045802"/>
+            <a:off x="2804833" y="3599457"/>
+            <a:ext cx="6326265" cy="2971954"/>
           </a:xfrm>
           <a:prstGeom prst="rect">
             <a:avLst/>
@@ -4342,7 +4085,7 @@
 </p:sld>
 </file>
 
-<file path=ppt/slides/slide5.xml><?xml version="1.0" encoding="utf-8"?>
+<file path=ppt/slides/slide4.xml><?xml version="1.0" encoding="utf-8"?>
 <p:sld xmlns:a="http://schemas.openxmlformats.org/drawingml/2006/main" xmlns:r="http://schemas.openxmlformats.org/officeDocument/2006/relationships" xmlns:p="http://schemas.openxmlformats.org/presentationml/2006/main">
   <p:cSld>
     <p:spTree>

--- a/SYSG.pptx
+++ b/SYSG.pptx
@@ -5,13 +5,19 @@
     <p:sldMasterId id="2147483648" r:id="rId1"/>
   </p:sldMasterIdLst>
   <p:notesMasterIdLst>
-    <p:notesMasterId r:id="rId6"/>
+    <p:notesMasterId r:id="rId12"/>
   </p:notesMasterIdLst>
   <p:sldIdLst>
     <p:sldId id="256" r:id="rId2"/>
-    <p:sldId id="257" r:id="rId3"/>
-    <p:sldId id="259" r:id="rId4"/>
-    <p:sldId id="260" r:id="rId5"/>
+    <p:sldId id="266" r:id="rId3"/>
+    <p:sldId id="264" r:id="rId4"/>
+    <p:sldId id="262" r:id="rId5"/>
+    <p:sldId id="267" r:id="rId6"/>
+    <p:sldId id="263" r:id="rId7"/>
+    <p:sldId id="265" r:id="rId8"/>
+    <p:sldId id="257" r:id="rId9"/>
+    <p:sldId id="259" r:id="rId10"/>
+    <p:sldId id="260" r:id="rId11"/>
   </p:sldIdLst>
   <p:sldSz cx="12192000" cy="6858000"/>
   <p:notesSz cx="6858000" cy="9144000"/>
@@ -211,7 +217,7 @@
           <a:p>
             <a:fld id="{9DB45F93-D156-4AE8-B29F-58D76D05F0C5}" type="datetimeFigureOut">
               <a:rPr lang="en-US" smtClean="0"/>
-              <a:t>2/14/2023</a:t>
+              <a:t>11/14/2023</a:t>
             </a:fld>
             <a:endParaRPr lang="en-US"/>
           </a:p>
@@ -709,7 +715,7 @@
           <a:p>
             <a:fld id="{88C60456-FB3B-4026-A5DC-EEEFAE77261F}" type="datetimeFigureOut">
               <a:rPr lang="en-US" smtClean="0"/>
-              <a:t>2/14/2023</a:t>
+              <a:t>11/14/2023</a:t>
             </a:fld>
             <a:endParaRPr lang="en-US"/>
           </a:p>
@@ -907,7 +913,7 @@
           <a:p>
             <a:fld id="{88C60456-FB3B-4026-A5DC-EEEFAE77261F}" type="datetimeFigureOut">
               <a:rPr lang="en-US" smtClean="0"/>
-              <a:t>2/14/2023</a:t>
+              <a:t>11/14/2023</a:t>
             </a:fld>
             <a:endParaRPr lang="en-US"/>
           </a:p>
@@ -1115,7 +1121,7 @@
           <a:p>
             <a:fld id="{88C60456-FB3B-4026-A5DC-EEEFAE77261F}" type="datetimeFigureOut">
               <a:rPr lang="en-US" smtClean="0"/>
-              <a:t>2/14/2023</a:t>
+              <a:t>11/14/2023</a:t>
             </a:fld>
             <a:endParaRPr lang="en-US"/>
           </a:p>
@@ -1313,7 +1319,7 @@
           <a:p>
             <a:fld id="{88C60456-FB3B-4026-A5DC-EEEFAE77261F}" type="datetimeFigureOut">
               <a:rPr lang="en-US" smtClean="0"/>
-              <a:t>2/14/2023</a:t>
+              <a:t>11/14/2023</a:t>
             </a:fld>
             <a:endParaRPr lang="en-US"/>
           </a:p>
@@ -1588,7 +1594,7 @@
           <a:p>
             <a:fld id="{88C60456-FB3B-4026-A5DC-EEEFAE77261F}" type="datetimeFigureOut">
               <a:rPr lang="en-US" smtClean="0"/>
-              <a:t>2/14/2023</a:t>
+              <a:t>11/14/2023</a:t>
             </a:fld>
             <a:endParaRPr lang="en-US"/>
           </a:p>
@@ -1853,7 +1859,7 @@
           <a:p>
             <a:fld id="{88C60456-FB3B-4026-A5DC-EEEFAE77261F}" type="datetimeFigureOut">
               <a:rPr lang="en-US" smtClean="0"/>
-              <a:t>2/14/2023</a:t>
+              <a:t>11/14/2023</a:t>
             </a:fld>
             <a:endParaRPr lang="en-US"/>
           </a:p>
@@ -2265,7 +2271,7 @@
           <a:p>
             <a:fld id="{88C60456-FB3B-4026-A5DC-EEEFAE77261F}" type="datetimeFigureOut">
               <a:rPr lang="en-US" smtClean="0"/>
-              <a:t>2/14/2023</a:t>
+              <a:t>11/14/2023</a:t>
             </a:fld>
             <a:endParaRPr lang="en-US"/>
           </a:p>
@@ -2406,7 +2412,7 @@
           <a:p>
             <a:fld id="{88C60456-FB3B-4026-A5DC-EEEFAE77261F}" type="datetimeFigureOut">
               <a:rPr lang="en-US" smtClean="0"/>
-              <a:t>2/14/2023</a:t>
+              <a:t>11/14/2023</a:t>
             </a:fld>
             <a:endParaRPr lang="en-US"/>
           </a:p>
@@ -2519,7 +2525,7 @@
           <a:p>
             <a:fld id="{88C60456-FB3B-4026-A5DC-EEEFAE77261F}" type="datetimeFigureOut">
               <a:rPr lang="en-US" smtClean="0"/>
-              <a:t>2/14/2023</a:t>
+              <a:t>11/14/2023</a:t>
             </a:fld>
             <a:endParaRPr lang="en-US"/>
           </a:p>
@@ -2830,7 +2836,7 @@
           <a:p>
             <a:fld id="{88C60456-FB3B-4026-A5DC-EEEFAE77261F}" type="datetimeFigureOut">
               <a:rPr lang="en-US" smtClean="0"/>
-              <a:t>2/14/2023</a:t>
+              <a:t>11/14/2023</a:t>
             </a:fld>
             <a:endParaRPr lang="en-US"/>
           </a:p>
@@ -3118,7 +3124,7 @@
           <a:p>
             <a:fld id="{88C60456-FB3B-4026-A5DC-EEEFAE77261F}" type="datetimeFigureOut">
               <a:rPr lang="en-US" smtClean="0"/>
-              <a:t>2/14/2023</a:t>
+              <a:t>11/14/2023</a:t>
             </a:fld>
             <a:endParaRPr lang="en-US"/>
           </a:p>
@@ -3359,7 +3365,7 @@
           <a:p>
             <a:fld id="{88C60456-FB3B-4026-A5DC-EEEFAE77261F}" type="datetimeFigureOut">
               <a:rPr lang="en-US" smtClean="0"/>
-              <a:t>2/14/2023</a:t>
+              <a:t>11/14/2023</a:t>
             </a:fld>
             <a:endParaRPr lang="en-US"/>
           </a:p>
@@ -3842,6 +3848,120 @@
 </p:sld>
 </file>
 
+<file path=ppt/slides/slide10.xml><?xml version="1.0" encoding="utf-8"?>
+<p:sld xmlns:a="http://schemas.openxmlformats.org/drawingml/2006/main" xmlns:r="http://schemas.openxmlformats.org/officeDocument/2006/relationships" xmlns:p="http://schemas.openxmlformats.org/presentationml/2006/main">
+  <p:cSld>
+    <p:spTree>
+      <p:nvGrpSpPr>
+        <p:cNvPr id="1" name=""/>
+        <p:cNvGrpSpPr/>
+        <p:nvPr/>
+      </p:nvGrpSpPr>
+      <p:grpSpPr>
+        <a:xfrm>
+          <a:off x="0" y="0"/>
+          <a:ext cx="0" cy="0"/>
+          <a:chOff x="0" y="0"/>
+          <a:chExt cx="0" cy="0"/>
+        </a:xfrm>
+      </p:grpSpPr>
+      <p:sp>
+        <p:nvSpPr>
+          <p:cNvPr id="2" name="TextBox 1">
+            <a:extLst>
+              <a:ext uri="{FF2B5EF4-FFF2-40B4-BE49-F238E27FC236}">
+                <a16:creationId xmlns:a16="http://schemas.microsoft.com/office/drawing/2014/main" id="{2D0BBCAA-5054-475B-7AB1-38BC066C2AF9}"/>
+              </a:ext>
+            </a:extLst>
+          </p:cNvPr>
+          <p:cNvSpPr txBox="1"/>
+          <p:nvPr/>
+        </p:nvSpPr>
+        <p:spPr>
+          <a:xfrm>
+            <a:off x="5185913" y="172527"/>
+            <a:ext cx="1820174" cy="369332"/>
+          </a:xfrm>
+          <a:prstGeom prst="rect">
+            <a:avLst/>
+          </a:prstGeom>
+          <a:noFill/>
+        </p:spPr>
+        <p:txBody>
+          <a:bodyPr wrap="square" rtlCol="0">
+            <a:spAutoFit/>
+          </a:bodyPr>
+          <a:lstStyle/>
+          <a:p>
+            <a:pPr algn="ctr"/>
+            <a:r>
+              <a:rPr lang="en-US"/>
+              <a:t>p2a4 c1.75</a:t>
+            </a:r>
+            <a:endParaRPr lang="en-US" dirty="0"/>
+          </a:p>
+        </p:txBody>
+      </p:sp>
+      <p:pic>
+        <p:nvPicPr>
+          <p:cNvPr id="1026" name="Picture 2">
+            <a:extLst>
+              <a:ext uri="{FF2B5EF4-FFF2-40B4-BE49-F238E27FC236}">
+                <a16:creationId xmlns:a16="http://schemas.microsoft.com/office/drawing/2014/main" id="{73DA8BA8-20A0-9904-6C3A-49EE62217B97}"/>
+              </a:ext>
+            </a:extLst>
+          </p:cNvPr>
+          <p:cNvPicPr>
+            <a:picLocks noChangeAspect="1" noChangeArrowheads="1"/>
+          </p:cNvPicPr>
+          <p:nvPr/>
+        </p:nvPicPr>
+        <p:blipFill>
+          <a:blip r:embed="rId2">
+            <a:extLst>
+              <a:ext uri="{28A0092B-C50C-407E-A947-70E740481C1C}">
+                <a14:useLocalDpi xmlns:a14="http://schemas.microsoft.com/office/drawing/2010/main" val="0"/>
+              </a:ext>
+            </a:extLst>
+          </a:blip>
+          <a:srcRect/>
+          <a:stretch>
+            <a:fillRect/>
+          </a:stretch>
+        </p:blipFill>
+        <p:spPr bwMode="auto">
+          <a:xfrm>
+            <a:off x="2328862" y="1275230"/>
+            <a:ext cx="7534275" cy="4648200"/>
+          </a:xfrm>
+          <a:prstGeom prst="rect">
+            <a:avLst/>
+          </a:prstGeom>
+          <a:noFill/>
+          <a:extLst>
+            <a:ext uri="{909E8E84-426E-40DD-AFC4-6F175D3DCCD1}">
+              <a14:hiddenFill xmlns:a14="http://schemas.microsoft.com/office/drawing/2010/main">
+                <a:solidFill>
+                  <a:srgbClr val="FFFFFF"/>
+                </a:solidFill>
+              </a14:hiddenFill>
+            </a:ext>
+          </a:extLst>
+        </p:spPr>
+      </p:pic>
+    </p:spTree>
+    <p:extLst>
+      <p:ext uri="{BB962C8B-B14F-4D97-AF65-F5344CB8AC3E}">
+        <p14:creationId xmlns:p14="http://schemas.microsoft.com/office/powerpoint/2010/main" val="2054669009"/>
+      </p:ext>
+    </p:extLst>
+  </p:cSld>
+  <p:clrMapOvr>
+    <a:masterClrMapping/>
+  </p:clrMapOvr>
+</p:sld>
+</file>
+
 <file path=ppt/slides/slide2.xml><?xml version="1.0" encoding="utf-8"?>
 <p:sld xmlns:a="http://schemas.openxmlformats.org/drawingml/2006/main" xmlns:r="http://schemas.openxmlformats.org/officeDocument/2006/relationships" xmlns:p="http://schemas.openxmlformats.org/presentationml/2006/main">
   <p:cSld>
@@ -3861,6 +3981,1388 @@
       </p:grpSpPr>
       <p:sp>
         <p:nvSpPr>
+          <p:cNvPr id="2" name="Rectangle 1">
+            <a:extLst>
+              <a:ext uri="{FF2B5EF4-FFF2-40B4-BE49-F238E27FC236}">
+                <a16:creationId xmlns:a16="http://schemas.microsoft.com/office/drawing/2014/main" id="{FF927DD4-E522-6C80-C3DB-F756F86C41D9}"/>
+              </a:ext>
+            </a:extLst>
+          </p:cNvPr>
+          <p:cNvSpPr/>
+          <p:nvPr/>
+        </p:nvSpPr>
+        <p:spPr>
+          <a:xfrm>
+            <a:off x="4195482" y="1389529"/>
+            <a:ext cx="3801036" cy="761999"/>
+          </a:xfrm>
+          <a:prstGeom prst="rect">
+            <a:avLst/>
+          </a:prstGeom>
+        </p:spPr>
+        <p:style>
+          <a:lnRef idx="2">
+            <a:schemeClr val="accent1">
+              <a:shade val="15000"/>
+            </a:schemeClr>
+          </a:lnRef>
+          <a:fillRef idx="1">
+            <a:schemeClr val="accent1"/>
+          </a:fillRef>
+          <a:effectRef idx="0">
+            <a:schemeClr val="accent1"/>
+          </a:effectRef>
+          <a:fontRef idx="minor">
+            <a:schemeClr val="lt1"/>
+          </a:fontRef>
+        </p:style>
+        <p:txBody>
+          <a:bodyPr rtlCol="0" anchor="ctr"/>
+          <a:lstStyle/>
+          <a:p>
+            <a:pPr algn="ctr"/>
+            <a:r>
+              <a:rPr lang="en-US" dirty="0"/>
+              <a:t>Schematic, similar to NFH but simpler like Chao, not multiblock protein</a:t>
+            </a:r>
+          </a:p>
+        </p:txBody>
+      </p:sp>
+    </p:spTree>
+    <p:extLst>
+      <p:ext uri="{BB962C8B-B14F-4D97-AF65-F5344CB8AC3E}">
+        <p14:creationId xmlns:p14="http://schemas.microsoft.com/office/powerpoint/2010/main" val="2705160174"/>
+      </p:ext>
+    </p:extLst>
+  </p:cSld>
+  <p:clrMapOvr>
+    <a:masterClrMapping/>
+  </p:clrMapOvr>
+</p:sld>
+</file>
+
+<file path=ppt/slides/slide3.xml><?xml version="1.0" encoding="utf-8"?>
+<p:sld xmlns:a="http://schemas.openxmlformats.org/drawingml/2006/main" xmlns:r="http://schemas.openxmlformats.org/officeDocument/2006/relationships" xmlns:p="http://schemas.openxmlformats.org/presentationml/2006/main">
+  <p:cSld>
+    <p:spTree>
+      <p:nvGrpSpPr>
+        <p:cNvPr id="1" name=""/>
+        <p:cNvGrpSpPr/>
+        <p:nvPr/>
+      </p:nvGrpSpPr>
+      <p:grpSpPr>
+        <a:xfrm>
+          <a:off x="0" y="0"/>
+          <a:ext cx="0" cy="0"/>
+          <a:chOff x="0" y="0"/>
+          <a:chExt cx="0" cy="0"/>
+        </a:xfrm>
+      </p:grpSpPr>
+      <p:pic>
+        <p:nvPicPr>
+          <p:cNvPr id="2050" name="Picture 2">
+            <a:extLst>
+              <a:ext uri="{FF2B5EF4-FFF2-40B4-BE49-F238E27FC236}">
+                <a16:creationId xmlns:a16="http://schemas.microsoft.com/office/drawing/2014/main" id="{F4553F19-D210-4635-E1C2-E305C0FF8026}"/>
+              </a:ext>
+            </a:extLst>
+          </p:cNvPr>
+          <p:cNvPicPr>
+            <a:picLocks noChangeAspect="1" noChangeArrowheads="1"/>
+          </p:cNvPicPr>
+          <p:nvPr/>
+        </p:nvPicPr>
+        <p:blipFill>
+          <a:blip r:embed="rId2">
+            <a:extLst>
+              <a:ext uri="{28A0092B-C50C-407E-A947-70E740481C1C}">
+                <a14:useLocalDpi xmlns:a14="http://schemas.microsoft.com/office/drawing/2010/main" val="0"/>
+              </a:ext>
+            </a:extLst>
+          </a:blip>
+          <a:srcRect/>
+          <a:stretch>
+            <a:fillRect/>
+          </a:stretch>
+        </p:blipFill>
+        <p:spPr bwMode="auto">
+          <a:xfrm>
+            <a:off x="1894827" y="1425389"/>
+            <a:ext cx="3784145" cy="3738282"/>
+          </a:xfrm>
+          <a:prstGeom prst="rect">
+            <a:avLst/>
+          </a:prstGeom>
+          <a:noFill/>
+          <a:extLst>
+            <a:ext uri="{909E8E84-426E-40DD-AFC4-6F175D3DCCD1}">
+              <a14:hiddenFill xmlns:a14="http://schemas.microsoft.com/office/drawing/2010/main">
+                <a:solidFill>
+                  <a:srgbClr val="FFFFFF"/>
+                </a:solidFill>
+              </a14:hiddenFill>
+            </a:ext>
+          </a:extLst>
+        </p:spPr>
+      </p:pic>
+      <p:sp>
+        <p:nvSpPr>
+          <p:cNvPr id="3" name="TextBox 2">
+            <a:extLst>
+              <a:ext uri="{FF2B5EF4-FFF2-40B4-BE49-F238E27FC236}">
+                <a16:creationId xmlns:a16="http://schemas.microsoft.com/office/drawing/2014/main" id="{8BC92881-A300-5ED2-3C31-95FD2E3C064F}"/>
+              </a:ext>
+            </a:extLst>
+          </p:cNvPr>
+          <p:cNvSpPr txBox="1"/>
+          <p:nvPr/>
+        </p:nvSpPr>
+        <p:spPr>
+          <a:xfrm>
+            <a:off x="3281083" y="616788"/>
+            <a:ext cx="6044453" cy="369332"/>
+          </a:xfrm>
+          <a:prstGeom prst="rect">
+            <a:avLst/>
+          </a:prstGeom>
+          <a:noFill/>
+        </p:spPr>
+        <p:txBody>
+          <a:bodyPr wrap="square" rtlCol="0">
+            <a:spAutoFit/>
+          </a:bodyPr>
+          <a:lstStyle/>
+          <a:p>
+            <a:pPr algn="ctr"/>
+            <a:r>
+              <a:rPr lang="en-US" dirty="0"/>
+              <a:t>Possible brush morphologies (including +d)</a:t>
+            </a:r>
+          </a:p>
+        </p:txBody>
+      </p:sp>
+      <p:pic>
+        <p:nvPicPr>
+          <p:cNvPr id="5" name="Picture 4">
+            <a:extLst>
+              <a:ext uri="{FF2B5EF4-FFF2-40B4-BE49-F238E27FC236}">
+                <a16:creationId xmlns:a16="http://schemas.microsoft.com/office/drawing/2014/main" id="{93683DEC-8A0F-ED30-8F21-1514F4D6524B}"/>
+              </a:ext>
+            </a:extLst>
+          </p:cNvPr>
+          <p:cNvPicPr>
+            <a:picLocks noChangeAspect="1"/>
+          </p:cNvPicPr>
+          <p:nvPr/>
+        </p:nvPicPr>
+        <p:blipFill>
+          <a:blip r:embed="rId3"/>
+          <a:stretch>
+            <a:fillRect/>
+          </a:stretch>
+        </p:blipFill>
+        <p:spPr>
+          <a:xfrm>
+            <a:off x="5988483" y="1776980"/>
+            <a:ext cx="4733512" cy="2947420"/>
+          </a:xfrm>
+          <a:prstGeom prst="rect">
+            <a:avLst/>
+          </a:prstGeom>
+        </p:spPr>
+      </p:pic>
+      <p:sp>
+        <p:nvSpPr>
+          <p:cNvPr id="6" name="Rectangle 5">
+            <a:extLst>
+              <a:ext uri="{FF2B5EF4-FFF2-40B4-BE49-F238E27FC236}">
+                <a16:creationId xmlns:a16="http://schemas.microsoft.com/office/drawing/2014/main" id="{6C146B04-6274-9D24-687F-97E8F31D2852}"/>
+              </a:ext>
+            </a:extLst>
+          </p:cNvPr>
+          <p:cNvSpPr/>
+          <p:nvPr/>
+        </p:nvSpPr>
+        <p:spPr>
+          <a:xfrm>
+            <a:off x="2419262" y="4885764"/>
+            <a:ext cx="3173506" cy="717176"/>
+          </a:xfrm>
+          <a:prstGeom prst="rect">
+            <a:avLst/>
+          </a:prstGeom>
+        </p:spPr>
+        <p:style>
+          <a:lnRef idx="2">
+            <a:schemeClr val="accent1">
+              <a:shade val="15000"/>
+            </a:schemeClr>
+          </a:lnRef>
+          <a:fillRef idx="1">
+            <a:schemeClr val="accent1"/>
+          </a:fillRef>
+          <a:effectRef idx="0">
+            <a:schemeClr val="accent1"/>
+          </a:effectRef>
+          <a:fontRef idx="minor">
+            <a:schemeClr val="lt1"/>
+          </a:fontRef>
+        </p:style>
+        <p:txBody>
+          <a:bodyPr rtlCol="0" anchor="ctr"/>
+          <a:lstStyle/>
+          <a:p>
+            <a:pPr algn="ctr"/>
+            <a:r>
+              <a:rPr lang="en-US" dirty="0"/>
+              <a:t>Add d, take ending block dens</a:t>
+            </a:r>
+          </a:p>
+        </p:txBody>
+      </p:sp>
+      <p:sp>
+        <p:nvSpPr>
+          <p:cNvPr id="7" name="Rectangle 6">
+            <a:extLst>
+              <a:ext uri="{FF2B5EF4-FFF2-40B4-BE49-F238E27FC236}">
+                <a16:creationId xmlns:a16="http://schemas.microsoft.com/office/drawing/2014/main" id="{6B7EEDB3-FCDF-4E1F-7061-E620B2D58EC8}"/>
+              </a:ext>
+            </a:extLst>
+          </p:cNvPr>
+          <p:cNvSpPr/>
+          <p:nvPr/>
+        </p:nvSpPr>
+        <p:spPr>
+          <a:xfrm>
+            <a:off x="7140217" y="4885764"/>
+            <a:ext cx="3173506" cy="717176"/>
+          </a:xfrm>
+          <a:prstGeom prst="rect">
+            <a:avLst/>
+          </a:prstGeom>
+        </p:spPr>
+        <p:style>
+          <a:lnRef idx="2">
+            <a:schemeClr val="accent1">
+              <a:shade val="15000"/>
+            </a:schemeClr>
+          </a:lnRef>
+          <a:fillRef idx="1">
+            <a:schemeClr val="accent1"/>
+          </a:fillRef>
+          <a:effectRef idx="0">
+            <a:schemeClr val="accent1"/>
+          </a:effectRef>
+          <a:fontRef idx="minor">
+            <a:schemeClr val="lt1"/>
+          </a:fontRef>
+        </p:style>
+        <p:txBody>
+          <a:bodyPr rtlCol="0" anchor="ctr"/>
+          <a:lstStyle/>
+          <a:p>
+            <a:pPr algn="ctr"/>
+            <a:r>
+              <a:rPr lang="en-US" dirty="0"/>
+              <a:t>Find cleaner way to portray F change and transition points</a:t>
+            </a:r>
+          </a:p>
+        </p:txBody>
+      </p:sp>
+    </p:spTree>
+    <p:extLst>
+      <p:ext uri="{BB962C8B-B14F-4D97-AF65-F5344CB8AC3E}">
+        <p14:creationId xmlns:p14="http://schemas.microsoft.com/office/powerpoint/2010/main" val="3790368836"/>
+      </p:ext>
+    </p:extLst>
+  </p:cSld>
+  <p:clrMapOvr>
+    <a:masterClrMapping/>
+  </p:clrMapOvr>
+</p:sld>
+</file>
+
+<file path=ppt/slides/slide4.xml><?xml version="1.0" encoding="utf-8"?>
+<p:sld xmlns:a="http://schemas.openxmlformats.org/drawingml/2006/main" xmlns:r="http://schemas.openxmlformats.org/officeDocument/2006/relationships" xmlns:p="http://schemas.openxmlformats.org/presentationml/2006/main">
+  <p:cSld>
+    <p:spTree>
+      <p:nvGrpSpPr>
+        <p:cNvPr id="1" name=""/>
+        <p:cNvGrpSpPr/>
+        <p:nvPr/>
+      </p:nvGrpSpPr>
+      <p:grpSpPr>
+        <a:xfrm>
+          <a:off x="0" y="0"/>
+          <a:ext cx="0" cy="0"/>
+          <a:chOff x="0" y="0"/>
+          <a:chExt cx="0" cy="0"/>
+        </a:xfrm>
+      </p:grpSpPr>
+      <p:sp>
+        <p:nvSpPr>
+          <p:cNvPr id="9" name="TextBox 8">
+            <a:extLst>
+              <a:ext uri="{FF2B5EF4-FFF2-40B4-BE49-F238E27FC236}">
+                <a16:creationId xmlns:a16="http://schemas.microsoft.com/office/drawing/2014/main" id="{E1BE66FA-25B9-DF71-0E07-9984AFB72A9A}"/>
+              </a:ext>
+            </a:extLst>
+          </p:cNvPr>
+          <p:cNvSpPr txBox="1"/>
+          <p:nvPr/>
+        </p:nvSpPr>
+        <p:spPr>
+          <a:xfrm>
+            <a:off x="2473596" y="150681"/>
+            <a:ext cx="7606417" cy="369332"/>
+          </a:xfrm>
+          <a:prstGeom prst="rect">
+            <a:avLst/>
+          </a:prstGeom>
+          <a:noFill/>
+        </p:spPr>
+        <p:txBody>
+          <a:bodyPr wrap="square" rtlCol="0">
+            <a:spAutoFit/>
+          </a:bodyPr>
+          <a:lstStyle/>
+          <a:p>
+            <a:pPr algn="ctr"/>
+            <a:r>
+              <a:rPr lang="en-US" dirty="0"/>
+              <a:t>Phase diagram to highlight stability region of layers and +d regions</a:t>
+            </a:r>
+          </a:p>
+        </p:txBody>
+      </p:sp>
+      <p:pic>
+        <p:nvPicPr>
+          <p:cNvPr id="1028" name="Picture 4">
+            <a:extLst>
+              <a:ext uri="{FF2B5EF4-FFF2-40B4-BE49-F238E27FC236}">
+                <a16:creationId xmlns:a16="http://schemas.microsoft.com/office/drawing/2014/main" id="{51A75D40-F910-FEAE-B401-07B0867689D0}"/>
+              </a:ext>
+            </a:extLst>
+          </p:cNvPr>
+          <p:cNvPicPr>
+            <a:picLocks noChangeAspect="1" noChangeArrowheads="1"/>
+          </p:cNvPicPr>
+          <p:nvPr/>
+        </p:nvPicPr>
+        <p:blipFill>
+          <a:blip r:embed="rId2">
+            <a:extLst>
+              <a:ext uri="{28A0092B-C50C-407E-A947-70E740481C1C}">
+                <a14:useLocalDpi xmlns:a14="http://schemas.microsoft.com/office/drawing/2010/main" val="0"/>
+              </a:ext>
+            </a:extLst>
+          </a:blip>
+          <a:srcRect/>
+          <a:stretch>
+            <a:fillRect/>
+          </a:stretch>
+        </p:blipFill>
+        <p:spPr bwMode="auto">
+          <a:xfrm>
+            <a:off x="4192933" y="630269"/>
+            <a:ext cx="3426265" cy="2691238"/>
+          </a:xfrm>
+          <a:prstGeom prst="rect">
+            <a:avLst/>
+          </a:prstGeom>
+          <a:noFill/>
+          <a:extLst>
+            <a:ext uri="{909E8E84-426E-40DD-AFC4-6F175D3DCCD1}">
+              <a14:hiddenFill xmlns:a14="http://schemas.microsoft.com/office/drawing/2010/main">
+                <a:solidFill>
+                  <a:srgbClr val="FFFFFF"/>
+                </a:solidFill>
+              </a14:hiddenFill>
+            </a:ext>
+          </a:extLst>
+        </p:spPr>
+      </p:pic>
+      <p:sp>
+        <p:nvSpPr>
+          <p:cNvPr id="11" name="TextBox 10">
+            <a:extLst>
+              <a:ext uri="{FF2B5EF4-FFF2-40B4-BE49-F238E27FC236}">
+                <a16:creationId xmlns:a16="http://schemas.microsoft.com/office/drawing/2014/main" id="{FE58D8CE-0C34-4401-4099-254E30B75830}"/>
+              </a:ext>
+            </a:extLst>
+          </p:cNvPr>
+          <p:cNvSpPr txBox="1"/>
+          <p:nvPr/>
+        </p:nvSpPr>
+        <p:spPr>
+          <a:xfrm>
+            <a:off x="2473596" y="3553843"/>
+            <a:ext cx="7892023" cy="369332"/>
+          </a:xfrm>
+          <a:prstGeom prst="rect">
+            <a:avLst/>
+          </a:prstGeom>
+          <a:noFill/>
+        </p:spPr>
+        <p:txBody>
+          <a:bodyPr wrap="square" rtlCol="0">
+            <a:spAutoFit/>
+          </a:bodyPr>
+          <a:lstStyle/>
+          <a:p>
+            <a:pPr algn="ctr"/>
+            <a:r>
+              <a:rPr lang="en-US" dirty="0"/>
+              <a:t>Explain locked-in-layer model using end-point distributions</a:t>
+            </a:r>
+          </a:p>
+        </p:txBody>
+      </p:sp>
+      <p:pic>
+        <p:nvPicPr>
+          <p:cNvPr id="12" name="Picture 2">
+            <a:extLst>
+              <a:ext uri="{FF2B5EF4-FFF2-40B4-BE49-F238E27FC236}">
+                <a16:creationId xmlns:a16="http://schemas.microsoft.com/office/drawing/2014/main" id="{AC786A8C-045A-5D12-91F5-749D129C4632}"/>
+              </a:ext>
+            </a:extLst>
+          </p:cNvPr>
+          <p:cNvPicPr>
+            <a:picLocks noChangeAspect="1" noChangeArrowheads="1"/>
+          </p:cNvPicPr>
+          <p:nvPr/>
+        </p:nvPicPr>
+        <p:blipFill>
+          <a:blip r:embed="rId3">
+            <a:extLst>
+              <a:ext uri="{28A0092B-C50C-407E-A947-70E740481C1C}">
+                <a14:useLocalDpi xmlns:a14="http://schemas.microsoft.com/office/drawing/2010/main" val="0"/>
+              </a:ext>
+            </a:extLst>
+          </a:blip>
+          <a:srcRect/>
+          <a:stretch>
+            <a:fillRect/>
+          </a:stretch>
+        </p:blipFill>
+        <p:spPr bwMode="auto">
+          <a:xfrm>
+            <a:off x="3495573" y="4155511"/>
+            <a:ext cx="3369328" cy="2654748"/>
+          </a:xfrm>
+          <a:prstGeom prst="rect">
+            <a:avLst/>
+          </a:prstGeom>
+          <a:noFill/>
+          <a:extLst>
+            <a:ext uri="{909E8E84-426E-40DD-AFC4-6F175D3DCCD1}">
+              <a14:hiddenFill xmlns:a14="http://schemas.microsoft.com/office/drawing/2010/main">
+                <a:solidFill>
+                  <a:srgbClr val="FFFFFF"/>
+                </a:solidFill>
+              </a14:hiddenFill>
+            </a:ext>
+          </a:extLst>
+        </p:spPr>
+      </p:pic>
+      <p:sp>
+        <p:nvSpPr>
+          <p:cNvPr id="14" name="Rectangle 13">
+            <a:extLst>
+              <a:ext uri="{FF2B5EF4-FFF2-40B4-BE49-F238E27FC236}">
+                <a16:creationId xmlns:a16="http://schemas.microsoft.com/office/drawing/2014/main" id="{BA1D8ECC-E4CE-E7F7-31EF-B6B979A70F8C}"/>
+              </a:ext>
+            </a:extLst>
+          </p:cNvPr>
+          <p:cNvSpPr/>
+          <p:nvPr/>
+        </p:nvSpPr>
+        <p:spPr>
+          <a:xfrm>
+            <a:off x="1250860" y="4658132"/>
+            <a:ext cx="2244713" cy="1649506"/>
+          </a:xfrm>
+          <a:prstGeom prst="rect">
+            <a:avLst/>
+          </a:prstGeom>
+        </p:spPr>
+        <p:style>
+          <a:lnRef idx="2">
+            <a:schemeClr val="accent1">
+              <a:shade val="15000"/>
+            </a:schemeClr>
+          </a:lnRef>
+          <a:fillRef idx="1">
+            <a:schemeClr val="accent1"/>
+          </a:fillRef>
+          <a:effectRef idx="0">
+            <a:schemeClr val="accent1"/>
+          </a:effectRef>
+          <a:fontRef idx="minor">
+            <a:schemeClr val="lt1"/>
+          </a:fontRef>
+        </p:style>
+        <p:txBody>
+          <a:bodyPr rtlCol="0" anchor="ctr"/>
+          <a:lstStyle/>
+          <a:p>
+            <a:pPr algn="ctr"/>
+            <a:r>
+              <a:rPr lang="en-US" dirty="0"/>
+              <a:t>Good one with +d? Add other blocks to show overlap, or at least which takes up the neck</a:t>
+            </a:r>
+          </a:p>
+        </p:txBody>
+      </p:sp>
+      <p:sp>
+        <p:nvSpPr>
+          <p:cNvPr id="15" name="Rectangle 14">
+            <a:extLst>
+              <a:ext uri="{FF2B5EF4-FFF2-40B4-BE49-F238E27FC236}">
+                <a16:creationId xmlns:a16="http://schemas.microsoft.com/office/drawing/2014/main" id="{C720C42D-9790-DFE0-5606-B9E6926100D7}"/>
+              </a:ext>
+            </a:extLst>
+          </p:cNvPr>
+          <p:cNvSpPr/>
+          <p:nvPr/>
+        </p:nvSpPr>
+        <p:spPr>
+          <a:xfrm>
+            <a:off x="7314904" y="4925245"/>
+            <a:ext cx="2492484" cy="865955"/>
+          </a:xfrm>
+          <a:prstGeom prst="rect">
+            <a:avLst/>
+          </a:prstGeom>
+        </p:spPr>
+        <p:style>
+          <a:lnRef idx="2">
+            <a:schemeClr val="accent1">
+              <a:shade val="15000"/>
+            </a:schemeClr>
+          </a:lnRef>
+          <a:fillRef idx="1">
+            <a:schemeClr val="accent1"/>
+          </a:fillRef>
+          <a:effectRef idx="0">
+            <a:schemeClr val="accent1"/>
+          </a:effectRef>
+          <a:fontRef idx="minor">
+            <a:schemeClr val="lt1"/>
+          </a:fontRef>
+        </p:style>
+        <p:txBody>
+          <a:bodyPr rtlCol="0" anchor="ctr"/>
+          <a:lstStyle/>
+          <a:p>
+            <a:pPr algn="ctr"/>
+            <a:r>
+              <a:rPr lang="en-US" dirty="0"/>
+              <a:t>Colored schematic, like NFH paper</a:t>
+            </a:r>
+          </a:p>
+        </p:txBody>
+      </p:sp>
+    </p:spTree>
+    <p:extLst>
+      <p:ext uri="{BB962C8B-B14F-4D97-AF65-F5344CB8AC3E}">
+        <p14:creationId xmlns:p14="http://schemas.microsoft.com/office/powerpoint/2010/main" val="2466849224"/>
+      </p:ext>
+    </p:extLst>
+  </p:cSld>
+  <p:clrMapOvr>
+    <a:masterClrMapping/>
+  </p:clrMapOvr>
+</p:sld>
+</file>
+
+<file path=ppt/slides/slide5.xml><?xml version="1.0" encoding="utf-8"?>
+<p:sld xmlns:a="http://schemas.openxmlformats.org/drawingml/2006/main" xmlns:r="http://schemas.openxmlformats.org/officeDocument/2006/relationships" xmlns:p="http://schemas.openxmlformats.org/presentationml/2006/main">
+  <p:cSld>
+    <p:spTree>
+      <p:nvGrpSpPr>
+        <p:cNvPr id="1" name=""/>
+        <p:cNvGrpSpPr/>
+        <p:nvPr/>
+      </p:nvGrpSpPr>
+      <p:grpSpPr>
+        <a:xfrm>
+          <a:off x="0" y="0"/>
+          <a:ext cx="0" cy="0"/>
+          <a:chOff x="0" y="0"/>
+          <a:chExt cx="0" cy="0"/>
+        </a:xfrm>
+      </p:grpSpPr>
+      <p:sp>
+        <p:nvSpPr>
+          <p:cNvPr id="2" name="Rectangle 1">
+            <a:extLst>
+              <a:ext uri="{FF2B5EF4-FFF2-40B4-BE49-F238E27FC236}">
+                <a16:creationId xmlns:a16="http://schemas.microsoft.com/office/drawing/2014/main" id="{FD075E9C-16CC-AA2C-104F-A4F5F2B898C8}"/>
+              </a:ext>
+            </a:extLst>
+          </p:cNvPr>
+          <p:cNvSpPr/>
+          <p:nvPr/>
+        </p:nvSpPr>
+        <p:spPr>
+          <a:xfrm>
+            <a:off x="4521895" y="2919577"/>
+            <a:ext cx="3290047" cy="1430150"/>
+          </a:xfrm>
+          <a:prstGeom prst="rect">
+            <a:avLst/>
+          </a:prstGeom>
+        </p:spPr>
+        <p:style>
+          <a:lnRef idx="2">
+            <a:schemeClr val="accent1">
+              <a:shade val="15000"/>
+            </a:schemeClr>
+          </a:lnRef>
+          <a:fillRef idx="1">
+            <a:schemeClr val="accent1"/>
+          </a:fillRef>
+          <a:effectRef idx="0">
+            <a:schemeClr val="accent1"/>
+          </a:effectRef>
+          <a:fontRef idx="minor">
+            <a:schemeClr val="lt1"/>
+          </a:fontRef>
+        </p:style>
+        <p:txBody>
+          <a:bodyPr rtlCol="0" anchor="ctr"/>
+          <a:lstStyle/>
+          <a:p>
+            <a:pPr algn="ctr"/>
+            <a:r>
+              <a:rPr lang="en-US" dirty="0"/>
+              <a:t>Population of chains diagram (vertical, 1C includes, 2C includes, etc. d at the top)</a:t>
+            </a:r>
+          </a:p>
+        </p:txBody>
+      </p:sp>
+    </p:spTree>
+    <p:extLst>
+      <p:ext uri="{BB962C8B-B14F-4D97-AF65-F5344CB8AC3E}">
+        <p14:creationId xmlns:p14="http://schemas.microsoft.com/office/powerpoint/2010/main" val="25558220"/>
+      </p:ext>
+    </p:extLst>
+  </p:cSld>
+  <p:clrMapOvr>
+    <a:masterClrMapping/>
+  </p:clrMapOvr>
+</p:sld>
+</file>
+
+<file path=ppt/slides/slide6.xml><?xml version="1.0" encoding="utf-8"?>
+<p:sld xmlns:a="http://schemas.openxmlformats.org/drawingml/2006/main" xmlns:r="http://schemas.openxmlformats.org/officeDocument/2006/relationships" xmlns:p="http://schemas.openxmlformats.org/presentationml/2006/main">
+  <p:cSld>
+    <p:spTree>
+      <p:nvGrpSpPr>
+        <p:cNvPr id="1" name=""/>
+        <p:cNvGrpSpPr/>
+        <p:nvPr/>
+      </p:nvGrpSpPr>
+      <p:grpSpPr>
+        <a:xfrm>
+          <a:off x="0" y="0"/>
+          <a:ext cx="0" cy="0"/>
+          <a:chOff x="0" y="0"/>
+          <a:chExt cx="0" cy="0"/>
+        </a:xfrm>
+      </p:grpSpPr>
+      <p:pic>
+        <p:nvPicPr>
+          <p:cNvPr id="7" name="Picture 2">
+            <a:extLst>
+              <a:ext uri="{FF2B5EF4-FFF2-40B4-BE49-F238E27FC236}">
+                <a16:creationId xmlns:a16="http://schemas.microsoft.com/office/drawing/2014/main" id="{EE4B951F-CC9D-4DC0-5394-502804439D35}"/>
+              </a:ext>
+            </a:extLst>
+          </p:cNvPr>
+          <p:cNvPicPr>
+            <a:picLocks noChangeAspect="1" noChangeArrowheads="1"/>
+          </p:cNvPicPr>
+          <p:nvPr/>
+        </p:nvPicPr>
+        <p:blipFill>
+          <a:blip r:embed="rId2">
+            <a:extLst>
+              <a:ext uri="{28A0092B-C50C-407E-A947-70E740481C1C}">
+                <a14:useLocalDpi xmlns:a14="http://schemas.microsoft.com/office/drawing/2010/main" val="0"/>
+              </a:ext>
+            </a:extLst>
+          </a:blip>
+          <a:srcRect/>
+          <a:stretch>
+            <a:fillRect/>
+          </a:stretch>
+        </p:blipFill>
+        <p:spPr bwMode="auto">
+          <a:xfrm>
+            <a:off x="4095300" y="508074"/>
+            <a:ext cx="3614454" cy="2825846"/>
+          </a:xfrm>
+          <a:prstGeom prst="rect">
+            <a:avLst/>
+          </a:prstGeom>
+          <a:noFill/>
+          <a:extLst>
+            <a:ext uri="{909E8E84-426E-40DD-AFC4-6F175D3DCCD1}">
+              <a14:hiddenFill xmlns:a14="http://schemas.microsoft.com/office/drawing/2010/main">
+                <a:solidFill>
+                  <a:srgbClr val="FFFFFF"/>
+                </a:solidFill>
+              </a14:hiddenFill>
+            </a:ext>
+          </a:extLst>
+        </p:spPr>
+      </p:pic>
+      <p:sp>
+        <p:nvSpPr>
+          <p:cNvPr id="8" name="TextBox 7">
+            <a:extLst>
+              <a:ext uri="{FF2B5EF4-FFF2-40B4-BE49-F238E27FC236}">
+                <a16:creationId xmlns:a16="http://schemas.microsoft.com/office/drawing/2014/main" id="{78C50591-2C82-CBA6-729E-854294200C66}"/>
+              </a:ext>
+            </a:extLst>
+          </p:cNvPr>
+          <p:cNvSpPr txBox="1"/>
+          <p:nvPr/>
+        </p:nvSpPr>
+        <p:spPr>
+          <a:xfrm>
+            <a:off x="2670749" y="129989"/>
+            <a:ext cx="7767919" cy="369332"/>
+          </a:xfrm>
+          <a:prstGeom prst="rect">
+            <a:avLst/>
+          </a:prstGeom>
+          <a:noFill/>
+        </p:spPr>
+        <p:txBody>
+          <a:bodyPr wrap="square" rtlCol="0">
+            <a:spAutoFit/>
+          </a:bodyPr>
+          <a:lstStyle/>
+          <a:p>
+            <a:pPr algn="ctr"/>
+            <a:r>
+              <a:rPr lang="en-US" dirty="0"/>
+              <a:t>PEBs interesting </a:t>
+            </a:r>
+            <a:r>
+              <a:rPr lang="en-US" dirty="0" err="1"/>
+              <a:t>bc</a:t>
+            </a:r>
+            <a:r>
+              <a:rPr lang="en-US" dirty="0"/>
+              <a:t> of height response to stimuli (e.g., temp for chi, Cs for alpha)</a:t>
+            </a:r>
+          </a:p>
+        </p:txBody>
+      </p:sp>
+      <p:sp>
+        <p:nvSpPr>
+          <p:cNvPr id="9" name="Rectangle 8">
+            <a:extLst>
+              <a:ext uri="{FF2B5EF4-FFF2-40B4-BE49-F238E27FC236}">
+                <a16:creationId xmlns:a16="http://schemas.microsoft.com/office/drawing/2014/main" id="{45C7BC31-4BDC-484B-E79A-96B15CAD3204}"/>
+              </a:ext>
+            </a:extLst>
+          </p:cNvPr>
+          <p:cNvSpPr/>
+          <p:nvPr/>
+        </p:nvSpPr>
+        <p:spPr>
+          <a:xfrm>
+            <a:off x="8224384" y="1708850"/>
+            <a:ext cx="2770095" cy="959223"/>
+          </a:xfrm>
+          <a:prstGeom prst="rect">
+            <a:avLst/>
+          </a:prstGeom>
+        </p:spPr>
+        <p:style>
+          <a:lnRef idx="2">
+            <a:schemeClr val="accent1">
+              <a:shade val="15000"/>
+            </a:schemeClr>
+          </a:lnRef>
+          <a:fillRef idx="1">
+            <a:schemeClr val="accent1"/>
+          </a:fillRef>
+          <a:effectRef idx="0">
+            <a:schemeClr val="accent1"/>
+          </a:effectRef>
+          <a:fontRef idx="minor">
+            <a:schemeClr val="lt1"/>
+          </a:fontRef>
+        </p:style>
+        <p:txBody>
+          <a:bodyPr rtlCol="0" anchor="ctr"/>
+          <a:lstStyle/>
+          <a:p>
+            <a:pPr algn="ctr"/>
+            <a:r>
+              <a:rPr lang="en-US" dirty="0"/>
+              <a:t>Scaling chi available?</a:t>
+            </a:r>
+          </a:p>
+        </p:txBody>
+      </p:sp>
+      <p:pic>
+        <p:nvPicPr>
+          <p:cNvPr id="10" name="Picture 2">
+            <a:extLst>
+              <a:ext uri="{FF2B5EF4-FFF2-40B4-BE49-F238E27FC236}">
+                <a16:creationId xmlns:a16="http://schemas.microsoft.com/office/drawing/2014/main" id="{D531477A-75D3-DE6C-EDA6-42D0DEF54C74}"/>
+              </a:ext>
+            </a:extLst>
+          </p:cNvPr>
+          <p:cNvPicPr>
+            <a:picLocks noChangeAspect="1" noChangeArrowheads="1"/>
+          </p:cNvPicPr>
+          <p:nvPr/>
+        </p:nvPicPr>
+        <p:blipFill>
+          <a:blip r:embed="rId3">
+            <a:extLst>
+              <a:ext uri="{28A0092B-C50C-407E-A947-70E740481C1C}">
+                <a14:useLocalDpi xmlns:a14="http://schemas.microsoft.com/office/drawing/2010/main" val="0"/>
+              </a:ext>
+            </a:extLst>
+          </a:blip>
+          <a:srcRect/>
+          <a:stretch>
+            <a:fillRect/>
+          </a:stretch>
+        </p:blipFill>
+        <p:spPr bwMode="auto">
+          <a:xfrm>
+            <a:off x="4081009" y="3917865"/>
+            <a:ext cx="4143375" cy="2884473"/>
+          </a:xfrm>
+          <a:prstGeom prst="rect">
+            <a:avLst/>
+          </a:prstGeom>
+          <a:noFill/>
+          <a:extLst>
+            <a:ext uri="{909E8E84-426E-40DD-AFC4-6F175D3DCCD1}">
+              <a14:hiddenFill xmlns:a14="http://schemas.microsoft.com/office/drawing/2010/main">
+                <a:solidFill>
+                  <a:srgbClr val="FFFFFF"/>
+                </a:solidFill>
+              </a14:hiddenFill>
+            </a:ext>
+          </a:extLst>
+        </p:spPr>
+      </p:pic>
+      <p:sp>
+        <p:nvSpPr>
+          <p:cNvPr id="11" name="Rectangle 10">
+            <a:extLst>
+              <a:ext uri="{FF2B5EF4-FFF2-40B4-BE49-F238E27FC236}">
+                <a16:creationId xmlns:a16="http://schemas.microsoft.com/office/drawing/2014/main" id="{C80E5AE4-5A52-23AD-1DC5-35067C2AE7A8}"/>
+              </a:ext>
+            </a:extLst>
+          </p:cNvPr>
+          <p:cNvSpPr/>
+          <p:nvPr/>
+        </p:nvSpPr>
+        <p:spPr>
+          <a:xfrm>
+            <a:off x="8493327" y="4836827"/>
+            <a:ext cx="2079812" cy="905435"/>
+          </a:xfrm>
+          <a:prstGeom prst="rect">
+            <a:avLst/>
+          </a:prstGeom>
+        </p:spPr>
+        <p:style>
+          <a:lnRef idx="2">
+            <a:schemeClr val="accent1">
+              <a:shade val="15000"/>
+            </a:schemeClr>
+          </a:lnRef>
+          <a:fillRef idx="1">
+            <a:schemeClr val="accent1"/>
+          </a:fillRef>
+          <a:effectRef idx="0">
+            <a:schemeClr val="accent1"/>
+          </a:effectRef>
+          <a:fontRef idx="minor">
+            <a:schemeClr val="lt1"/>
+          </a:fontRef>
+        </p:style>
+        <p:txBody>
+          <a:bodyPr rtlCol="0" anchor="ctr"/>
+          <a:lstStyle/>
+          <a:p>
+            <a:pPr algn="ctr"/>
+            <a:r>
+              <a:rPr lang="en-US" dirty="0"/>
+              <a:t>Add param space (a=0.4, x = ?)</a:t>
+            </a:r>
+          </a:p>
+        </p:txBody>
+      </p:sp>
+      <p:sp>
+        <p:nvSpPr>
+          <p:cNvPr id="12" name="TextBox 11">
+            <a:extLst>
+              <a:ext uri="{FF2B5EF4-FFF2-40B4-BE49-F238E27FC236}">
+                <a16:creationId xmlns:a16="http://schemas.microsoft.com/office/drawing/2014/main" id="{4853B85D-AC0F-EF80-2214-5E0C9CDCD750}"/>
+              </a:ext>
+            </a:extLst>
+          </p:cNvPr>
+          <p:cNvSpPr txBox="1"/>
+          <p:nvPr/>
+        </p:nvSpPr>
+        <p:spPr>
+          <a:xfrm>
+            <a:off x="2864222" y="3393892"/>
+            <a:ext cx="6463556" cy="369332"/>
+          </a:xfrm>
+          <a:prstGeom prst="rect">
+            <a:avLst/>
+          </a:prstGeom>
+          <a:noFill/>
+        </p:spPr>
+        <p:txBody>
+          <a:bodyPr wrap="square" rtlCol="0">
+            <a:spAutoFit/>
+          </a:bodyPr>
+          <a:lstStyle/>
+          <a:p>
+            <a:pPr algn="ctr"/>
+            <a:r>
+              <a:rPr lang="en-US" dirty="0"/>
+              <a:t>Signatures of each C, some way to find number of C?</a:t>
+            </a:r>
+          </a:p>
+        </p:txBody>
+      </p:sp>
+      <p:cxnSp>
+        <p:nvCxnSpPr>
+          <p:cNvPr id="13" name="Straight Connector 12">
+            <a:extLst>
+              <a:ext uri="{FF2B5EF4-FFF2-40B4-BE49-F238E27FC236}">
+                <a16:creationId xmlns:a16="http://schemas.microsoft.com/office/drawing/2014/main" id="{3EE0859F-4F62-2F25-5CC1-3D9F950D907B}"/>
+              </a:ext>
+            </a:extLst>
+          </p:cNvPr>
+          <p:cNvCxnSpPr>
+            <a:cxnSpLocks/>
+          </p:cNvCxnSpPr>
+          <p:nvPr/>
+        </p:nvCxnSpPr>
+        <p:spPr>
+          <a:xfrm>
+            <a:off x="5337748" y="3778992"/>
+            <a:ext cx="295836" cy="2796988"/>
+          </a:xfrm>
+          <a:prstGeom prst="line">
+            <a:avLst/>
+          </a:prstGeom>
+          <a:ln w="28575">
+            <a:solidFill>
+              <a:schemeClr val="tx1"/>
+            </a:solidFill>
+          </a:ln>
+        </p:spPr>
+        <p:style>
+          <a:lnRef idx="1">
+            <a:schemeClr val="accent1"/>
+          </a:lnRef>
+          <a:fillRef idx="0">
+            <a:schemeClr val="accent1"/>
+          </a:fillRef>
+          <a:effectRef idx="0">
+            <a:schemeClr val="accent1"/>
+          </a:effectRef>
+          <a:fontRef idx="minor">
+            <a:schemeClr val="tx1"/>
+          </a:fontRef>
+        </p:style>
+      </p:cxnSp>
+      <p:cxnSp>
+        <p:nvCxnSpPr>
+          <p:cNvPr id="14" name="Straight Connector 13">
+            <a:extLst>
+              <a:ext uri="{FF2B5EF4-FFF2-40B4-BE49-F238E27FC236}">
+                <a16:creationId xmlns:a16="http://schemas.microsoft.com/office/drawing/2014/main" id="{B90D8F0C-1AB6-E818-3036-89881964C38F}"/>
+              </a:ext>
+            </a:extLst>
+          </p:cNvPr>
+          <p:cNvCxnSpPr>
+            <a:cxnSpLocks/>
+          </p:cNvCxnSpPr>
+          <p:nvPr/>
+        </p:nvCxnSpPr>
+        <p:spPr>
+          <a:xfrm flipH="1">
+            <a:off x="5633584" y="3778992"/>
+            <a:ext cx="591672" cy="2796988"/>
+          </a:xfrm>
+          <a:prstGeom prst="line">
+            <a:avLst/>
+          </a:prstGeom>
+          <a:ln w="28575">
+            <a:solidFill>
+              <a:schemeClr val="tx1"/>
+            </a:solidFill>
+          </a:ln>
+        </p:spPr>
+        <p:style>
+          <a:lnRef idx="1">
+            <a:schemeClr val="accent1"/>
+          </a:lnRef>
+          <a:fillRef idx="0">
+            <a:schemeClr val="accent1"/>
+          </a:fillRef>
+          <a:effectRef idx="0">
+            <a:schemeClr val="accent1"/>
+          </a:effectRef>
+          <a:fontRef idx="minor">
+            <a:schemeClr val="tx1"/>
+          </a:fontRef>
+        </p:style>
+      </p:cxnSp>
+      <p:cxnSp>
+        <p:nvCxnSpPr>
+          <p:cNvPr id="15" name="Straight Connector 14">
+            <a:extLst>
+              <a:ext uri="{FF2B5EF4-FFF2-40B4-BE49-F238E27FC236}">
+                <a16:creationId xmlns:a16="http://schemas.microsoft.com/office/drawing/2014/main" id="{2C42740A-C16C-865B-EBD6-BA421793EE19}"/>
+              </a:ext>
+            </a:extLst>
+          </p:cNvPr>
+          <p:cNvCxnSpPr>
+            <a:cxnSpLocks/>
+          </p:cNvCxnSpPr>
+          <p:nvPr/>
+        </p:nvCxnSpPr>
+        <p:spPr>
+          <a:xfrm flipH="1">
+            <a:off x="5902527" y="3778992"/>
+            <a:ext cx="869574" cy="2796988"/>
+          </a:xfrm>
+          <a:prstGeom prst="line">
+            <a:avLst/>
+          </a:prstGeom>
+          <a:ln w="28575">
+            <a:solidFill>
+              <a:schemeClr val="tx1"/>
+            </a:solidFill>
+          </a:ln>
+        </p:spPr>
+        <p:style>
+          <a:lnRef idx="1">
+            <a:schemeClr val="accent1"/>
+          </a:lnRef>
+          <a:fillRef idx="0">
+            <a:schemeClr val="accent1"/>
+          </a:fillRef>
+          <a:effectRef idx="0">
+            <a:schemeClr val="accent1"/>
+          </a:effectRef>
+          <a:fontRef idx="minor">
+            <a:schemeClr val="tx1"/>
+          </a:fontRef>
+        </p:style>
+      </p:cxnSp>
+      <p:cxnSp>
+        <p:nvCxnSpPr>
+          <p:cNvPr id="16" name="Straight Connector 15">
+            <a:extLst>
+              <a:ext uri="{FF2B5EF4-FFF2-40B4-BE49-F238E27FC236}">
+                <a16:creationId xmlns:a16="http://schemas.microsoft.com/office/drawing/2014/main" id="{D3256811-D54A-FF29-5FD2-EAB60B529078}"/>
+              </a:ext>
+            </a:extLst>
+          </p:cNvPr>
+          <p:cNvCxnSpPr>
+            <a:cxnSpLocks/>
+          </p:cNvCxnSpPr>
+          <p:nvPr/>
+        </p:nvCxnSpPr>
+        <p:spPr>
+          <a:xfrm flipH="1">
+            <a:off x="6152696" y="3778992"/>
+            <a:ext cx="1112464" cy="2796988"/>
+          </a:xfrm>
+          <a:prstGeom prst="line">
+            <a:avLst/>
+          </a:prstGeom>
+          <a:ln w="28575">
+            <a:solidFill>
+              <a:schemeClr val="tx1"/>
+            </a:solidFill>
+          </a:ln>
+        </p:spPr>
+        <p:style>
+          <a:lnRef idx="1">
+            <a:schemeClr val="accent1"/>
+          </a:lnRef>
+          <a:fillRef idx="0">
+            <a:schemeClr val="accent1"/>
+          </a:fillRef>
+          <a:effectRef idx="0">
+            <a:schemeClr val="accent1"/>
+          </a:effectRef>
+          <a:fontRef idx="minor">
+            <a:schemeClr val="tx1"/>
+          </a:fontRef>
+        </p:style>
+      </p:cxnSp>
+      <p:cxnSp>
+        <p:nvCxnSpPr>
+          <p:cNvPr id="17" name="Straight Connector 16">
+            <a:extLst>
+              <a:ext uri="{FF2B5EF4-FFF2-40B4-BE49-F238E27FC236}">
+                <a16:creationId xmlns:a16="http://schemas.microsoft.com/office/drawing/2014/main" id="{577EDC64-73A2-FC9C-54A0-37AA91CBCB5B}"/>
+              </a:ext>
+            </a:extLst>
+          </p:cNvPr>
+          <p:cNvCxnSpPr>
+            <a:cxnSpLocks/>
+          </p:cNvCxnSpPr>
+          <p:nvPr/>
+        </p:nvCxnSpPr>
+        <p:spPr>
+          <a:xfrm>
+            <a:off x="4270948" y="3917865"/>
+            <a:ext cx="922524" cy="2738797"/>
+          </a:xfrm>
+          <a:prstGeom prst="line">
+            <a:avLst/>
+          </a:prstGeom>
+          <a:ln w="28575">
+            <a:solidFill>
+              <a:schemeClr val="tx1"/>
+            </a:solidFill>
+          </a:ln>
+        </p:spPr>
+        <p:style>
+          <a:lnRef idx="1">
+            <a:schemeClr val="accent1"/>
+          </a:lnRef>
+          <a:fillRef idx="0">
+            <a:schemeClr val="accent1"/>
+          </a:fillRef>
+          <a:effectRef idx="0">
+            <a:schemeClr val="accent1"/>
+          </a:effectRef>
+          <a:fontRef idx="minor">
+            <a:schemeClr val="tx1"/>
+          </a:fontRef>
+        </p:style>
+      </p:cxnSp>
+      <p:sp>
+        <p:nvSpPr>
+          <p:cNvPr id="18" name="Rectangle 17">
+            <a:extLst>
+              <a:ext uri="{FF2B5EF4-FFF2-40B4-BE49-F238E27FC236}">
+                <a16:creationId xmlns:a16="http://schemas.microsoft.com/office/drawing/2014/main" id="{2822DF44-F4B0-C336-3B70-1603C900C16C}"/>
+              </a:ext>
+            </a:extLst>
+          </p:cNvPr>
+          <p:cNvSpPr/>
+          <p:nvPr/>
+        </p:nvSpPr>
+        <p:spPr>
+          <a:xfrm>
+            <a:off x="8474553" y="5896903"/>
+            <a:ext cx="2079812" cy="905435"/>
+          </a:xfrm>
+          <a:prstGeom prst="rect">
+            <a:avLst/>
+          </a:prstGeom>
+        </p:spPr>
+        <p:style>
+          <a:lnRef idx="2">
+            <a:schemeClr val="accent1">
+              <a:shade val="15000"/>
+            </a:schemeClr>
+          </a:lnRef>
+          <a:fillRef idx="1">
+            <a:schemeClr val="accent1"/>
+          </a:fillRef>
+          <a:effectRef idx="0">
+            <a:schemeClr val="accent1"/>
+          </a:effectRef>
+          <a:fontRef idx="minor">
+            <a:schemeClr val="lt1"/>
+          </a:fontRef>
+        </p:style>
+        <p:txBody>
+          <a:bodyPr rtlCol="0" anchor="ctr"/>
+          <a:lstStyle/>
+          <a:p>
+            <a:pPr algn="ctr"/>
+            <a:r>
+              <a:rPr lang="en-US" dirty="0"/>
+              <a:t>Try non-log, same limits as NFH paper</a:t>
+            </a:r>
+          </a:p>
+        </p:txBody>
+      </p:sp>
+    </p:spTree>
+    <p:extLst>
+      <p:ext uri="{BB962C8B-B14F-4D97-AF65-F5344CB8AC3E}">
+        <p14:creationId xmlns:p14="http://schemas.microsoft.com/office/powerpoint/2010/main" val="1951971088"/>
+      </p:ext>
+    </p:extLst>
+  </p:cSld>
+  <p:clrMapOvr>
+    <a:masterClrMapping/>
+  </p:clrMapOvr>
+</p:sld>
+</file>
+
+<file path=ppt/slides/slide7.xml><?xml version="1.0" encoding="utf-8"?>
+<p:sld xmlns:a="http://schemas.openxmlformats.org/drawingml/2006/main" xmlns:r="http://schemas.openxmlformats.org/officeDocument/2006/relationships" xmlns:p="http://schemas.openxmlformats.org/presentationml/2006/main">
+  <p:cSld>
+    <p:spTree>
+      <p:nvGrpSpPr>
+        <p:cNvPr id="1" name=""/>
+        <p:cNvGrpSpPr/>
+        <p:nvPr/>
+      </p:nvGrpSpPr>
+      <p:grpSpPr>
+        <a:xfrm>
+          <a:off x="0" y="0"/>
+          <a:ext cx="0" cy="0"/>
+          <a:chOff x="0" y="0"/>
+          <a:chExt cx="0" cy="0"/>
+        </a:xfrm>
+      </p:grpSpPr>
+      <p:sp>
+        <p:nvSpPr>
+          <p:cNvPr id="44" name="Rectangle 43">
+            <a:extLst>
+              <a:ext uri="{FF2B5EF4-FFF2-40B4-BE49-F238E27FC236}">
+                <a16:creationId xmlns:a16="http://schemas.microsoft.com/office/drawing/2014/main" id="{F21BF92C-199F-AE2A-8DE4-9937F0109AF5}"/>
+              </a:ext>
+            </a:extLst>
+          </p:cNvPr>
+          <p:cNvSpPr/>
+          <p:nvPr/>
+        </p:nvSpPr>
+        <p:spPr>
+          <a:xfrm>
+            <a:off x="2151528" y="3012149"/>
+            <a:ext cx="4222377" cy="753037"/>
+          </a:xfrm>
+          <a:prstGeom prst="rect">
+            <a:avLst/>
+          </a:prstGeom>
+        </p:spPr>
+        <p:style>
+          <a:lnRef idx="2">
+            <a:schemeClr val="accent1">
+              <a:shade val="15000"/>
+            </a:schemeClr>
+          </a:lnRef>
+          <a:fillRef idx="1">
+            <a:schemeClr val="accent1"/>
+          </a:fillRef>
+          <a:effectRef idx="0">
+            <a:schemeClr val="accent1"/>
+          </a:effectRef>
+          <a:fontRef idx="minor">
+            <a:schemeClr val="lt1"/>
+          </a:fontRef>
+        </p:style>
+        <p:txBody>
+          <a:bodyPr rtlCol="0" anchor="ctr"/>
+          <a:lstStyle/>
+          <a:p>
+            <a:pPr algn="ctr"/>
+            <a:r>
+              <a:rPr lang="en-US" dirty="0"/>
+              <a:t>Force for alpha = 0.4</a:t>
+            </a:r>
+          </a:p>
+        </p:txBody>
+      </p:sp>
+      <p:sp>
+        <p:nvSpPr>
+          <p:cNvPr id="45" name="TextBox 44">
+            <a:extLst>
+              <a:ext uri="{FF2B5EF4-FFF2-40B4-BE49-F238E27FC236}">
+                <a16:creationId xmlns:a16="http://schemas.microsoft.com/office/drawing/2014/main" id="{4C1E67DF-55B4-48C2-4E87-64E87A4386F1}"/>
+              </a:ext>
+            </a:extLst>
+          </p:cNvPr>
+          <p:cNvSpPr txBox="1"/>
+          <p:nvPr/>
+        </p:nvSpPr>
+        <p:spPr>
+          <a:xfrm>
+            <a:off x="6463552" y="3105834"/>
+            <a:ext cx="4442013" cy="646331"/>
+          </a:xfrm>
+          <a:prstGeom prst="rect">
+            <a:avLst/>
+          </a:prstGeom>
+          <a:noFill/>
+        </p:spPr>
+        <p:txBody>
+          <a:bodyPr wrap="square" rtlCol="0">
+            <a:spAutoFit/>
+          </a:bodyPr>
+          <a:lstStyle/>
+          <a:p>
+            <a:pPr algn="ctr"/>
+            <a:r>
+              <a:rPr lang="en-US" dirty="0"/>
+              <a:t>IS THIS NECESSARY? See if can deduce </a:t>
+            </a:r>
+            <a:r>
+              <a:rPr lang="en-US" dirty="0" err="1"/>
+              <a:t>nC</a:t>
+            </a:r>
+            <a:r>
+              <a:rPr lang="en-US" dirty="0"/>
+              <a:t> from reflectivity first</a:t>
+            </a:r>
+          </a:p>
+        </p:txBody>
+      </p:sp>
+    </p:spTree>
+    <p:extLst>
+      <p:ext uri="{BB962C8B-B14F-4D97-AF65-F5344CB8AC3E}">
+        <p14:creationId xmlns:p14="http://schemas.microsoft.com/office/powerpoint/2010/main" val="2678567043"/>
+      </p:ext>
+    </p:extLst>
+  </p:cSld>
+  <p:clrMapOvr>
+    <a:masterClrMapping/>
+  </p:clrMapOvr>
+</p:sld>
+</file>
+
+<file path=ppt/slides/slide8.xml><?xml version="1.0" encoding="utf-8"?>
+<p:sld xmlns:a="http://schemas.openxmlformats.org/drawingml/2006/main" xmlns:r="http://schemas.openxmlformats.org/officeDocument/2006/relationships" xmlns:p="http://schemas.openxmlformats.org/presentationml/2006/main">
+  <p:cSld>
+    <p:spTree>
+      <p:nvGrpSpPr>
+        <p:cNvPr id="1" name=""/>
+        <p:cNvGrpSpPr/>
+        <p:nvPr/>
+      </p:nvGrpSpPr>
+      <p:grpSpPr>
+        <a:xfrm>
+          <a:off x="0" y="0"/>
+          <a:ext cx="0" cy="0"/>
+          <a:chOff x="0" y="0"/>
+          <a:chExt cx="0" cy="0"/>
+        </a:xfrm>
+      </p:grpSpPr>
+      <p:sp>
+        <p:nvSpPr>
           <p:cNvPr id="2" name="Title 1">
             <a:extLst>
               <a:ext uri="{FF2B5EF4-FFF2-40B4-BE49-F238E27FC236}">
@@ -3925,7 +5427,7 @@
 </p:sld>
 </file>
 
-<file path=ppt/slides/slide3.xml><?xml version="1.0" encoding="utf-8"?>
+<file path=ppt/slides/slide9.xml><?xml version="1.0" encoding="utf-8"?>
 <p:sld xmlns:a="http://schemas.openxmlformats.org/drawingml/2006/main" xmlns:r="http://schemas.openxmlformats.org/officeDocument/2006/relationships" xmlns:p="http://schemas.openxmlformats.org/presentationml/2006/main">
   <p:cSld>
     <p:spTree>
@@ -4076,120 +5578,6 @@
     <p:extLst>
       <p:ext uri="{BB962C8B-B14F-4D97-AF65-F5344CB8AC3E}">
         <p14:creationId xmlns:p14="http://schemas.microsoft.com/office/powerpoint/2010/main" val="2615429125"/>
-      </p:ext>
-    </p:extLst>
-  </p:cSld>
-  <p:clrMapOvr>
-    <a:masterClrMapping/>
-  </p:clrMapOvr>
-</p:sld>
-</file>
-
-<file path=ppt/slides/slide4.xml><?xml version="1.0" encoding="utf-8"?>
-<p:sld xmlns:a="http://schemas.openxmlformats.org/drawingml/2006/main" xmlns:r="http://schemas.openxmlformats.org/officeDocument/2006/relationships" xmlns:p="http://schemas.openxmlformats.org/presentationml/2006/main">
-  <p:cSld>
-    <p:spTree>
-      <p:nvGrpSpPr>
-        <p:cNvPr id="1" name=""/>
-        <p:cNvGrpSpPr/>
-        <p:nvPr/>
-      </p:nvGrpSpPr>
-      <p:grpSpPr>
-        <a:xfrm>
-          <a:off x="0" y="0"/>
-          <a:ext cx="0" cy="0"/>
-          <a:chOff x="0" y="0"/>
-          <a:chExt cx="0" cy="0"/>
-        </a:xfrm>
-      </p:grpSpPr>
-      <p:sp>
-        <p:nvSpPr>
-          <p:cNvPr id="2" name="TextBox 1">
-            <a:extLst>
-              <a:ext uri="{FF2B5EF4-FFF2-40B4-BE49-F238E27FC236}">
-                <a16:creationId xmlns:a16="http://schemas.microsoft.com/office/drawing/2014/main" id="{2D0BBCAA-5054-475B-7AB1-38BC066C2AF9}"/>
-              </a:ext>
-            </a:extLst>
-          </p:cNvPr>
-          <p:cNvSpPr txBox="1"/>
-          <p:nvPr/>
-        </p:nvSpPr>
-        <p:spPr>
-          <a:xfrm>
-            <a:off x="5185913" y="172527"/>
-            <a:ext cx="1820174" cy="369332"/>
-          </a:xfrm>
-          <a:prstGeom prst="rect">
-            <a:avLst/>
-          </a:prstGeom>
-          <a:noFill/>
-        </p:spPr>
-        <p:txBody>
-          <a:bodyPr wrap="square" rtlCol="0">
-            <a:spAutoFit/>
-          </a:bodyPr>
-          <a:lstStyle/>
-          <a:p>
-            <a:pPr algn="ctr"/>
-            <a:r>
-              <a:rPr lang="en-US"/>
-              <a:t>p2a4 c1.75</a:t>
-            </a:r>
-            <a:endParaRPr lang="en-US" dirty="0"/>
-          </a:p>
-        </p:txBody>
-      </p:sp>
-      <p:pic>
-        <p:nvPicPr>
-          <p:cNvPr id="1026" name="Picture 2">
-            <a:extLst>
-              <a:ext uri="{FF2B5EF4-FFF2-40B4-BE49-F238E27FC236}">
-                <a16:creationId xmlns:a16="http://schemas.microsoft.com/office/drawing/2014/main" id="{73DA8BA8-20A0-9904-6C3A-49EE62217B97}"/>
-              </a:ext>
-            </a:extLst>
-          </p:cNvPr>
-          <p:cNvPicPr>
-            <a:picLocks noChangeAspect="1" noChangeArrowheads="1"/>
-          </p:cNvPicPr>
-          <p:nvPr/>
-        </p:nvPicPr>
-        <p:blipFill>
-          <a:blip r:embed="rId2">
-            <a:extLst>
-              <a:ext uri="{28A0092B-C50C-407E-A947-70E740481C1C}">
-                <a14:useLocalDpi xmlns:a14="http://schemas.microsoft.com/office/drawing/2010/main" val="0"/>
-              </a:ext>
-            </a:extLst>
-          </a:blip>
-          <a:srcRect/>
-          <a:stretch>
-            <a:fillRect/>
-          </a:stretch>
-        </p:blipFill>
-        <p:spPr bwMode="auto">
-          <a:xfrm>
-            <a:off x="2328862" y="1275230"/>
-            <a:ext cx="7534275" cy="4648200"/>
-          </a:xfrm>
-          <a:prstGeom prst="rect">
-            <a:avLst/>
-          </a:prstGeom>
-          <a:noFill/>
-          <a:extLst>
-            <a:ext uri="{909E8E84-426E-40DD-AFC4-6F175D3DCCD1}">
-              <a14:hiddenFill xmlns:a14="http://schemas.microsoft.com/office/drawing/2010/main">
-                <a:solidFill>
-                  <a:srgbClr val="FFFFFF"/>
-                </a:solidFill>
-              </a14:hiddenFill>
-            </a:ext>
-          </a:extLst>
-        </p:spPr>
-      </p:pic>
-    </p:spTree>
-    <p:extLst>
-      <p:ext uri="{BB962C8B-B14F-4D97-AF65-F5344CB8AC3E}">
-        <p14:creationId xmlns:p14="http://schemas.microsoft.com/office/powerpoint/2010/main" val="2054669009"/>
       </p:ext>
     </p:extLst>
   </p:cSld>

--- a/SYSG.pptx
+++ b/SYSG.pptx
@@ -217,7 +217,7 @@
           <a:p>
             <a:fld id="{9DB45F93-D156-4AE8-B29F-58D76D05F0C5}" type="datetimeFigureOut">
               <a:rPr lang="en-US" smtClean="0"/>
-              <a:t>11/14/2023</a:t>
+              <a:t>11/15/2023</a:t>
             </a:fld>
             <a:endParaRPr lang="en-US"/>
           </a:p>
@@ -715,7 +715,7 @@
           <a:p>
             <a:fld id="{88C60456-FB3B-4026-A5DC-EEEFAE77261F}" type="datetimeFigureOut">
               <a:rPr lang="en-US" smtClean="0"/>
-              <a:t>11/14/2023</a:t>
+              <a:t>11/15/2023</a:t>
             </a:fld>
             <a:endParaRPr lang="en-US"/>
           </a:p>
@@ -913,7 +913,7 @@
           <a:p>
             <a:fld id="{88C60456-FB3B-4026-A5DC-EEEFAE77261F}" type="datetimeFigureOut">
               <a:rPr lang="en-US" smtClean="0"/>
-              <a:t>11/14/2023</a:t>
+              <a:t>11/15/2023</a:t>
             </a:fld>
             <a:endParaRPr lang="en-US"/>
           </a:p>
@@ -1121,7 +1121,7 @@
           <a:p>
             <a:fld id="{88C60456-FB3B-4026-A5DC-EEEFAE77261F}" type="datetimeFigureOut">
               <a:rPr lang="en-US" smtClean="0"/>
-              <a:t>11/14/2023</a:t>
+              <a:t>11/15/2023</a:t>
             </a:fld>
             <a:endParaRPr lang="en-US"/>
           </a:p>
@@ -1319,7 +1319,7 @@
           <a:p>
             <a:fld id="{88C60456-FB3B-4026-A5DC-EEEFAE77261F}" type="datetimeFigureOut">
               <a:rPr lang="en-US" smtClean="0"/>
-              <a:t>11/14/2023</a:t>
+              <a:t>11/15/2023</a:t>
             </a:fld>
             <a:endParaRPr lang="en-US"/>
           </a:p>
@@ -1594,7 +1594,7 @@
           <a:p>
             <a:fld id="{88C60456-FB3B-4026-A5DC-EEEFAE77261F}" type="datetimeFigureOut">
               <a:rPr lang="en-US" smtClean="0"/>
-              <a:t>11/14/2023</a:t>
+              <a:t>11/15/2023</a:t>
             </a:fld>
             <a:endParaRPr lang="en-US"/>
           </a:p>
@@ -1859,7 +1859,7 @@
           <a:p>
             <a:fld id="{88C60456-FB3B-4026-A5DC-EEEFAE77261F}" type="datetimeFigureOut">
               <a:rPr lang="en-US" smtClean="0"/>
-              <a:t>11/14/2023</a:t>
+              <a:t>11/15/2023</a:t>
             </a:fld>
             <a:endParaRPr lang="en-US"/>
           </a:p>
@@ -2271,7 +2271,7 @@
           <a:p>
             <a:fld id="{88C60456-FB3B-4026-A5DC-EEEFAE77261F}" type="datetimeFigureOut">
               <a:rPr lang="en-US" smtClean="0"/>
-              <a:t>11/14/2023</a:t>
+              <a:t>11/15/2023</a:t>
             </a:fld>
             <a:endParaRPr lang="en-US"/>
           </a:p>
@@ -2412,7 +2412,7 @@
           <a:p>
             <a:fld id="{88C60456-FB3B-4026-A5DC-EEEFAE77261F}" type="datetimeFigureOut">
               <a:rPr lang="en-US" smtClean="0"/>
-              <a:t>11/14/2023</a:t>
+              <a:t>11/15/2023</a:t>
             </a:fld>
             <a:endParaRPr lang="en-US"/>
           </a:p>
@@ -2525,7 +2525,7 @@
           <a:p>
             <a:fld id="{88C60456-FB3B-4026-A5DC-EEEFAE77261F}" type="datetimeFigureOut">
               <a:rPr lang="en-US" smtClean="0"/>
-              <a:t>11/14/2023</a:t>
+              <a:t>11/15/2023</a:t>
             </a:fld>
             <a:endParaRPr lang="en-US"/>
           </a:p>
@@ -2836,7 +2836,7 @@
           <a:p>
             <a:fld id="{88C60456-FB3B-4026-A5DC-EEEFAE77261F}" type="datetimeFigureOut">
               <a:rPr lang="en-US" smtClean="0"/>
-              <a:t>11/14/2023</a:t>
+              <a:t>11/15/2023</a:t>
             </a:fld>
             <a:endParaRPr lang="en-US"/>
           </a:p>
@@ -3124,7 +3124,7 @@
           <a:p>
             <a:fld id="{88C60456-FB3B-4026-A5DC-EEEFAE77261F}" type="datetimeFigureOut">
               <a:rPr lang="en-US" smtClean="0"/>
-              <a:t>11/14/2023</a:t>
+              <a:t>11/15/2023</a:t>
             </a:fld>
             <a:endParaRPr lang="en-US"/>
           </a:p>
@@ -3365,7 +3365,7 @@
           <a:p>
             <a:fld id="{88C60456-FB3B-4026-A5DC-EEEFAE77261F}" type="datetimeFigureOut">
               <a:rPr lang="en-US" smtClean="0"/>
-              <a:t>11/14/2023</a:t>
+              <a:t>11/15/2023</a:t>
             </a:fld>
             <a:endParaRPr lang="en-US"/>
           </a:p>
@@ -4058,53 +4058,6 @@
           <a:chExt cx="0" cy="0"/>
         </a:xfrm>
       </p:grpSpPr>
-      <p:pic>
-        <p:nvPicPr>
-          <p:cNvPr id="2050" name="Picture 2">
-            <a:extLst>
-              <a:ext uri="{FF2B5EF4-FFF2-40B4-BE49-F238E27FC236}">
-                <a16:creationId xmlns:a16="http://schemas.microsoft.com/office/drawing/2014/main" id="{F4553F19-D210-4635-E1C2-E305C0FF8026}"/>
-              </a:ext>
-            </a:extLst>
-          </p:cNvPr>
-          <p:cNvPicPr>
-            <a:picLocks noChangeAspect="1" noChangeArrowheads="1"/>
-          </p:cNvPicPr>
-          <p:nvPr/>
-        </p:nvPicPr>
-        <p:blipFill>
-          <a:blip r:embed="rId2">
-            <a:extLst>
-              <a:ext uri="{28A0092B-C50C-407E-A947-70E740481C1C}">
-                <a14:useLocalDpi xmlns:a14="http://schemas.microsoft.com/office/drawing/2010/main" val="0"/>
-              </a:ext>
-            </a:extLst>
-          </a:blip>
-          <a:srcRect/>
-          <a:stretch>
-            <a:fillRect/>
-          </a:stretch>
-        </p:blipFill>
-        <p:spPr bwMode="auto">
-          <a:xfrm>
-            <a:off x="1894827" y="1425389"/>
-            <a:ext cx="3784145" cy="3738282"/>
-          </a:xfrm>
-          <a:prstGeom prst="rect">
-            <a:avLst/>
-          </a:prstGeom>
-          <a:noFill/>
-          <a:extLst>
-            <a:ext uri="{909E8E84-426E-40DD-AFC4-6F175D3DCCD1}">
-              <a14:hiddenFill xmlns:a14="http://schemas.microsoft.com/office/drawing/2010/main">
-                <a:solidFill>
-                  <a:srgbClr val="FFFFFF"/>
-                </a:solidFill>
-              </a14:hiddenFill>
-            </a:ext>
-          </a:extLst>
-        </p:spPr>
-      </p:pic>
       <p:sp>
         <p:nvSpPr>
           <p:cNvPr id="3" name="TextBox 2">
@@ -4156,7 +4109,7 @@
           <p:nvPr/>
         </p:nvPicPr>
         <p:blipFill>
-          <a:blip r:embed="rId3"/>
+          <a:blip r:embed="rId2"/>
           <a:stretch>
             <a:fillRect/>
           </a:stretch>
@@ -4171,55 +4124,6 @@
           </a:prstGeom>
         </p:spPr>
       </p:pic>
-      <p:sp>
-        <p:nvSpPr>
-          <p:cNvPr id="6" name="Rectangle 5">
-            <a:extLst>
-              <a:ext uri="{FF2B5EF4-FFF2-40B4-BE49-F238E27FC236}">
-                <a16:creationId xmlns:a16="http://schemas.microsoft.com/office/drawing/2014/main" id="{6C146B04-6274-9D24-687F-97E8F31D2852}"/>
-              </a:ext>
-            </a:extLst>
-          </p:cNvPr>
-          <p:cNvSpPr/>
-          <p:nvPr/>
-        </p:nvSpPr>
-        <p:spPr>
-          <a:xfrm>
-            <a:off x="2419262" y="4885764"/>
-            <a:ext cx="3173506" cy="717176"/>
-          </a:xfrm>
-          <a:prstGeom prst="rect">
-            <a:avLst/>
-          </a:prstGeom>
-        </p:spPr>
-        <p:style>
-          <a:lnRef idx="2">
-            <a:schemeClr val="accent1">
-              <a:shade val="15000"/>
-            </a:schemeClr>
-          </a:lnRef>
-          <a:fillRef idx="1">
-            <a:schemeClr val="accent1"/>
-          </a:fillRef>
-          <a:effectRef idx="0">
-            <a:schemeClr val="accent1"/>
-          </a:effectRef>
-          <a:fontRef idx="minor">
-            <a:schemeClr val="lt1"/>
-          </a:fontRef>
-        </p:style>
-        <p:txBody>
-          <a:bodyPr rtlCol="0" anchor="ctr"/>
-          <a:lstStyle/>
-          <a:p>
-            <a:pPr algn="ctr"/>
-            <a:r>
-              <a:rPr lang="en-US" dirty="0"/>
-              <a:t>Add d, take ending block dens</a:t>
-            </a:r>
-          </a:p>
-        </p:txBody>
-      </p:sp>
       <p:sp>
         <p:nvSpPr>
           <p:cNvPr id="7" name="Rectangle 6">
@@ -4269,6 +4173,53 @@
           </a:p>
         </p:txBody>
       </p:sp>
+      <p:pic>
+        <p:nvPicPr>
+          <p:cNvPr id="1026" name="Picture 2">
+            <a:extLst>
+              <a:ext uri="{FF2B5EF4-FFF2-40B4-BE49-F238E27FC236}">
+                <a16:creationId xmlns:a16="http://schemas.microsoft.com/office/drawing/2014/main" id="{4704C748-56A4-C465-DE48-390DDD579B4B}"/>
+              </a:ext>
+            </a:extLst>
+          </p:cNvPr>
+          <p:cNvPicPr>
+            <a:picLocks noChangeAspect="1" noChangeArrowheads="1"/>
+          </p:cNvPicPr>
+          <p:nvPr/>
+        </p:nvPicPr>
+        <p:blipFill>
+          <a:blip r:embed="rId3">
+            <a:extLst>
+              <a:ext uri="{28A0092B-C50C-407E-A947-70E740481C1C}">
+                <a14:useLocalDpi xmlns:a14="http://schemas.microsoft.com/office/drawing/2010/main" val="0"/>
+              </a:ext>
+            </a:extLst>
+          </a:blip>
+          <a:srcRect/>
+          <a:stretch>
+            <a:fillRect/>
+          </a:stretch>
+        </p:blipFill>
+        <p:spPr bwMode="auto">
+          <a:xfrm>
+            <a:off x="1681053" y="1321301"/>
+            <a:ext cx="3903959" cy="4951587"/>
+          </a:xfrm>
+          <a:prstGeom prst="rect">
+            <a:avLst/>
+          </a:prstGeom>
+          <a:noFill/>
+          <a:extLst>
+            <a:ext uri="{909E8E84-426E-40DD-AFC4-6F175D3DCCD1}">
+              <a14:hiddenFill xmlns:a14="http://schemas.microsoft.com/office/drawing/2010/main">
+                <a:solidFill>
+                  <a:srgbClr val="FFFFFF"/>
+                </a:solidFill>
+              </a14:hiddenFill>
+            </a:ext>
+          </a:extLst>
+        </p:spPr>
+      </p:pic>
     </p:spTree>
     <p:extLst>
       <p:ext uri="{BB962C8B-B14F-4D97-AF65-F5344CB8AC3E}">

--- a/SYSG.pptx
+++ b/SYSG.pptx
@@ -217,7 +217,7 @@
           <a:p>
             <a:fld id="{9DB45F93-D156-4AE8-B29F-58D76D05F0C5}" type="datetimeFigureOut">
               <a:rPr lang="en-US" smtClean="0"/>
-              <a:t>11/15/2023</a:t>
+              <a:t>11/16/2023</a:t>
             </a:fld>
             <a:endParaRPr lang="en-US"/>
           </a:p>
@@ -568,6 +568,90 @@
 </p:notes>
 </file>
 
+<file path=ppt/notesSlides/notesSlide2.xml><?xml version="1.0" encoding="utf-8"?>
+<p:notes xmlns:a="http://schemas.openxmlformats.org/drawingml/2006/main" xmlns:r="http://schemas.openxmlformats.org/officeDocument/2006/relationships" xmlns:p="http://schemas.openxmlformats.org/presentationml/2006/main">
+  <p:cSld>
+    <p:spTree>
+      <p:nvGrpSpPr>
+        <p:cNvPr id="1" name=""/>
+        <p:cNvGrpSpPr/>
+        <p:nvPr/>
+      </p:nvGrpSpPr>
+      <p:grpSpPr>
+        <a:xfrm>
+          <a:off x="0" y="0"/>
+          <a:ext cx="0" cy="0"/>
+          <a:chOff x="0" y="0"/>
+          <a:chExt cx="0" cy="0"/>
+        </a:xfrm>
+      </p:grpSpPr>
+      <p:sp>
+        <p:nvSpPr>
+          <p:cNvPr id="2" name="Slide Image Placeholder 1"/>
+          <p:cNvSpPr>
+            <a:spLocks noGrp="1" noRot="1" noChangeAspect="1"/>
+          </p:cNvSpPr>
+          <p:nvPr>
+            <p:ph type="sldImg"/>
+          </p:nvPr>
+        </p:nvSpPr>
+        <p:spPr/>
+      </p:sp>
+      <p:sp>
+        <p:nvSpPr>
+          <p:cNvPr id="3" name="Notes Placeholder 2"/>
+          <p:cNvSpPr>
+            <a:spLocks noGrp="1"/>
+          </p:cNvSpPr>
+          <p:nvPr>
+            <p:ph type="body" idx="1"/>
+          </p:nvPr>
+        </p:nvSpPr>
+        <p:spPr/>
+        <p:txBody>
+          <a:bodyPr/>
+          <a:lstStyle/>
+          <a:p>
+            <a:endParaRPr lang="en-US" dirty="0"/>
+          </a:p>
+        </p:txBody>
+      </p:sp>
+      <p:sp>
+        <p:nvSpPr>
+          <p:cNvPr id="4" name="Slide Number Placeholder 3"/>
+          <p:cNvSpPr>
+            <a:spLocks noGrp="1"/>
+          </p:cNvSpPr>
+          <p:nvPr>
+            <p:ph type="sldNum" sz="quarter" idx="5"/>
+          </p:nvPr>
+        </p:nvSpPr>
+        <p:spPr/>
+        <p:txBody>
+          <a:bodyPr/>
+          <a:lstStyle/>
+          <a:p>
+            <a:fld id="{C274715F-B38D-4FF4-A3CF-827D419B9D44}" type="slidenum">
+              <a:rPr lang="en-US" smtClean="0"/>
+              <a:t>6</a:t>
+            </a:fld>
+            <a:endParaRPr lang="en-US"/>
+          </a:p>
+        </p:txBody>
+      </p:sp>
+    </p:spTree>
+    <p:extLst>
+      <p:ext uri="{BB962C8B-B14F-4D97-AF65-F5344CB8AC3E}">
+        <p14:creationId xmlns:p14="http://schemas.microsoft.com/office/powerpoint/2010/main" val="2735268379"/>
+      </p:ext>
+    </p:extLst>
+  </p:cSld>
+  <p:clrMapOvr>
+    <a:masterClrMapping/>
+  </p:clrMapOvr>
+</p:notes>
+</file>
+
 <file path=ppt/slideLayouts/slideLayout1.xml><?xml version="1.0" encoding="utf-8"?>
 <p:sldLayout xmlns:a="http://schemas.openxmlformats.org/drawingml/2006/main" xmlns:r="http://schemas.openxmlformats.org/officeDocument/2006/relationships" xmlns:p="http://schemas.openxmlformats.org/presentationml/2006/main" type="title" preserve="1">
   <p:cSld name="Title Slide">
@@ -715,7 +799,7 @@
           <a:p>
             <a:fld id="{88C60456-FB3B-4026-A5DC-EEEFAE77261F}" type="datetimeFigureOut">
               <a:rPr lang="en-US" smtClean="0"/>
-              <a:t>11/15/2023</a:t>
+              <a:t>11/16/2023</a:t>
             </a:fld>
             <a:endParaRPr lang="en-US"/>
           </a:p>
@@ -913,7 +997,7 @@
           <a:p>
             <a:fld id="{88C60456-FB3B-4026-A5DC-EEEFAE77261F}" type="datetimeFigureOut">
               <a:rPr lang="en-US" smtClean="0"/>
-              <a:t>11/15/2023</a:t>
+              <a:t>11/16/2023</a:t>
             </a:fld>
             <a:endParaRPr lang="en-US"/>
           </a:p>
@@ -1121,7 +1205,7 @@
           <a:p>
             <a:fld id="{88C60456-FB3B-4026-A5DC-EEEFAE77261F}" type="datetimeFigureOut">
               <a:rPr lang="en-US" smtClean="0"/>
-              <a:t>11/15/2023</a:t>
+              <a:t>11/16/2023</a:t>
             </a:fld>
             <a:endParaRPr lang="en-US"/>
           </a:p>
@@ -1319,7 +1403,7 @@
           <a:p>
             <a:fld id="{88C60456-FB3B-4026-A5DC-EEEFAE77261F}" type="datetimeFigureOut">
               <a:rPr lang="en-US" smtClean="0"/>
-              <a:t>11/15/2023</a:t>
+              <a:t>11/16/2023</a:t>
             </a:fld>
             <a:endParaRPr lang="en-US"/>
           </a:p>
@@ -1594,7 +1678,7 @@
           <a:p>
             <a:fld id="{88C60456-FB3B-4026-A5DC-EEEFAE77261F}" type="datetimeFigureOut">
               <a:rPr lang="en-US" smtClean="0"/>
-              <a:t>11/15/2023</a:t>
+              <a:t>11/16/2023</a:t>
             </a:fld>
             <a:endParaRPr lang="en-US"/>
           </a:p>
@@ -1859,7 +1943,7 @@
           <a:p>
             <a:fld id="{88C60456-FB3B-4026-A5DC-EEEFAE77261F}" type="datetimeFigureOut">
               <a:rPr lang="en-US" smtClean="0"/>
-              <a:t>11/15/2023</a:t>
+              <a:t>11/16/2023</a:t>
             </a:fld>
             <a:endParaRPr lang="en-US"/>
           </a:p>
@@ -2271,7 +2355,7 @@
           <a:p>
             <a:fld id="{88C60456-FB3B-4026-A5DC-EEEFAE77261F}" type="datetimeFigureOut">
               <a:rPr lang="en-US" smtClean="0"/>
-              <a:t>11/15/2023</a:t>
+              <a:t>11/16/2023</a:t>
             </a:fld>
             <a:endParaRPr lang="en-US"/>
           </a:p>
@@ -2412,7 +2496,7 @@
           <a:p>
             <a:fld id="{88C60456-FB3B-4026-A5DC-EEEFAE77261F}" type="datetimeFigureOut">
               <a:rPr lang="en-US" smtClean="0"/>
-              <a:t>11/15/2023</a:t>
+              <a:t>11/16/2023</a:t>
             </a:fld>
             <a:endParaRPr lang="en-US"/>
           </a:p>
@@ -2525,7 +2609,7 @@
           <a:p>
             <a:fld id="{88C60456-FB3B-4026-A5DC-EEEFAE77261F}" type="datetimeFigureOut">
               <a:rPr lang="en-US" smtClean="0"/>
-              <a:t>11/15/2023</a:t>
+              <a:t>11/16/2023</a:t>
             </a:fld>
             <a:endParaRPr lang="en-US"/>
           </a:p>
@@ -2836,7 +2920,7 @@
           <a:p>
             <a:fld id="{88C60456-FB3B-4026-A5DC-EEEFAE77261F}" type="datetimeFigureOut">
               <a:rPr lang="en-US" smtClean="0"/>
-              <a:t>11/15/2023</a:t>
+              <a:t>11/16/2023</a:t>
             </a:fld>
             <a:endParaRPr lang="en-US"/>
           </a:p>
@@ -3124,7 +3208,7 @@
           <a:p>
             <a:fld id="{88C60456-FB3B-4026-A5DC-EEEFAE77261F}" type="datetimeFigureOut">
               <a:rPr lang="en-US" smtClean="0"/>
-              <a:t>11/15/2023</a:t>
+              <a:t>11/16/2023</a:t>
             </a:fld>
             <a:endParaRPr lang="en-US"/>
           </a:p>
@@ -3365,7 +3449,7 @@
           <a:p>
             <a:fld id="{88C60456-FB3B-4026-A5DC-EEEFAE77261F}" type="datetimeFigureOut">
               <a:rPr lang="en-US" smtClean="0"/>
-              <a:t>11/15/2023</a:t>
+              <a:t>11/16/2023</a:t>
             </a:fld>
             <a:endParaRPr lang="en-US"/>
           </a:p>
@@ -4138,7 +4222,7 @@
         </p:nvSpPr>
         <p:spPr>
           <a:xfrm>
-            <a:off x="7140217" y="4885764"/>
+            <a:off x="7113323" y="4860836"/>
             <a:ext cx="3173506" cy="717176"/>
           </a:xfrm>
           <a:prstGeom prst="rect">
@@ -4175,10 +4259,10 @@
       </p:sp>
       <p:pic>
         <p:nvPicPr>
-          <p:cNvPr id="1026" name="Picture 2">
-            <a:extLst>
-              <a:ext uri="{FF2B5EF4-FFF2-40B4-BE49-F238E27FC236}">
-                <a16:creationId xmlns:a16="http://schemas.microsoft.com/office/drawing/2014/main" id="{4704C748-56A4-C465-DE48-390DDD579B4B}"/>
+          <p:cNvPr id="1034" name="Picture 10">
+            <a:extLst>
+              <a:ext uri="{FF2B5EF4-FFF2-40B4-BE49-F238E27FC236}">
+                <a16:creationId xmlns:a16="http://schemas.microsoft.com/office/drawing/2014/main" id="{5CBAF129-5374-DCA4-334A-B766B7CB3A97}"/>
               </a:ext>
             </a:extLst>
           </p:cNvPr>
@@ -4202,8 +4286,8 @@
         </p:blipFill>
         <p:spPr bwMode="auto">
           <a:xfrm>
-            <a:off x="1681053" y="1321301"/>
-            <a:ext cx="3903959" cy="4951587"/>
+            <a:off x="2289829" y="1463024"/>
+            <a:ext cx="3698654" cy="4691188"/>
           </a:xfrm>
           <a:prstGeom prst="rect">
             <a:avLst/>
@@ -4347,7 +4431,7 @@
         </p:nvSpPr>
         <p:spPr>
           <a:xfrm>
-            <a:off x="2473596" y="3553843"/>
+            <a:off x="2473596" y="3505450"/>
             <a:ext cx="7892023" cy="369332"/>
           </a:xfrm>
           <a:prstGeom prst="rect">
@@ -4365,102 +4449,6 @@
             <a:r>
               <a:rPr lang="en-US" dirty="0"/>
               <a:t>Explain locked-in-layer model using end-point distributions</a:t>
-            </a:r>
-          </a:p>
-        </p:txBody>
-      </p:sp>
-      <p:pic>
-        <p:nvPicPr>
-          <p:cNvPr id="12" name="Picture 2">
-            <a:extLst>
-              <a:ext uri="{FF2B5EF4-FFF2-40B4-BE49-F238E27FC236}">
-                <a16:creationId xmlns:a16="http://schemas.microsoft.com/office/drawing/2014/main" id="{AC786A8C-045A-5D12-91F5-749D129C4632}"/>
-              </a:ext>
-            </a:extLst>
-          </p:cNvPr>
-          <p:cNvPicPr>
-            <a:picLocks noChangeAspect="1" noChangeArrowheads="1"/>
-          </p:cNvPicPr>
-          <p:nvPr/>
-        </p:nvPicPr>
-        <p:blipFill>
-          <a:blip r:embed="rId3">
-            <a:extLst>
-              <a:ext uri="{28A0092B-C50C-407E-A947-70E740481C1C}">
-                <a14:useLocalDpi xmlns:a14="http://schemas.microsoft.com/office/drawing/2010/main" val="0"/>
-              </a:ext>
-            </a:extLst>
-          </a:blip>
-          <a:srcRect/>
-          <a:stretch>
-            <a:fillRect/>
-          </a:stretch>
-        </p:blipFill>
-        <p:spPr bwMode="auto">
-          <a:xfrm>
-            <a:off x="3495573" y="4155511"/>
-            <a:ext cx="3369328" cy="2654748"/>
-          </a:xfrm>
-          <a:prstGeom prst="rect">
-            <a:avLst/>
-          </a:prstGeom>
-          <a:noFill/>
-          <a:extLst>
-            <a:ext uri="{909E8E84-426E-40DD-AFC4-6F175D3DCCD1}">
-              <a14:hiddenFill xmlns:a14="http://schemas.microsoft.com/office/drawing/2010/main">
-                <a:solidFill>
-                  <a:srgbClr val="FFFFFF"/>
-                </a:solidFill>
-              </a14:hiddenFill>
-            </a:ext>
-          </a:extLst>
-        </p:spPr>
-      </p:pic>
-      <p:sp>
-        <p:nvSpPr>
-          <p:cNvPr id="14" name="Rectangle 13">
-            <a:extLst>
-              <a:ext uri="{FF2B5EF4-FFF2-40B4-BE49-F238E27FC236}">
-                <a16:creationId xmlns:a16="http://schemas.microsoft.com/office/drawing/2014/main" id="{BA1D8ECC-E4CE-E7F7-31EF-B6B979A70F8C}"/>
-              </a:ext>
-            </a:extLst>
-          </p:cNvPr>
-          <p:cNvSpPr/>
-          <p:nvPr/>
-        </p:nvSpPr>
-        <p:spPr>
-          <a:xfrm>
-            <a:off x="1250860" y="4658132"/>
-            <a:ext cx="2244713" cy="1649506"/>
-          </a:xfrm>
-          <a:prstGeom prst="rect">
-            <a:avLst/>
-          </a:prstGeom>
-        </p:spPr>
-        <p:style>
-          <a:lnRef idx="2">
-            <a:schemeClr val="accent1">
-              <a:shade val="15000"/>
-            </a:schemeClr>
-          </a:lnRef>
-          <a:fillRef idx="1">
-            <a:schemeClr val="accent1"/>
-          </a:fillRef>
-          <a:effectRef idx="0">
-            <a:schemeClr val="accent1"/>
-          </a:effectRef>
-          <a:fontRef idx="minor">
-            <a:schemeClr val="lt1"/>
-          </a:fontRef>
-        </p:style>
-        <p:txBody>
-          <a:bodyPr rtlCol="0" anchor="ctr"/>
-          <a:lstStyle/>
-          <a:p>
-            <a:pPr algn="ctr"/>
-            <a:r>
-              <a:rPr lang="en-US" dirty="0"/>
-              <a:t>Good one with +d? Add other blocks to show overlap, or at least which takes up the neck</a:t>
             </a:r>
           </a:p>
         </p:txBody>
@@ -4514,6 +4502,53 @@
           </a:p>
         </p:txBody>
       </p:sp>
+      <p:pic>
+        <p:nvPicPr>
+          <p:cNvPr id="2050" name="Picture 2">
+            <a:extLst>
+              <a:ext uri="{FF2B5EF4-FFF2-40B4-BE49-F238E27FC236}">
+                <a16:creationId xmlns:a16="http://schemas.microsoft.com/office/drawing/2014/main" id="{263DFE1F-AC58-9E8D-9F1F-B0F593718FB9}"/>
+              </a:ext>
+            </a:extLst>
+          </p:cNvPr>
+          <p:cNvPicPr>
+            <a:picLocks noChangeAspect="1" noChangeArrowheads="1"/>
+          </p:cNvPicPr>
+          <p:nvPr/>
+        </p:nvPicPr>
+        <p:blipFill>
+          <a:blip r:embed="rId3">
+            <a:extLst>
+              <a:ext uri="{28A0092B-C50C-407E-A947-70E740481C1C}">
+                <a14:useLocalDpi xmlns:a14="http://schemas.microsoft.com/office/drawing/2010/main" val="0"/>
+              </a:ext>
+            </a:extLst>
+          </a:blip>
+          <a:srcRect/>
+          <a:stretch>
+            <a:fillRect/>
+          </a:stretch>
+        </p:blipFill>
+        <p:spPr bwMode="auto">
+          <a:xfrm>
+            <a:off x="3161057" y="4058725"/>
+            <a:ext cx="3432080" cy="2704191"/>
+          </a:xfrm>
+          <a:prstGeom prst="rect">
+            <a:avLst/>
+          </a:prstGeom>
+          <a:noFill/>
+          <a:extLst>
+            <a:ext uri="{909E8E84-426E-40DD-AFC4-6F175D3DCCD1}">
+              <a14:hiddenFill xmlns:a14="http://schemas.microsoft.com/office/drawing/2010/main">
+                <a:solidFill>
+                  <a:srgbClr val="FFFFFF"/>
+                </a:solidFill>
+              </a14:hiddenFill>
+            </a:ext>
+          </a:extLst>
+        </p:spPr>
+      </p:pic>
     </p:spTree>
     <p:extLst>
       <p:ext uri="{BB962C8B-B14F-4D97-AF65-F5344CB8AC3E}">
@@ -4638,7 +4673,7 @@
           <p:nvPr/>
         </p:nvPicPr>
         <p:blipFill>
-          <a:blip r:embed="rId2">
+          <a:blip r:embed="rId3">
             <a:extLst>
               <a:ext uri="{28A0092B-C50C-407E-A947-70E740481C1C}">
                 <a14:useLocalDpi xmlns:a14="http://schemas.microsoft.com/office/drawing/2010/main" val="0"/>
@@ -4701,15 +4736,15 @@
             <a:pPr algn="ctr"/>
             <a:r>
               <a:rPr lang="en-US" dirty="0"/>
-              <a:t>PEBs interesting </a:t>
+              <a:t>Detecting </a:t>
             </a:r>
             <a:r>
               <a:rPr lang="en-US" dirty="0" err="1"/>
-              <a:t>bc</a:t>
+              <a:t>xC</a:t>
             </a:r>
             <a:r>
               <a:rPr lang="en-US" dirty="0"/>
-              <a:t> of height response to stimuli (e.g., temp for chi, Cs for alpha)</a:t>
+              <a:t> through experiments: Height (via threshold)</a:t>
             </a:r>
           </a:p>
         </p:txBody>
@@ -4763,59 +4798,48 @@
           </a:p>
         </p:txBody>
       </p:sp>
-      <p:pic>
-        <p:nvPicPr>
-          <p:cNvPr id="10" name="Picture 2">
-            <a:extLst>
-              <a:ext uri="{FF2B5EF4-FFF2-40B4-BE49-F238E27FC236}">
-                <a16:creationId xmlns:a16="http://schemas.microsoft.com/office/drawing/2014/main" id="{D531477A-75D3-DE6C-EDA6-42D0DEF54C74}"/>
-              </a:ext>
-            </a:extLst>
-          </p:cNvPr>
-          <p:cNvPicPr>
-            <a:picLocks noChangeAspect="1" noChangeArrowheads="1"/>
-          </p:cNvPicPr>
+      <p:sp>
+        <p:nvSpPr>
+          <p:cNvPr id="12" name="TextBox 11">
+            <a:extLst>
+              <a:ext uri="{FF2B5EF4-FFF2-40B4-BE49-F238E27FC236}">
+                <a16:creationId xmlns:a16="http://schemas.microsoft.com/office/drawing/2014/main" id="{4853B85D-AC0F-EF80-2214-5E0C9CDCD750}"/>
+              </a:ext>
+            </a:extLst>
+          </p:cNvPr>
+          <p:cNvSpPr txBox="1"/>
           <p:nvPr/>
-        </p:nvPicPr>
-        <p:blipFill>
-          <a:blip r:embed="rId3">
-            <a:extLst>
-              <a:ext uri="{28A0092B-C50C-407E-A947-70E740481C1C}">
-                <a14:useLocalDpi xmlns:a14="http://schemas.microsoft.com/office/drawing/2010/main" val="0"/>
-              </a:ext>
-            </a:extLst>
-          </a:blip>
-          <a:srcRect/>
-          <a:stretch>
-            <a:fillRect/>
-          </a:stretch>
-        </p:blipFill>
-        <p:spPr bwMode="auto">
+        </p:nvSpPr>
+        <p:spPr>
           <a:xfrm>
-            <a:off x="4081009" y="3917865"/>
-            <a:ext cx="4143375" cy="2884473"/>
+            <a:off x="2864222" y="3381192"/>
+            <a:ext cx="6463556" cy="369332"/>
           </a:xfrm>
           <a:prstGeom prst="rect">
             <a:avLst/>
           </a:prstGeom>
           <a:noFill/>
-          <a:extLst>
-            <a:ext uri="{909E8E84-426E-40DD-AFC4-6F175D3DCCD1}">
-              <a14:hiddenFill xmlns:a14="http://schemas.microsoft.com/office/drawing/2010/main">
-                <a:solidFill>
-                  <a:srgbClr val="FFFFFF"/>
-                </a:solidFill>
-              </a14:hiddenFill>
-            </a:ext>
-          </a:extLst>
         </p:spPr>
-      </p:pic>
-      <p:sp>
-        <p:nvSpPr>
-          <p:cNvPr id="11" name="Rectangle 10">
-            <a:extLst>
-              <a:ext uri="{FF2B5EF4-FFF2-40B4-BE49-F238E27FC236}">
-                <a16:creationId xmlns:a16="http://schemas.microsoft.com/office/drawing/2014/main" id="{C80E5AE4-5A52-23AD-1DC5-35067C2AE7A8}"/>
+        <p:txBody>
+          <a:bodyPr wrap="square" rtlCol="0">
+            <a:spAutoFit/>
+          </a:bodyPr>
+          <a:lstStyle/>
+          <a:p>
+            <a:pPr algn="ctr"/>
+            <a:r>
+              <a:rPr lang="en-US" dirty="0"/>
+              <a:t>Reflectivity: Signatures of each C</a:t>
+            </a:r>
+          </a:p>
+        </p:txBody>
+      </p:sp>
+      <p:sp>
+        <p:nvSpPr>
+          <p:cNvPr id="18" name="Rectangle 17">
+            <a:extLst>
+              <a:ext uri="{FF2B5EF4-FFF2-40B4-BE49-F238E27FC236}">
+                <a16:creationId xmlns:a16="http://schemas.microsoft.com/office/drawing/2014/main" id="{2822DF44-F4B0-C336-3B70-1603C900C16C}"/>
               </a:ext>
             </a:extLst>
           </p:cNvPr>
@@ -4824,7 +4848,7 @@
         </p:nvSpPr>
         <p:spPr>
           <a:xfrm>
-            <a:off x="8493327" y="4836827"/>
+            <a:off x="1344073" y="4670612"/>
             <a:ext cx="2079812" cy="905435"/>
           </a:xfrm>
           <a:prstGeom prst="rect">
@@ -4854,311 +4878,58 @@
             <a:pPr algn="ctr"/>
             <a:r>
               <a:rPr lang="en-US" dirty="0"/>
-              <a:t>Add param space (a=0.4, x = ?)</a:t>
-            </a:r>
-          </a:p>
-        </p:txBody>
-      </p:sp>
-      <p:sp>
-        <p:nvSpPr>
-          <p:cNvPr id="12" name="TextBox 11">
-            <a:extLst>
-              <a:ext uri="{FF2B5EF4-FFF2-40B4-BE49-F238E27FC236}">
-                <a16:creationId xmlns:a16="http://schemas.microsoft.com/office/drawing/2014/main" id="{4853B85D-AC0F-EF80-2214-5E0C9CDCD750}"/>
-              </a:ext>
-            </a:extLst>
-          </p:cNvPr>
-          <p:cNvSpPr txBox="1"/>
+              <a:t>Find more rigorous way to mark peaks</a:t>
+            </a:r>
+          </a:p>
+        </p:txBody>
+      </p:sp>
+      <p:pic>
+        <p:nvPicPr>
+          <p:cNvPr id="3082" name="Picture 10">
+            <a:extLst>
+              <a:ext uri="{FF2B5EF4-FFF2-40B4-BE49-F238E27FC236}">
+                <a16:creationId xmlns:a16="http://schemas.microsoft.com/office/drawing/2014/main" id="{BB850A56-9704-5FD2-8B28-68FDD18A672A}"/>
+              </a:ext>
+            </a:extLst>
+          </p:cNvPr>
+          <p:cNvPicPr>
+            <a:picLocks noChangeAspect="1" noChangeArrowheads="1"/>
+          </p:cNvPicPr>
           <p:nvPr/>
-        </p:nvSpPr>
-        <p:spPr>
+        </p:nvPicPr>
+        <p:blipFill>
+          <a:blip r:embed="rId4">
+            <a:extLst>
+              <a:ext uri="{28A0092B-C50C-407E-A947-70E740481C1C}">
+                <a14:useLocalDpi xmlns:a14="http://schemas.microsoft.com/office/drawing/2010/main" val="0"/>
+              </a:ext>
+            </a:extLst>
+          </a:blip>
+          <a:srcRect/>
+          <a:stretch>
+            <a:fillRect/>
+          </a:stretch>
+        </p:blipFill>
+        <p:spPr bwMode="auto">
           <a:xfrm>
-            <a:off x="2864222" y="3393892"/>
-            <a:ext cx="6463556" cy="369332"/>
+            <a:off x="4095300" y="3750524"/>
+            <a:ext cx="4324910" cy="2867211"/>
           </a:xfrm>
           <a:prstGeom prst="rect">
             <a:avLst/>
           </a:prstGeom>
           <a:noFill/>
+          <a:extLst>
+            <a:ext uri="{909E8E84-426E-40DD-AFC4-6F175D3DCCD1}">
+              <a14:hiddenFill xmlns:a14="http://schemas.microsoft.com/office/drawing/2010/main">
+                <a:solidFill>
+                  <a:srgbClr val="FFFFFF"/>
+                </a:solidFill>
+              </a14:hiddenFill>
+            </a:ext>
+          </a:extLst>
         </p:spPr>
-        <p:txBody>
-          <a:bodyPr wrap="square" rtlCol="0">
-            <a:spAutoFit/>
-          </a:bodyPr>
-          <a:lstStyle/>
-          <a:p>
-            <a:pPr algn="ctr"/>
-            <a:r>
-              <a:rPr lang="en-US" dirty="0"/>
-              <a:t>Signatures of each C, some way to find number of C?</a:t>
-            </a:r>
-          </a:p>
-        </p:txBody>
-      </p:sp>
-      <p:cxnSp>
-        <p:nvCxnSpPr>
-          <p:cNvPr id="13" name="Straight Connector 12">
-            <a:extLst>
-              <a:ext uri="{FF2B5EF4-FFF2-40B4-BE49-F238E27FC236}">
-                <a16:creationId xmlns:a16="http://schemas.microsoft.com/office/drawing/2014/main" id="{3EE0859F-4F62-2F25-5CC1-3D9F950D907B}"/>
-              </a:ext>
-            </a:extLst>
-          </p:cNvPr>
-          <p:cNvCxnSpPr>
-            <a:cxnSpLocks/>
-          </p:cNvCxnSpPr>
-          <p:nvPr/>
-        </p:nvCxnSpPr>
-        <p:spPr>
-          <a:xfrm>
-            <a:off x="5337748" y="3778992"/>
-            <a:ext cx="295836" cy="2796988"/>
-          </a:xfrm>
-          <a:prstGeom prst="line">
-            <a:avLst/>
-          </a:prstGeom>
-          <a:ln w="28575">
-            <a:solidFill>
-              <a:schemeClr val="tx1"/>
-            </a:solidFill>
-          </a:ln>
-        </p:spPr>
-        <p:style>
-          <a:lnRef idx="1">
-            <a:schemeClr val="accent1"/>
-          </a:lnRef>
-          <a:fillRef idx="0">
-            <a:schemeClr val="accent1"/>
-          </a:fillRef>
-          <a:effectRef idx="0">
-            <a:schemeClr val="accent1"/>
-          </a:effectRef>
-          <a:fontRef idx="minor">
-            <a:schemeClr val="tx1"/>
-          </a:fontRef>
-        </p:style>
-      </p:cxnSp>
-      <p:cxnSp>
-        <p:nvCxnSpPr>
-          <p:cNvPr id="14" name="Straight Connector 13">
-            <a:extLst>
-              <a:ext uri="{FF2B5EF4-FFF2-40B4-BE49-F238E27FC236}">
-                <a16:creationId xmlns:a16="http://schemas.microsoft.com/office/drawing/2014/main" id="{B90D8F0C-1AB6-E818-3036-89881964C38F}"/>
-              </a:ext>
-            </a:extLst>
-          </p:cNvPr>
-          <p:cNvCxnSpPr>
-            <a:cxnSpLocks/>
-          </p:cNvCxnSpPr>
-          <p:nvPr/>
-        </p:nvCxnSpPr>
-        <p:spPr>
-          <a:xfrm flipH="1">
-            <a:off x="5633584" y="3778992"/>
-            <a:ext cx="591672" cy="2796988"/>
-          </a:xfrm>
-          <a:prstGeom prst="line">
-            <a:avLst/>
-          </a:prstGeom>
-          <a:ln w="28575">
-            <a:solidFill>
-              <a:schemeClr val="tx1"/>
-            </a:solidFill>
-          </a:ln>
-        </p:spPr>
-        <p:style>
-          <a:lnRef idx="1">
-            <a:schemeClr val="accent1"/>
-          </a:lnRef>
-          <a:fillRef idx="0">
-            <a:schemeClr val="accent1"/>
-          </a:fillRef>
-          <a:effectRef idx="0">
-            <a:schemeClr val="accent1"/>
-          </a:effectRef>
-          <a:fontRef idx="minor">
-            <a:schemeClr val="tx1"/>
-          </a:fontRef>
-        </p:style>
-      </p:cxnSp>
-      <p:cxnSp>
-        <p:nvCxnSpPr>
-          <p:cNvPr id="15" name="Straight Connector 14">
-            <a:extLst>
-              <a:ext uri="{FF2B5EF4-FFF2-40B4-BE49-F238E27FC236}">
-                <a16:creationId xmlns:a16="http://schemas.microsoft.com/office/drawing/2014/main" id="{2C42740A-C16C-865B-EBD6-BA421793EE19}"/>
-              </a:ext>
-            </a:extLst>
-          </p:cNvPr>
-          <p:cNvCxnSpPr>
-            <a:cxnSpLocks/>
-          </p:cNvCxnSpPr>
-          <p:nvPr/>
-        </p:nvCxnSpPr>
-        <p:spPr>
-          <a:xfrm flipH="1">
-            <a:off x="5902527" y="3778992"/>
-            <a:ext cx="869574" cy="2796988"/>
-          </a:xfrm>
-          <a:prstGeom prst="line">
-            <a:avLst/>
-          </a:prstGeom>
-          <a:ln w="28575">
-            <a:solidFill>
-              <a:schemeClr val="tx1"/>
-            </a:solidFill>
-          </a:ln>
-        </p:spPr>
-        <p:style>
-          <a:lnRef idx="1">
-            <a:schemeClr val="accent1"/>
-          </a:lnRef>
-          <a:fillRef idx="0">
-            <a:schemeClr val="accent1"/>
-          </a:fillRef>
-          <a:effectRef idx="0">
-            <a:schemeClr val="accent1"/>
-          </a:effectRef>
-          <a:fontRef idx="minor">
-            <a:schemeClr val="tx1"/>
-          </a:fontRef>
-        </p:style>
-      </p:cxnSp>
-      <p:cxnSp>
-        <p:nvCxnSpPr>
-          <p:cNvPr id="16" name="Straight Connector 15">
-            <a:extLst>
-              <a:ext uri="{FF2B5EF4-FFF2-40B4-BE49-F238E27FC236}">
-                <a16:creationId xmlns:a16="http://schemas.microsoft.com/office/drawing/2014/main" id="{D3256811-D54A-FF29-5FD2-EAB60B529078}"/>
-              </a:ext>
-            </a:extLst>
-          </p:cNvPr>
-          <p:cNvCxnSpPr>
-            <a:cxnSpLocks/>
-          </p:cNvCxnSpPr>
-          <p:nvPr/>
-        </p:nvCxnSpPr>
-        <p:spPr>
-          <a:xfrm flipH="1">
-            <a:off x="6152696" y="3778992"/>
-            <a:ext cx="1112464" cy="2796988"/>
-          </a:xfrm>
-          <a:prstGeom prst="line">
-            <a:avLst/>
-          </a:prstGeom>
-          <a:ln w="28575">
-            <a:solidFill>
-              <a:schemeClr val="tx1"/>
-            </a:solidFill>
-          </a:ln>
-        </p:spPr>
-        <p:style>
-          <a:lnRef idx="1">
-            <a:schemeClr val="accent1"/>
-          </a:lnRef>
-          <a:fillRef idx="0">
-            <a:schemeClr val="accent1"/>
-          </a:fillRef>
-          <a:effectRef idx="0">
-            <a:schemeClr val="accent1"/>
-          </a:effectRef>
-          <a:fontRef idx="minor">
-            <a:schemeClr val="tx1"/>
-          </a:fontRef>
-        </p:style>
-      </p:cxnSp>
-      <p:cxnSp>
-        <p:nvCxnSpPr>
-          <p:cNvPr id="17" name="Straight Connector 16">
-            <a:extLst>
-              <a:ext uri="{FF2B5EF4-FFF2-40B4-BE49-F238E27FC236}">
-                <a16:creationId xmlns:a16="http://schemas.microsoft.com/office/drawing/2014/main" id="{577EDC64-73A2-FC9C-54A0-37AA91CBCB5B}"/>
-              </a:ext>
-            </a:extLst>
-          </p:cNvPr>
-          <p:cNvCxnSpPr>
-            <a:cxnSpLocks/>
-          </p:cNvCxnSpPr>
-          <p:nvPr/>
-        </p:nvCxnSpPr>
-        <p:spPr>
-          <a:xfrm>
-            <a:off x="4270948" y="3917865"/>
-            <a:ext cx="922524" cy="2738797"/>
-          </a:xfrm>
-          <a:prstGeom prst="line">
-            <a:avLst/>
-          </a:prstGeom>
-          <a:ln w="28575">
-            <a:solidFill>
-              <a:schemeClr val="tx1"/>
-            </a:solidFill>
-          </a:ln>
-        </p:spPr>
-        <p:style>
-          <a:lnRef idx="1">
-            <a:schemeClr val="accent1"/>
-          </a:lnRef>
-          <a:fillRef idx="0">
-            <a:schemeClr val="accent1"/>
-          </a:fillRef>
-          <a:effectRef idx="0">
-            <a:schemeClr val="accent1"/>
-          </a:effectRef>
-          <a:fontRef idx="minor">
-            <a:schemeClr val="tx1"/>
-          </a:fontRef>
-        </p:style>
-      </p:cxnSp>
-      <p:sp>
-        <p:nvSpPr>
-          <p:cNvPr id="18" name="Rectangle 17">
-            <a:extLst>
-              <a:ext uri="{FF2B5EF4-FFF2-40B4-BE49-F238E27FC236}">
-                <a16:creationId xmlns:a16="http://schemas.microsoft.com/office/drawing/2014/main" id="{2822DF44-F4B0-C336-3B70-1603C900C16C}"/>
-              </a:ext>
-            </a:extLst>
-          </p:cNvPr>
-          <p:cNvSpPr/>
-          <p:nvPr/>
-        </p:nvSpPr>
-        <p:spPr>
-          <a:xfrm>
-            <a:off x="8474553" y="5896903"/>
-            <a:ext cx="2079812" cy="905435"/>
-          </a:xfrm>
-          <a:prstGeom prst="rect">
-            <a:avLst/>
-          </a:prstGeom>
-        </p:spPr>
-        <p:style>
-          <a:lnRef idx="2">
-            <a:schemeClr val="accent1">
-              <a:shade val="15000"/>
-            </a:schemeClr>
-          </a:lnRef>
-          <a:fillRef idx="1">
-            <a:schemeClr val="accent1"/>
-          </a:fillRef>
-          <a:effectRef idx="0">
-            <a:schemeClr val="accent1"/>
-          </a:effectRef>
-          <a:fontRef idx="minor">
-            <a:schemeClr val="lt1"/>
-          </a:fontRef>
-        </p:style>
-        <p:txBody>
-          <a:bodyPr rtlCol="0" anchor="ctr"/>
-          <a:lstStyle/>
-          <a:p>
-            <a:pPr algn="ctr"/>
-            <a:r>
-              <a:rPr lang="en-US" dirty="0"/>
-              <a:t>Try non-log, same limits as NFH paper</a:t>
-            </a:r>
-          </a:p>
-        </p:txBody>
-      </p:sp>
+      </p:pic>
     </p:spTree>
     <p:extLst>
       <p:ext uri="{BB962C8B-B14F-4D97-AF65-F5344CB8AC3E}">
@@ -5269,15 +5040,15 @@
             <a:pPr algn="ctr"/>
             <a:r>
               <a:rPr lang="en-US" dirty="0"/>
-              <a:t>IS THIS NECESSARY? See if can deduce </a:t>
+              <a:t>Could be interesting for detecting </a:t>
             </a:r>
             <a:r>
               <a:rPr lang="en-US" dirty="0" err="1"/>
-              <a:t>nC</a:t>
+              <a:t>xC+d</a:t>
             </a:r>
             <a:r>
               <a:rPr lang="en-US" dirty="0"/>
-              <a:t> from reflectivity first</a:t>
+              <a:t>? Have not done enough calculations to know yet</a:t>
             </a:r>
           </a:p>
         </p:txBody>

--- a/SYSG.pptx
+++ b/SYSG.pptx
@@ -4848,7 +4848,7 @@
         </p:nvSpPr>
         <p:spPr>
           <a:xfrm>
-            <a:off x="1344073" y="4670612"/>
+            <a:off x="9040120" y="4560192"/>
             <a:ext cx="2079812" cy="905435"/>
           </a:xfrm>
           <a:prstGeom prst="rect">
@@ -4930,6 +4930,109 @@
           </a:extLst>
         </p:spPr>
       </p:pic>
+      <p:cxnSp>
+        <p:nvCxnSpPr>
+          <p:cNvPr id="53" name="Straight Connector 52">
+            <a:extLst>
+              <a:ext uri="{FF2B5EF4-FFF2-40B4-BE49-F238E27FC236}">
+                <a16:creationId xmlns:a16="http://schemas.microsoft.com/office/drawing/2014/main" id="{0E9D29D8-0FC4-0D70-F582-D7E21ABA8310}"/>
+              </a:ext>
+            </a:extLst>
+          </p:cNvPr>
+          <p:cNvCxnSpPr/>
+          <p:nvPr/>
+        </p:nvCxnSpPr>
+        <p:spPr>
+          <a:xfrm flipH="1">
+            <a:off x="5253318" y="3750524"/>
+            <a:ext cx="313764" cy="2327547"/>
+          </a:xfrm>
+          <a:prstGeom prst="line">
+            <a:avLst/>
+          </a:prstGeom>
+          <a:ln w="19050">
+            <a:solidFill>
+              <a:schemeClr val="tx1"/>
+            </a:solidFill>
+          </a:ln>
+        </p:spPr>
+        <p:style>
+          <a:lnRef idx="1">
+            <a:schemeClr val="accent1"/>
+          </a:lnRef>
+          <a:fillRef idx="0">
+            <a:schemeClr val="accent1"/>
+          </a:fillRef>
+          <a:effectRef idx="0">
+            <a:schemeClr val="accent1"/>
+          </a:effectRef>
+          <a:fontRef idx="minor">
+            <a:schemeClr val="tx1"/>
+          </a:fontRef>
+        </p:style>
+      </p:cxnSp>
+      <p:sp>
+        <p:nvSpPr>
+          <p:cNvPr id="55" name="Rectangle 54">
+            <a:extLst>
+              <a:ext uri="{FF2B5EF4-FFF2-40B4-BE49-F238E27FC236}">
+                <a16:creationId xmlns:a16="http://schemas.microsoft.com/office/drawing/2014/main" id="{7DFA9B01-4516-B57D-DB70-DE5BCDFC45B8}"/>
+              </a:ext>
+            </a:extLst>
+          </p:cNvPr>
+          <p:cNvSpPr/>
+          <p:nvPr/>
+        </p:nvSpPr>
+        <p:spPr>
+          <a:xfrm>
+            <a:off x="1242172" y="4631909"/>
+            <a:ext cx="2079812" cy="905435"/>
+          </a:xfrm>
+          <a:prstGeom prst="rect">
+            <a:avLst/>
+          </a:prstGeom>
+        </p:spPr>
+        <p:style>
+          <a:lnRef idx="2">
+            <a:schemeClr val="accent1">
+              <a:shade val="15000"/>
+            </a:schemeClr>
+          </a:lnRef>
+          <a:fillRef idx="1">
+            <a:schemeClr val="accent1"/>
+          </a:fillRef>
+          <a:effectRef idx="0">
+            <a:schemeClr val="accent1"/>
+          </a:effectRef>
+          <a:fontRef idx="minor">
+            <a:schemeClr val="lt1"/>
+          </a:fontRef>
+        </p:style>
+        <p:txBody>
+          <a:bodyPr rtlCol="0" anchor="ctr"/>
+          <a:lstStyle/>
+          <a:p>
+            <a:pPr algn="ctr"/>
+            <a:r>
+              <a:rPr lang="en-US" dirty="0"/>
+              <a:t># of peaks at low </a:t>
+            </a:r>
+            <a:r>
+              <a:rPr lang="en-US" dirty="0" err="1"/>
+              <a:t>Qz</a:t>
+            </a:r>
+            <a:r>
+              <a:rPr lang="en-US" dirty="0"/>
+              <a:t> (</a:t>
+            </a:r>
+            <a:r>
+              <a:rPr lang="en-US"/>
+              <a:t>high frequency)</a:t>
+            </a:r>
+            <a:endParaRPr lang="en-US" dirty="0"/>
+          </a:p>
+        </p:txBody>
+      </p:sp>
     </p:spTree>
     <p:extLst>
       <p:ext uri="{BB962C8B-B14F-4D97-AF65-F5344CB8AC3E}">

--- a/SYSG.pptx
+++ b/SYSG.pptx
@@ -5,19 +5,18 @@
     <p:sldMasterId id="2147483648" r:id="rId1"/>
   </p:sldMasterIdLst>
   <p:notesMasterIdLst>
-    <p:notesMasterId r:id="rId12"/>
+    <p:notesMasterId r:id="rId11"/>
   </p:notesMasterIdLst>
   <p:sldIdLst>
     <p:sldId id="256" r:id="rId2"/>
     <p:sldId id="266" r:id="rId3"/>
     <p:sldId id="264" r:id="rId4"/>
     <p:sldId id="262" r:id="rId5"/>
-    <p:sldId id="267" r:id="rId6"/>
-    <p:sldId id="263" r:id="rId7"/>
-    <p:sldId id="265" r:id="rId8"/>
-    <p:sldId id="257" r:id="rId9"/>
-    <p:sldId id="259" r:id="rId10"/>
-    <p:sldId id="260" r:id="rId11"/>
+    <p:sldId id="263" r:id="rId6"/>
+    <p:sldId id="265" r:id="rId7"/>
+    <p:sldId id="257" r:id="rId8"/>
+    <p:sldId id="259" r:id="rId9"/>
+    <p:sldId id="260" r:id="rId10"/>
   </p:sldIdLst>
   <p:sldSz cx="12192000" cy="6858000"/>
   <p:notesSz cx="6858000" cy="9144000"/>
@@ -217,7 +216,7 @@
           <a:p>
             <a:fld id="{9DB45F93-D156-4AE8-B29F-58D76D05F0C5}" type="datetimeFigureOut">
               <a:rPr lang="en-US" smtClean="0"/>
-              <a:t>11/16/2023</a:t>
+              <a:t>11/17/2023</a:t>
             </a:fld>
             <a:endParaRPr lang="en-US"/>
           </a:p>
@@ -633,7 +632,7 @@
           <a:p>
             <a:fld id="{C274715F-B38D-4FF4-A3CF-827D419B9D44}" type="slidenum">
               <a:rPr lang="en-US" smtClean="0"/>
-              <a:t>6</a:t>
+              <a:t>5</a:t>
             </a:fld>
             <a:endParaRPr lang="en-US"/>
           </a:p>
@@ -799,7 +798,7 @@
           <a:p>
             <a:fld id="{88C60456-FB3B-4026-A5DC-EEEFAE77261F}" type="datetimeFigureOut">
               <a:rPr lang="en-US" smtClean="0"/>
-              <a:t>11/16/2023</a:t>
+              <a:t>11/17/2023</a:t>
             </a:fld>
             <a:endParaRPr lang="en-US"/>
           </a:p>
@@ -997,7 +996,7 @@
           <a:p>
             <a:fld id="{88C60456-FB3B-4026-A5DC-EEEFAE77261F}" type="datetimeFigureOut">
               <a:rPr lang="en-US" smtClean="0"/>
-              <a:t>11/16/2023</a:t>
+              <a:t>11/17/2023</a:t>
             </a:fld>
             <a:endParaRPr lang="en-US"/>
           </a:p>
@@ -1205,7 +1204,7 @@
           <a:p>
             <a:fld id="{88C60456-FB3B-4026-A5DC-EEEFAE77261F}" type="datetimeFigureOut">
               <a:rPr lang="en-US" smtClean="0"/>
-              <a:t>11/16/2023</a:t>
+              <a:t>11/17/2023</a:t>
             </a:fld>
             <a:endParaRPr lang="en-US"/>
           </a:p>
@@ -1403,7 +1402,7 @@
           <a:p>
             <a:fld id="{88C60456-FB3B-4026-A5DC-EEEFAE77261F}" type="datetimeFigureOut">
               <a:rPr lang="en-US" smtClean="0"/>
-              <a:t>11/16/2023</a:t>
+              <a:t>11/17/2023</a:t>
             </a:fld>
             <a:endParaRPr lang="en-US"/>
           </a:p>
@@ -1678,7 +1677,7 @@
           <a:p>
             <a:fld id="{88C60456-FB3B-4026-A5DC-EEEFAE77261F}" type="datetimeFigureOut">
               <a:rPr lang="en-US" smtClean="0"/>
-              <a:t>11/16/2023</a:t>
+              <a:t>11/17/2023</a:t>
             </a:fld>
             <a:endParaRPr lang="en-US"/>
           </a:p>
@@ -1943,7 +1942,7 @@
           <a:p>
             <a:fld id="{88C60456-FB3B-4026-A5DC-EEEFAE77261F}" type="datetimeFigureOut">
               <a:rPr lang="en-US" smtClean="0"/>
-              <a:t>11/16/2023</a:t>
+              <a:t>11/17/2023</a:t>
             </a:fld>
             <a:endParaRPr lang="en-US"/>
           </a:p>
@@ -2355,7 +2354,7 @@
           <a:p>
             <a:fld id="{88C60456-FB3B-4026-A5DC-EEEFAE77261F}" type="datetimeFigureOut">
               <a:rPr lang="en-US" smtClean="0"/>
-              <a:t>11/16/2023</a:t>
+              <a:t>11/17/2023</a:t>
             </a:fld>
             <a:endParaRPr lang="en-US"/>
           </a:p>
@@ -2496,7 +2495,7 @@
           <a:p>
             <a:fld id="{88C60456-FB3B-4026-A5DC-EEEFAE77261F}" type="datetimeFigureOut">
               <a:rPr lang="en-US" smtClean="0"/>
-              <a:t>11/16/2023</a:t>
+              <a:t>11/17/2023</a:t>
             </a:fld>
             <a:endParaRPr lang="en-US"/>
           </a:p>
@@ -2609,7 +2608,7 @@
           <a:p>
             <a:fld id="{88C60456-FB3B-4026-A5DC-EEEFAE77261F}" type="datetimeFigureOut">
               <a:rPr lang="en-US" smtClean="0"/>
-              <a:t>11/16/2023</a:t>
+              <a:t>11/17/2023</a:t>
             </a:fld>
             <a:endParaRPr lang="en-US"/>
           </a:p>
@@ -2920,7 +2919,7 @@
           <a:p>
             <a:fld id="{88C60456-FB3B-4026-A5DC-EEEFAE77261F}" type="datetimeFigureOut">
               <a:rPr lang="en-US" smtClean="0"/>
-              <a:t>11/16/2023</a:t>
+              <a:t>11/17/2023</a:t>
             </a:fld>
             <a:endParaRPr lang="en-US"/>
           </a:p>
@@ -3208,7 +3207,7 @@
           <a:p>
             <a:fld id="{88C60456-FB3B-4026-A5DC-EEEFAE77261F}" type="datetimeFigureOut">
               <a:rPr lang="en-US" smtClean="0"/>
-              <a:t>11/16/2023</a:t>
+              <a:t>11/17/2023</a:t>
             </a:fld>
             <a:endParaRPr lang="en-US"/>
           </a:p>
@@ -3449,7 +3448,7 @@
           <a:p>
             <a:fld id="{88C60456-FB3B-4026-A5DC-EEEFAE77261F}" type="datetimeFigureOut">
               <a:rPr lang="en-US" smtClean="0"/>
-              <a:t>11/16/2023</a:t>
+              <a:t>11/17/2023</a:t>
             </a:fld>
             <a:endParaRPr lang="en-US"/>
           </a:p>
@@ -3932,120 +3931,6 @@
 </p:sld>
 </file>
 
-<file path=ppt/slides/slide10.xml><?xml version="1.0" encoding="utf-8"?>
-<p:sld xmlns:a="http://schemas.openxmlformats.org/drawingml/2006/main" xmlns:r="http://schemas.openxmlformats.org/officeDocument/2006/relationships" xmlns:p="http://schemas.openxmlformats.org/presentationml/2006/main">
-  <p:cSld>
-    <p:spTree>
-      <p:nvGrpSpPr>
-        <p:cNvPr id="1" name=""/>
-        <p:cNvGrpSpPr/>
-        <p:nvPr/>
-      </p:nvGrpSpPr>
-      <p:grpSpPr>
-        <a:xfrm>
-          <a:off x="0" y="0"/>
-          <a:ext cx="0" cy="0"/>
-          <a:chOff x="0" y="0"/>
-          <a:chExt cx="0" cy="0"/>
-        </a:xfrm>
-      </p:grpSpPr>
-      <p:sp>
-        <p:nvSpPr>
-          <p:cNvPr id="2" name="TextBox 1">
-            <a:extLst>
-              <a:ext uri="{FF2B5EF4-FFF2-40B4-BE49-F238E27FC236}">
-                <a16:creationId xmlns:a16="http://schemas.microsoft.com/office/drawing/2014/main" id="{2D0BBCAA-5054-475B-7AB1-38BC066C2AF9}"/>
-              </a:ext>
-            </a:extLst>
-          </p:cNvPr>
-          <p:cNvSpPr txBox="1"/>
-          <p:nvPr/>
-        </p:nvSpPr>
-        <p:spPr>
-          <a:xfrm>
-            <a:off x="5185913" y="172527"/>
-            <a:ext cx="1820174" cy="369332"/>
-          </a:xfrm>
-          <a:prstGeom prst="rect">
-            <a:avLst/>
-          </a:prstGeom>
-          <a:noFill/>
-        </p:spPr>
-        <p:txBody>
-          <a:bodyPr wrap="square" rtlCol="0">
-            <a:spAutoFit/>
-          </a:bodyPr>
-          <a:lstStyle/>
-          <a:p>
-            <a:pPr algn="ctr"/>
-            <a:r>
-              <a:rPr lang="en-US"/>
-              <a:t>p2a4 c1.75</a:t>
-            </a:r>
-            <a:endParaRPr lang="en-US" dirty="0"/>
-          </a:p>
-        </p:txBody>
-      </p:sp>
-      <p:pic>
-        <p:nvPicPr>
-          <p:cNvPr id="1026" name="Picture 2">
-            <a:extLst>
-              <a:ext uri="{FF2B5EF4-FFF2-40B4-BE49-F238E27FC236}">
-                <a16:creationId xmlns:a16="http://schemas.microsoft.com/office/drawing/2014/main" id="{73DA8BA8-20A0-9904-6C3A-49EE62217B97}"/>
-              </a:ext>
-            </a:extLst>
-          </p:cNvPr>
-          <p:cNvPicPr>
-            <a:picLocks noChangeAspect="1" noChangeArrowheads="1"/>
-          </p:cNvPicPr>
-          <p:nvPr/>
-        </p:nvPicPr>
-        <p:blipFill>
-          <a:blip r:embed="rId2">
-            <a:extLst>
-              <a:ext uri="{28A0092B-C50C-407E-A947-70E740481C1C}">
-                <a14:useLocalDpi xmlns:a14="http://schemas.microsoft.com/office/drawing/2010/main" val="0"/>
-              </a:ext>
-            </a:extLst>
-          </a:blip>
-          <a:srcRect/>
-          <a:stretch>
-            <a:fillRect/>
-          </a:stretch>
-        </p:blipFill>
-        <p:spPr bwMode="auto">
-          <a:xfrm>
-            <a:off x="2328862" y="1275230"/>
-            <a:ext cx="7534275" cy="4648200"/>
-          </a:xfrm>
-          <a:prstGeom prst="rect">
-            <a:avLst/>
-          </a:prstGeom>
-          <a:noFill/>
-          <a:extLst>
-            <a:ext uri="{909E8E84-426E-40DD-AFC4-6F175D3DCCD1}">
-              <a14:hiddenFill xmlns:a14="http://schemas.microsoft.com/office/drawing/2010/main">
-                <a:solidFill>
-                  <a:srgbClr val="FFFFFF"/>
-                </a:solidFill>
-              </a14:hiddenFill>
-            </a:ext>
-          </a:extLst>
-        </p:spPr>
-      </p:pic>
-    </p:spTree>
-    <p:extLst>
-      <p:ext uri="{BB962C8B-B14F-4D97-AF65-F5344CB8AC3E}">
-        <p14:creationId xmlns:p14="http://schemas.microsoft.com/office/powerpoint/2010/main" val="2054669009"/>
-      </p:ext>
-    </p:extLst>
-  </p:cSld>
-  <p:clrMapOvr>
-    <a:masterClrMapping/>
-  </p:clrMapOvr>
-</p:sld>
-</file>
-
 <file path=ppt/slides/slide2.xml><?xml version="1.0" encoding="utf-8"?>
 <p:sld xmlns:a="http://schemas.openxmlformats.org/drawingml/2006/main" xmlns:r="http://schemas.openxmlformats.org/officeDocument/2006/relationships" xmlns:p="http://schemas.openxmlformats.org/presentationml/2006/main">
   <p:cSld>
@@ -4077,7 +3962,7 @@
         </p:nvSpPr>
         <p:spPr>
           <a:xfrm>
-            <a:off x="4195482" y="1389529"/>
+            <a:off x="4267200" y="1685364"/>
             <a:ext cx="3801036" cy="761999"/>
           </a:xfrm>
           <a:prstGeom prst="rect">
@@ -4156,7 +4041,7 @@
         </p:nvSpPr>
         <p:spPr>
           <a:xfrm>
-            <a:off x="3281083" y="616788"/>
+            <a:off x="31549" y="856868"/>
             <a:ext cx="6044453" cy="369332"/>
           </a:xfrm>
           <a:prstGeom prst="rect">
@@ -4200,7 +4085,7 @@
         </p:blipFill>
         <p:spPr>
           <a:xfrm>
-            <a:off x="5988483" y="1776980"/>
+            <a:off x="6958780" y="1741121"/>
             <a:ext cx="4733512" cy="2947420"/>
           </a:xfrm>
           <a:prstGeom prst="rect">
@@ -4286,7 +4171,7 @@
         </p:blipFill>
         <p:spPr bwMode="auto">
           <a:xfrm>
-            <a:off x="2289829" y="1463024"/>
+            <a:off x="824271" y="1409236"/>
             <a:ext cx="3698654" cy="4691188"/>
           </a:xfrm>
           <a:prstGeom prst="rect">
@@ -4304,6 +4189,91 @@
           </a:extLst>
         </p:spPr>
       </p:pic>
+      <p:sp>
+        <p:nvSpPr>
+          <p:cNvPr id="2" name="Rectangle 1">
+            <a:extLst>
+              <a:ext uri="{FF2B5EF4-FFF2-40B4-BE49-F238E27FC236}">
+                <a16:creationId xmlns:a16="http://schemas.microsoft.com/office/drawing/2014/main" id="{18699468-7226-D4F3-8AC8-3A1640E62B56}"/>
+              </a:ext>
+            </a:extLst>
+          </p:cNvPr>
+          <p:cNvSpPr/>
+          <p:nvPr/>
+        </p:nvSpPr>
+        <p:spPr>
+          <a:xfrm>
+            <a:off x="977153" y="3890682"/>
+            <a:ext cx="1667435" cy="475130"/>
+          </a:xfrm>
+          <a:prstGeom prst="rect">
+            <a:avLst/>
+          </a:prstGeom>
+        </p:spPr>
+        <p:style>
+          <a:lnRef idx="2">
+            <a:schemeClr val="accent1">
+              <a:shade val="15000"/>
+            </a:schemeClr>
+          </a:lnRef>
+          <a:fillRef idx="1">
+            <a:schemeClr val="accent1"/>
+          </a:fillRef>
+          <a:effectRef idx="0">
+            <a:schemeClr val="accent1"/>
+          </a:effectRef>
+          <a:fontRef idx="minor">
+            <a:schemeClr val="lt1"/>
+          </a:fontRef>
+        </p:style>
+        <p:txBody>
+          <a:bodyPr rtlCol="0" anchor="ctr"/>
+          <a:lstStyle/>
+          <a:p>
+            <a:pPr algn="ctr"/>
+            <a:r>
+              <a:rPr lang="en-US" dirty="0"/>
+              <a:t>Add 4 pure</a:t>
+            </a:r>
+          </a:p>
+        </p:txBody>
+      </p:sp>
+      <p:sp>
+        <p:nvSpPr>
+          <p:cNvPr id="4" name="TextBox 3">
+            <a:extLst>
+              <a:ext uri="{FF2B5EF4-FFF2-40B4-BE49-F238E27FC236}">
+                <a16:creationId xmlns:a16="http://schemas.microsoft.com/office/drawing/2014/main" id="{C99AF4B2-37DC-A04A-66CB-6179820BF26E}"/>
+              </a:ext>
+            </a:extLst>
+          </p:cNvPr>
+          <p:cNvSpPr txBox="1"/>
+          <p:nvPr/>
+        </p:nvSpPr>
+        <p:spPr>
+          <a:xfrm>
+            <a:off x="6566820" y="1100976"/>
+            <a:ext cx="6044453" cy="369332"/>
+          </a:xfrm>
+          <a:prstGeom prst="rect">
+            <a:avLst/>
+          </a:prstGeom>
+          <a:noFill/>
+        </p:spPr>
+        <p:txBody>
+          <a:bodyPr wrap="square" rtlCol="0">
+            <a:spAutoFit/>
+          </a:bodyPr>
+          <a:lstStyle/>
+          <a:p>
+            <a:pPr algn="ctr"/>
+            <a:r>
+              <a:rPr lang="en-US" dirty="0"/>
+              <a:t>Possible brush morphologies (including +d)</a:t>
+            </a:r>
+          </a:p>
+        </p:txBody>
+      </p:sp>
     </p:spTree>
     <p:extLst>
       <p:ext uri="{BB962C8B-B14F-4D97-AF65-F5344CB8AC3E}">
@@ -4336,10 +4306,10 @@
       </p:grpSpPr>
       <p:sp>
         <p:nvSpPr>
-          <p:cNvPr id="9" name="TextBox 8">
-            <a:extLst>
-              <a:ext uri="{FF2B5EF4-FFF2-40B4-BE49-F238E27FC236}">
-                <a16:creationId xmlns:a16="http://schemas.microsoft.com/office/drawing/2014/main" id="{E1BE66FA-25B9-DF71-0E07-9984AFB72A9A}"/>
+          <p:cNvPr id="11" name="TextBox 10">
+            <a:extLst>
+              <a:ext uri="{FF2B5EF4-FFF2-40B4-BE49-F238E27FC236}">
+                <a16:creationId xmlns:a16="http://schemas.microsoft.com/office/drawing/2014/main" id="{FE58D8CE-0C34-4401-4099-254E30B75830}"/>
               </a:ext>
             </a:extLst>
           </p:cNvPr>
@@ -4348,90 +4318,7 @@
         </p:nvSpPr>
         <p:spPr>
           <a:xfrm>
-            <a:off x="2473596" y="150681"/>
-            <a:ext cx="7606417" cy="369332"/>
-          </a:xfrm>
-          <a:prstGeom prst="rect">
-            <a:avLst/>
-          </a:prstGeom>
-          <a:noFill/>
-        </p:spPr>
-        <p:txBody>
-          <a:bodyPr wrap="square" rtlCol="0">
-            <a:spAutoFit/>
-          </a:bodyPr>
-          <a:lstStyle/>
-          <a:p>
-            <a:pPr algn="ctr"/>
-            <a:r>
-              <a:rPr lang="en-US" dirty="0"/>
-              <a:t>Phase diagram to highlight stability region of layers and +d regions</a:t>
-            </a:r>
-          </a:p>
-        </p:txBody>
-      </p:sp>
-      <p:pic>
-        <p:nvPicPr>
-          <p:cNvPr id="1028" name="Picture 4">
-            <a:extLst>
-              <a:ext uri="{FF2B5EF4-FFF2-40B4-BE49-F238E27FC236}">
-                <a16:creationId xmlns:a16="http://schemas.microsoft.com/office/drawing/2014/main" id="{51A75D40-F910-FEAE-B401-07B0867689D0}"/>
-              </a:ext>
-            </a:extLst>
-          </p:cNvPr>
-          <p:cNvPicPr>
-            <a:picLocks noChangeAspect="1" noChangeArrowheads="1"/>
-          </p:cNvPicPr>
-          <p:nvPr/>
-        </p:nvPicPr>
-        <p:blipFill>
-          <a:blip r:embed="rId2">
-            <a:extLst>
-              <a:ext uri="{28A0092B-C50C-407E-A947-70E740481C1C}">
-                <a14:useLocalDpi xmlns:a14="http://schemas.microsoft.com/office/drawing/2010/main" val="0"/>
-              </a:ext>
-            </a:extLst>
-          </a:blip>
-          <a:srcRect/>
-          <a:stretch>
-            <a:fillRect/>
-          </a:stretch>
-        </p:blipFill>
-        <p:spPr bwMode="auto">
-          <a:xfrm>
-            <a:off x="4192933" y="630269"/>
-            <a:ext cx="3426265" cy="2691238"/>
-          </a:xfrm>
-          <a:prstGeom prst="rect">
-            <a:avLst/>
-          </a:prstGeom>
-          <a:noFill/>
-          <a:extLst>
-            <a:ext uri="{909E8E84-426E-40DD-AFC4-6F175D3DCCD1}">
-              <a14:hiddenFill xmlns:a14="http://schemas.microsoft.com/office/drawing/2010/main">
-                <a:solidFill>
-                  <a:srgbClr val="FFFFFF"/>
-                </a:solidFill>
-              </a14:hiddenFill>
-            </a:ext>
-          </a:extLst>
-        </p:spPr>
-      </p:pic>
-      <p:sp>
-        <p:nvSpPr>
-          <p:cNvPr id="11" name="TextBox 10">
-            <a:extLst>
-              <a:ext uri="{FF2B5EF4-FFF2-40B4-BE49-F238E27FC236}">
-                <a16:creationId xmlns:a16="http://schemas.microsoft.com/office/drawing/2014/main" id="{FE58D8CE-0C34-4401-4099-254E30B75830}"/>
-              </a:ext>
-            </a:extLst>
-          </p:cNvPr>
-          <p:cNvSpPr txBox="1"/>
-          <p:nvPr/>
-        </p:nvSpPr>
-        <p:spPr>
-          <a:xfrm>
-            <a:off x="2473596" y="3505450"/>
+            <a:off x="2590137" y="349874"/>
             <a:ext cx="7892023" cy="369332"/>
           </a:xfrm>
           <a:prstGeom prst="rect">
@@ -4467,7 +4354,7 @@
         </p:nvSpPr>
         <p:spPr>
           <a:xfrm>
-            <a:off x="7314904" y="4925245"/>
+            <a:off x="7486638" y="1594903"/>
             <a:ext cx="2492484" cy="865955"/>
           </a:xfrm>
           <a:prstGeom prst="rect">
@@ -4517,7 +4404,7 @@
           <p:nvPr/>
         </p:nvPicPr>
         <p:blipFill>
-          <a:blip r:embed="rId3">
+          <a:blip r:embed="rId2">
             <a:extLst>
               <a:ext uri="{28A0092B-C50C-407E-A947-70E740481C1C}">
                 <a14:useLocalDpi xmlns:a14="http://schemas.microsoft.com/office/drawing/2010/main" val="0"/>
@@ -4531,7 +4418,7 @@
         </p:blipFill>
         <p:spPr bwMode="auto">
           <a:xfrm>
-            <a:off x="3161057" y="4058725"/>
+            <a:off x="3277598" y="903149"/>
             <a:ext cx="3432080" cy="2704191"/>
           </a:xfrm>
           <a:prstGeom prst="rect">
@@ -4549,42 +4436,12 @@
           </a:extLst>
         </p:spPr>
       </p:pic>
-    </p:spTree>
-    <p:extLst>
-      <p:ext uri="{BB962C8B-B14F-4D97-AF65-F5344CB8AC3E}">
-        <p14:creationId xmlns:p14="http://schemas.microsoft.com/office/powerpoint/2010/main" val="2466849224"/>
-      </p:ext>
-    </p:extLst>
-  </p:cSld>
-  <p:clrMapOvr>
-    <a:masterClrMapping/>
-  </p:clrMapOvr>
-</p:sld>
-</file>
-
-<file path=ppt/slides/slide5.xml><?xml version="1.0" encoding="utf-8"?>
-<p:sld xmlns:a="http://schemas.openxmlformats.org/drawingml/2006/main" xmlns:r="http://schemas.openxmlformats.org/officeDocument/2006/relationships" xmlns:p="http://schemas.openxmlformats.org/presentationml/2006/main">
-  <p:cSld>
-    <p:spTree>
-      <p:nvGrpSpPr>
-        <p:cNvPr id="1" name=""/>
-        <p:cNvGrpSpPr/>
-        <p:nvPr/>
-      </p:nvGrpSpPr>
-      <p:grpSpPr>
-        <a:xfrm>
-          <a:off x="0" y="0"/>
-          <a:ext cx="0" cy="0"/>
-          <a:chOff x="0" y="0"/>
-          <a:chExt cx="0" cy="0"/>
-        </a:xfrm>
-      </p:grpSpPr>
       <p:sp>
         <p:nvSpPr>
           <p:cNvPr id="2" name="Rectangle 1">
             <a:extLst>
               <a:ext uri="{FF2B5EF4-FFF2-40B4-BE49-F238E27FC236}">
-                <a16:creationId xmlns:a16="http://schemas.microsoft.com/office/drawing/2014/main" id="{FD075E9C-16CC-AA2C-104F-A4F5F2B898C8}"/>
+                <a16:creationId xmlns:a16="http://schemas.microsoft.com/office/drawing/2014/main" id="{CBEF4323-C2D1-BDA3-7B52-A1BF43299919}"/>
               </a:ext>
             </a:extLst>
           </p:cNvPr>
@@ -4593,8 +4450,8 @@
         </p:nvSpPr>
         <p:spPr>
           <a:xfrm>
-            <a:off x="4521895" y="2919577"/>
-            <a:ext cx="3290047" cy="1430150"/>
+            <a:off x="1254396" y="1769669"/>
+            <a:ext cx="2671482" cy="516425"/>
           </a:xfrm>
           <a:prstGeom prst="rect">
             <a:avLst/>
@@ -4623,7 +4480,15 @@
             <a:pPr algn="ctr"/>
             <a:r>
               <a:rPr lang="en-US" dirty="0"/>
-              <a:t>Population of chains diagram (vertical, 1C includes, 2C includes, etc. d at the top)</a:t>
+              <a:t>100</a:t>
+            </a:r>
+            <a:r>
+              <a:rPr lang="en-US" baseline="30000" dirty="0"/>
+              <a:t>th</a:t>
+            </a:r>
+            <a:r>
+              <a:rPr lang="en-US" dirty="0"/>
+              <a:t> (mid-point)</a:t>
             </a:r>
           </a:p>
         </p:txBody>
@@ -4631,7 +4496,7 @@
     </p:spTree>
     <p:extLst>
       <p:ext uri="{BB962C8B-B14F-4D97-AF65-F5344CB8AC3E}">
-        <p14:creationId xmlns:p14="http://schemas.microsoft.com/office/powerpoint/2010/main" val="25558220"/>
+        <p14:creationId xmlns:p14="http://schemas.microsoft.com/office/powerpoint/2010/main" val="2466849224"/>
       </p:ext>
     </p:extLst>
   </p:cSld>
@@ -4641,7 +4506,7 @@
 </p:sld>
 </file>
 
-<file path=ppt/slides/slide6.xml><?xml version="1.0" encoding="utf-8"?>
+<file path=ppt/slides/slide5.xml><?xml version="1.0" encoding="utf-8"?>
 <p:sld xmlns:a="http://schemas.openxmlformats.org/drawingml/2006/main" xmlns:r="http://schemas.openxmlformats.org/officeDocument/2006/relationships" xmlns:p="http://schemas.openxmlformats.org/presentationml/2006/main">
   <p:cSld>
     <p:spTree>
@@ -5033,10 +4898,176 @@
           </a:p>
         </p:txBody>
       </p:sp>
+      <p:cxnSp>
+        <p:nvCxnSpPr>
+          <p:cNvPr id="2" name="Straight Connector 1">
+            <a:extLst>
+              <a:ext uri="{FF2B5EF4-FFF2-40B4-BE49-F238E27FC236}">
+                <a16:creationId xmlns:a16="http://schemas.microsoft.com/office/drawing/2014/main" id="{D61FA05B-0582-5475-7A35-21E294EC46AE}"/>
+              </a:ext>
+            </a:extLst>
+          </p:cNvPr>
+          <p:cNvCxnSpPr>
+            <a:cxnSpLocks/>
+          </p:cNvCxnSpPr>
+          <p:nvPr/>
+        </p:nvCxnSpPr>
+        <p:spPr>
+          <a:xfrm>
+            <a:off x="6367486" y="4133174"/>
+            <a:ext cx="0" cy="427018"/>
+          </a:xfrm>
+          <a:prstGeom prst="line">
+            <a:avLst/>
+          </a:prstGeom>
+          <a:ln w="19050">
+            <a:solidFill>
+              <a:schemeClr val="tx1"/>
+            </a:solidFill>
+          </a:ln>
+        </p:spPr>
+        <p:style>
+          <a:lnRef idx="1">
+            <a:schemeClr val="accent1"/>
+          </a:lnRef>
+          <a:fillRef idx="0">
+            <a:schemeClr val="accent1"/>
+          </a:fillRef>
+          <a:effectRef idx="0">
+            <a:schemeClr val="accent1"/>
+          </a:effectRef>
+          <a:fontRef idx="minor">
+            <a:schemeClr val="tx1"/>
+          </a:fontRef>
+        </p:style>
+      </p:cxnSp>
     </p:spTree>
     <p:extLst>
       <p:ext uri="{BB962C8B-B14F-4D97-AF65-F5344CB8AC3E}">
         <p14:creationId xmlns:p14="http://schemas.microsoft.com/office/powerpoint/2010/main" val="1951971088"/>
+      </p:ext>
+    </p:extLst>
+  </p:cSld>
+  <p:clrMapOvr>
+    <a:masterClrMapping/>
+  </p:clrMapOvr>
+</p:sld>
+</file>
+
+<file path=ppt/slides/slide6.xml><?xml version="1.0" encoding="utf-8"?>
+<p:sld xmlns:a="http://schemas.openxmlformats.org/drawingml/2006/main" xmlns:r="http://schemas.openxmlformats.org/officeDocument/2006/relationships" xmlns:p="http://schemas.openxmlformats.org/presentationml/2006/main">
+  <p:cSld>
+    <p:spTree>
+      <p:nvGrpSpPr>
+        <p:cNvPr id="1" name=""/>
+        <p:cNvGrpSpPr/>
+        <p:nvPr/>
+      </p:nvGrpSpPr>
+      <p:grpSpPr>
+        <a:xfrm>
+          <a:off x="0" y="0"/>
+          <a:ext cx="0" cy="0"/>
+          <a:chOff x="0" y="0"/>
+          <a:chExt cx="0" cy="0"/>
+        </a:xfrm>
+      </p:grpSpPr>
+      <p:sp>
+        <p:nvSpPr>
+          <p:cNvPr id="44" name="Rectangle 43">
+            <a:extLst>
+              <a:ext uri="{FF2B5EF4-FFF2-40B4-BE49-F238E27FC236}">
+                <a16:creationId xmlns:a16="http://schemas.microsoft.com/office/drawing/2014/main" id="{F21BF92C-199F-AE2A-8DE4-9937F0109AF5}"/>
+              </a:ext>
+            </a:extLst>
+          </p:cNvPr>
+          <p:cNvSpPr/>
+          <p:nvPr/>
+        </p:nvSpPr>
+        <p:spPr>
+          <a:xfrm>
+            <a:off x="2151528" y="3012149"/>
+            <a:ext cx="4222377" cy="753037"/>
+          </a:xfrm>
+          <a:prstGeom prst="rect">
+            <a:avLst/>
+          </a:prstGeom>
+        </p:spPr>
+        <p:style>
+          <a:lnRef idx="2">
+            <a:schemeClr val="accent1">
+              <a:shade val="15000"/>
+            </a:schemeClr>
+          </a:lnRef>
+          <a:fillRef idx="1">
+            <a:schemeClr val="accent1"/>
+          </a:fillRef>
+          <a:effectRef idx="0">
+            <a:schemeClr val="accent1"/>
+          </a:effectRef>
+          <a:fontRef idx="minor">
+            <a:schemeClr val="lt1"/>
+          </a:fontRef>
+        </p:style>
+        <p:txBody>
+          <a:bodyPr rtlCol="0" anchor="ctr"/>
+          <a:lstStyle/>
+          <a:p>
+            <a:pPr algn="ctr"/>
+            <a:r>
+              <a:rPr lang="en-US" dirty="0"/>
+              <a:t>Force for alpha = 0.4</a:t>
+            </a:r>
+          </a:p>
+        </p:txBody>
+      </p:sp>
+      <p:sp>
+        <p:nvSpPr>
+          <p:cNvPr id="45" name="TextBox 44">
+            <a:extLst>
+              <a:ext uri="{FF2B5EF4-FFF2-40B4-BE49-F238E27FC236}">
+                <a16:creationId xmlns:a16="http://schemas.microsoft.com/office/drawing/2014/main" id="{4C1E67DF-55B4-48C2-4E87-64E87A4386F1}"/>
+              </a:ext>
+            </a:extLst>
+          </p:cNvPr>
+          <p:cNvSpPr txBox="1"/>
+          <p:nvPr/>
+        </p:nvSpPr>
+        <p:spPr>
+          <a:xfrm>
+            <a:off x="6463552" y="3105834"/>
+            <a:ext cx="4442013" cy="646331"/>
+          </a:xfrm>
+          <a:prstGeom prst="rect">
+            <a:avLst/>
+          </a:prstGeom>
+          <a:noFill/>
+        </p:spPr>
+        <p:txBody>
+          <a:bodyPr wrap="square" rtlCol="0">
+            <a:spAutoFit/>
+          </a:bodyPr>
+          <a:lstStyle/>
+          <a:p>
+            <a:pPr algn="ctr"/>
+            <a:r>
+              <a:rPr lang="en-US" dirty="0"/>
+              <a:t>Could be interesting for detecting </a:t>
+            </a:r>
+            <a:r>
+              <a:rPr lang="en-US" dirty="0" err="1"/>
+              <a:t>xC+d</a:t>
+            </a:r>
+            <a:r>
+              <a:rPr lang="en-US" dirty="0"/>
+              <a:t>? Have not done enough calculations to know yet</a:t>
+            </a:r>
+          </a:p>
+        </p:txBody>
+      </p:sp>
+    </p:spTree>
+    <p:extLst>
+      <p:ext uri="{BB962C8B-B14F-4D97-AF65-F5344CB8AC3E}">
+        <p14:creationId xmlns:p14="http://schemas.microsoft.com/office/powerpoint/2010/main" val="2678567043"/>
       </p:ext>
     </p:extLst>
   </p:cSld>
@@ -5065,129 +5096,6 @@
       </p:grpSpPr>
       <p:sp>
         <p:nvSpPr>
-          <p:cNvPr id="44" name="Rectangle 43">
-            <a:extLst>
-              <a:ext uri="{FF2B5EF4-FFF2-40B4-BE49-F238E27FC236}">
-                <a16:creationId xmlns:a16="http://schemas.microsoft.com/office/drawing/2014/main" id="{F21BF92C-199F-AE2A-8DE4-9937F0109AF5}"/>
-              </a:ext>
-            </a:extLst>
-          </p:cNvPr>
-          <p:cNvSpPr/>
-          <p:nvPr/>
-        </p:nvSpPr>
-        <p:spPr>
-          <a:xfrm>
-            <a:off x="2151528" y="3012149"/>
-            <a:ext cx="4222377" cy="753037"/>
-          </a:xfrm>
-          <a:prstGeom prst="rect">
-            <a:avLst/>
-          </a:prstGeom>
-        </p:spPr>
-        <p:style>
-          <a:lnRef idx="2">
-            <a:schemeClr val="accent1">
-              <a:shade val="15000"/>
-            </a:schemeClr>
-          </a:lnRef>
-          <a:fillRef idx="1">
-            <a:schemeClr val="accent1"/>
-          </a:fillRef>
-          <a:effectRef idx="0">
-            <a:schemeClr val="accent1"/>
-          </a:effectRef>
-          <a:fontRef idx="minor">
-            <a:schemeClr val="lt1"/>
-          </a:fontRef>
-        </p:style>
-        <p:txBody>
-          <a:bodyPr rtlCol="0" anchor="ctr"/>
-          <a:lstStyle/>
-          <a:p>
-            <a:pPr algn="ctr"/>
-            <a:r>
-              <a:rPr lang="en-US" dirty="0"/>
-              <a:t>Force for alpha = 0.4</a:t>
-            </a:r>
-          </a:p>
-        </p:txBody>
-      </p:sp>
-      <p:sp>
-        <p:nvSpPr>
-          <p:cNvPr id="45" name="TextBox 44">
-            <a:extLst>
-              <a:ext uri="{FF2B5EF4-FFF2-40B4-BE49-F238E27FC236}">
-                <a16:creationId xmlns:a16="http://schemas.microsoft.com/office/drawing/2014/main" id="{4C1E67DF-55B4-48C2-4E87-64E87A4386F1}"/>
-              </a:ext>
-            </a:extLst>
-          </p:cNvPr>
-          <p:cNvSpPr txBox="1"/>
-          <p:nvPr/>
-        </p:nvSpPr>
-        <p:spPr>
-          <a:xfrm>
-            <a:off x="6463552" y="3105834"/>
-            <a:ext cx="4442013" cy="646331"/>
-          </a:xfrm>
-          <a:prstGeom prst="rect">
-            <a:avLst/>
-          </a:prstGeom>
-          <a:noFill/>
-        </p:spPr>
-        <p:txBody>
-          <a:bodyPr wrap="square" rtlCol="0">
-            <a:spAutoFit/>
-          </a:bodyPr>
-          <a:lstStyle/>
-          <a:p>
-            <a:pPr algn="ctr"/>
-            <a:r>
-              <a:rPr lang="en-US" dirty="0"/>
-              <a:t>Could be interesting for detecting </a:t>
-            </a:r>
-            <a:r>
-              <a:rPr lang="en-US" dirty="0" err="1"/>
-              <a:t>xC+d</a:t>
-            </a:r>
-            <a:r>
-              <a:rPr lang="en-US" dirty="0"/>
-              <a:t>? Have not done enough calculations to know yet</a:t>
-            </a:r>
-          </a:p>
-        </p:txBody>
-      </p:sp>
-    </p:spTree>
-    <p:extLst>
-      <p:ext uri="{BB962C8B-B14F-4D97-AF65-F5344CB8AC3E}">
-        <p14:creationId xmlns:p14="http://schemas.microsoft.com/office/powerpoint/2010/main" val="2678567043"/>
-      </p:ext>
-    </p:extLst>
-  </p:cSld>
-  <p:clrMapOvr>
-    <a:masterClrMapping/>
-  </p:clrMapOvr>
-</p:sld>
-</file>
-
-<file path=ppt/slides/slide8.xml><?xml version="1.0" encoding="utf-8"?>
-<p:sld xmlns:a="http://schemas.openxmlformats.org/drawingml/2006/main" xmlns:r="http://schemas.openxmlformats.org/officeDocument/2006/relationships" xmlns:p="http://schemas.openxmlformats.org/presentationml/2006/main">
-  <p:cSld>
-    <p:spTree>
-      <p:nvGrpSpPr>
-        <p:cNvPr id="1" name=""/>
-        <p:cNvGrpSpPr/>
-        <p:nvPr/>
-      </p:nvGrpSpPr>
-      <p:grpSpPr>
-        <a:xfrm>
-          <a:off x="0" y="0"/>
-          <a:ext cx="0" cy="0"/>
-          <a:chOff x="0" y="0"/>
-          <a:chExt cx="0" cy="0"/>
-        </a:xfrm>
-      </p:grpSpPr>
-      <p:sp>
-        <p:nvSpPr>
           <p:cNvPr id="2" name="Title 1">
             <a:extLst>
               <a:ext uri="{FF2B5EF4-FFF2-40B4-BE49-F238E27FC236}">
@@ -5252,7 +5160,7 @@
 </p:sld>
 </file>
 
-<file path=ppt/slides/slide9.xml><?xml version="1.0" encoding="utf-8"?>
+<file path=ppt/slides/slide8.xml><?xml version="1.0" encoding="utf-8"?>
 <p:sld xmlns:a="http://schemas.openxmlformats.org/drawingml/2006/main" xmlns:r="http://schemas.openxmlformats.org/officeDocument/2006/relationships" xmlns:p="http://schemas.openxmlformats.org/presentationml/2006/main">
   <p:cSld>
     <p:spTree>
@@ -5403,6 +5311,119 @@
     <p:extLst>
       <p:ext uri="{BB962C8B-B14F-4D97-AF65-F5344CB8AC3E}">
         <p14:creationId xmlns:p14="http://schemas.microsoft.com/office/powerpoint/2010/main" val="2615429125"/>
+      </p:ext>
+    </p:extLst>
+  </p:cSld>
+  <p:clrMapOvr>
+    <a:masterClrMapping/>
+  </p:clrMapOvr>
+</p:sld>
+</file>
+
+<file path=ppt/slides/slide9.xml><?xml version="1.0" encoding="utf-8"?>
+<p:sld xmlns:a="http://schemas.openxmlformats.org/drawingml/2006/main" xmlns:r="http://schemas.openxmlformats.org/officeDocument/2006/relationships" xmlns:p="http://schemas.openxmlformats.org/presentationml/2006/main">
+  <p:cSld>
+    <p:spTree>
+      <p:nvGrpSpPr>
+        <p:cNvPr id="1" name=""/>
+        <p:cNvGrpSpPr/>
+        <p:nvPr/>
+      </p:nvGrpSpPr>
+      <p:grpSpPr>
+        <a:xfrm>
+          <a:off x="0" y="0"/>
+          <a:ext cx="0" cy="0"/>
+          <a:chOff x="0" y="0"/>
+          <a:chExt cx="0" cy="0"/>
+        </a:xfrm>
+      </p:grpSpPr>
+      <p:sp>
+        <p:nvSpPr>
+          <p:cNvPr id="2" name="TextBox 1">
+            <a:extLst>
+              <a:ext uri="{FF2B5EF4-FFF2-40B4-BE49-F238E27FC236}">
+                <a16:creationId xmlns:a16="http://schemas.microsoft.com/office/drawing/2014/main" id="{2D0BBCAA-5054-475B-7AB1-38BC066C2AF9}"/>
+              </a:ext>
+            </a:extLst>
+          </p:cNvPr>
+          <p:cNvSpPr txBox="1"/>
+          <p:nvPr/>
+        </p:nvSpPr>
+        <p:spPr>
+          <a:xfrm>
+            <a:off x="5185913" y="172527"/>
+            <a:ext cx="1820174" cy="369332"/>
+          </a:xfrm>
+          <a:prstGeom prst="rect">
+            <a:avLst/>
+          </a:prstGeom>
+          <a:noFill/>
+        </p:spPr>
+        <p:txBody>
+          <a:bodyPr wrap="square" rtlCol="0">
+            <a:spAutoFit/>
+          </a:bodyPr>
+          <a:lstStyle/>
+          <a:p>
+            <a:pPr algn="ctr"/>
+            <a:r>
+              <a:rPr lang="en-US" dirty="0"/>
+              <a:t>p2a4 c1.75</a:t>
+            </a:r>
+          </a:p>
+        </p:txBody>
+      </p:sp>
+      <p:pic>
+        <p:nvPicPr>
+          <p:cNvPr id="1026" name="Picture 2">
+            <a:extLst>
+              <a:ext uri="{FF2B5EF4-FFF2-40B4-BE49-F238E27FC236}">
+                <a16:creationId xmlns:a16="http://schemas.microsoft.com/office/drawing/2014/main" id="{73DA8BA8-20A0-9904-6C3A-49EE62217B97}"/>
+              </a:ext>
+            </a:extLst>
+          </p:cNvPr>
+          <p:cNvPicPr>
+            <a:picLocks noChangeAspect="1" noChangeArrowheads="1"/>
+          </p:cNvPicPr>
+          <p:nvPr/>
+        </p:nvPicPr>
+        <p:blipFill>
+          <a:blip r:embed="rId2">
+            <a:extLst>
+              <a:ext uri="{28A0092B-C50C-407E-A947-70E740481C1C}">
+                <a14:useLocalDpi xmlns:a14="http://schemas.microsoft.com/office/drawing/2010/main" val="0"/>
+              </a:ext>
+            </a:extLst>
+          </a:blip>
+          <a:srcRect/>
+          <a:stretch>
+            <a:fillRect/>
+          </a:stretch>
+        </p:blipFill>
+        <p:spPr bwMode="auto">
+          <a:xfrm>
+            <a:off x="2328862" y="1275230"/>
+            <a:ext cx="7534275" cy="4648200"/>
+          </a:xfrm>
+          <a:prstGeom prst="rect">
+            <a:avLst/>
+          </a:prstGeom>
+          <a:noFill/>
+          <a:extLst>
+            <a:ext uri="{909E8E84-426E-40DD-AFC4-6F175D3DCCD1}">
+              <a14:hiddenFill xmlns:a14="http://schemas.microsoft.com/office/drawing/2010/main">
+                <a:solidFill>
+                  <a:srgbClr val="FFFFFF"/>
+                </a:solidFill>
+              </a14:hiddenFill>
+            </a:ext>
+          </a:extLst>
+        </p:spPr>
+      </p:pic>
+    </p:spTree>
+    <p:extLst>
+      <p:ext uri="{BB962C8B-B14F-4D97-AF65-F5344CB8AC3E}">
+        <p14:creationId xmlns:p14="http://schemas.microsoft.com/office/powerpoint/2010/main" val="2054669009"/>
       </p:ext>
     </p:extLst>
   </p:cSld>

--- a/SYSG.pptx
+++ b/SYSG.pptx
@@ -216,7 +216,7 @@
           <a:p>
             <a:fld id="{9DB45F93-D156-4AE8-B29F-58D76D05F0C5}" type="datetimeFigureOut">
               <a:rPr lang="en-US" smtClean="0"/>
-              <a:t>11/17/2023</a:t>
+              <a:t>11/20/2023</a:t>
             </a:fld>
             <a:endParaRPr lang="en-US"/>
           </a:p>
@@ -798,7 +798,7 @@
           <a:p>
             <a:fld id="{88C60456-FB3B-4026-A5DC-EEEFAE77261F}" type="datetimeFigureOut">
               <a:rPr lang="en-US" smtClean="0"/>
-              <a:t>11/17/2023</a:t>
+              <a:t>11/20/2023</a:t>
             </a:fld>
             <a:endParaRPr lang="en-US"/>
           </a:p>
@@ -996,7 +996,7 @@
           <a:p>
             <a:fld id="{88C60456-FB3B-4026-A5DC-EEEFAE77261F}" type="datetimeFigureOut">
               <a:rPr lang="en-US" smtClean="0"/>
-              <a:t>11/17/2023</a:t>
+              <a:t>11/20/2023</a:t>
             </a:fld>
             <a:endParaRPr lang="en-US"/>
           </a:p>
@@ -1204,7 +1204,7 @@
           <a:p>
             <a:fld id="{88C60456-FB3B-4026-A5DC-EEEFAE77261F}" type="datetimeFigureOut">
               <a:rPr lang="en-US" smtClean="0"/>
-              <a:t>11/17/2023</a:t>
+              <a:t>11/20/2023</a:t>
             </a:fld>
             <a:endParaRPr lang="en-US"/>
           </a:p>
@@ -1402,7 +1402,7 @@
           <a:p>
             <a:fld id="{88C60456-FB3B-4026-A5DC-EEEFAE77261F}" type="datetimeFigureOut">
               <a:rPr lang="en-US" smtClean="0"/>
-              <a:t>11/17/2023</a:t>
+              <a:t>11/20/2023</a:t>
             </a:fld>
             <a:endParaRPr lang="en-US"/>
           </a:p>
@@ -1677,7 +1677,7 @@
           <a:p>
             <a:fld id="{88C60456-FB3B-4026-A5DC-EEEFAE77261F}" type="datetimeFigureOut">
               <a:rPr lang="en-US" smtClean="0"/>
-              <a:t>11/17/2023</a:t>
+              <a:t>11/20/2023</a:t>
             </a:fld>
             <a:endParaRPr lang="en-US"/>
           </a:p>
@@ -1942,7 +1942,7 @@
           <a:p>
             <a:fld id="{88C60456-FB3B-4026-A5DC-EEEFAE77261F}" type="datetimeFigureOut">
               <a:rPr lang="en-US" smtClean="0"/>
-              <a:t>11/17/2023</a:t>
+              <a:t>11/20/2023</a:t>
             </a:fld>
             <a:endParaRPr lang="en-US"/>
           </a:p>
@@ -2354,7 +2354,7 @@
           <a:p>
             <a:fld id="{88C60456-FB3B-4026-A5DC-EEEFAE77261F}" type="datetimeFigureOut">
               <a:rPr lang="en-US" smtClean="0"/>
-              <a:t>11/17/2023</a:t>
+              <a:t>11/20/2023</a:t>
             </a:fld>
             <a:endParaRPr lang="en-US"/>
           </a:p>
@@ -2495,7 +2495,7 @@
           <a:p>
             <a:fld id="{88C60456-FB3B-4026-A5DC-EEEFAE77261F}" type="datetimeFigureOut">
               <a:rPr lang="en-US" smtClean="0"/>
-              <a:t>11/17/2023</a:t>
+              <a:t>11/20/2023</a:t>
             </a:fld>
             <a:endParaRPr lang="en-US"/>
           </a:p>
@@ -2608,7 +2608,7 @@
           <a:p>
             <a:fld id="{88C60456-FB3B-4026-A5DC-EEEFAE77261F}" type="datetimeFigureOut">
               <a:rPr lang="en-US" smtClean="0"/>
-              <a:t>11/17/2023</a:t>
+              <a:t>11/20/2023</a:t>
             </a:fld>
             <a:endParaRPr lang="en-US"/>
           </a:p>
@@ -2919,7 +2919,7 @@
           <a:p>
             <a:fld id="{88C60456-FB3B-4026-A5DC-EEEFAE77261F}" type="datetimeFigureOut">
               <a:rPr lang="en-US" smtClean="0"/>
-              <a:t>11/17/2023</a:t>
+              <a:t>11/20/2023</a:t>
             </a:fld>
             <a:endParaRPr lang="en-US"/>
           </a:p>
@@ -3207,7 +3207,7 @@
           <a:p>
             <a:fld id="{88C60456-FB3B-4026-A5DC-EEEFAE77261F}" type="datetimeFigureOut">
               <a:rPr lang="en-US" smtClean="0"/>
-              <a:t>11/17/2023</a:t>
+              <a:t>11/20/2023</a:t>
             </a:fld>
             <a:endParaRPr lang="en-US"/>
           </a:p>
@@ -3448,7 +3448,7 @@
           <a:p>
             <a:fld id="{88C60456-FB3B-4026-A5DC-EEEFAE77261F}" type="datetimeFigureOut">
               <a:rPr lang="en-US" smtClean="0"/>
-              <a:t>11/17/2023</a:t>
+              <a:t>11/20/2023</a:t>
             </a:fld>
             <a:endParaRPr lang="en-US"/>
           </a:p>
@@ -4985,7 +4985,7 @@
         </p:nvSpPr>
         <p:spPr>
           <a:xfrm>
-            <a:off x="2151528" y="3012149"/>
+            <a:off x="4096869" y="2976290"/>
             <a:ext cx="4222377" cy="753037"/>
           </a:xfrm>
           <a:prstGeom prst="rect">
@@ -5015,51 +5015,7 @@
             <a:pPr algn="ctr"/>
             <a:r>
               <a:rPr lang="en-US" dirty="0"/>
-              <a:t>Force for alpha = 0.4</a:t>
-            </a:r>
-          </a:p>
-        </p:txBody>
-      </p:sp>
-      <p:sp>
-        <p:nvSpPr>
-          <p:cNvPr id="45" name="TextBox 44">
-            <a:extLst>
-              <a:ext uri="{FF2B5EF4-FFF2-40B4-BE49-F238E27FC236}">
-                <a16:creationId xmlns:a16="http://schemas.microsoft.com/office/drawing/2014/main" id="{4C1E67DF-55B4-48C2-4E87-64E87A4386F1}"/>
-              </a:ext>
-            </a:extLst>
-          </p:cNvPr>
-          <p:cNvSpPr txBox="1"/>
-          <p:nvPr/>
-        </p:nvSpPr>
-        <p:spPr>
-          <a:xfrm>
-            <a:off x="6463552" y="3105834"/>
-            <a:ext cx="4442013" cy="646331"/>
-          </a:xfrm>
-          <a:prstGeom prst="rect">
-            <a:avLst/>
-          </a:prstGeom>
-          <a:noFill/>
-        </p:spPr>
-        <p:txBody>
-          <a:bodyPr wrap="square" rtlCol="0">
-            <a:spAutoFit/>
-          </a:bodyPr>
-          <a:lstStyle/>
-          <a:p>
-            <a:pPr algn="ctr"/>
-            <a:r>
-              <a:rPr lang="en-US" dirty="0"/>
-              <a:t>Could be interesting for detecting </a:t>
-            </a:r>
-            <a:r>
-              <a:rPr lang="en-US" dirty="0" err="1"/>
-              <a:t>xC+d</a:t>
-            </a:r>
-            <a:r>
-              <a:rPr lang="en-US" dirty="0"/>
-              <a:t>? Have not done enough calculations to know yet</a:t>
+              <a:t>Force for alpha = 0.4, 2C</a:t>
             </a:r>
           </a:p>
         </p:txBody>
@@ -5402,8 +5358,8 @@
         </p:blipFill>
         <p:spPr bwMode="auto">
           <a:xfrm>
-            <a:off x="2328862" y="1275230"/>
-            <a:ext cx="7534275" cy="4648200"/>
+            <a:off x="508689" y="1685364"/>
+            <a:ext cx="6142942" cy="3789830"/>
           </a:xfrm>
           <a:prstGeom prst="rect">
             <a:avLst/>
@@ -5420,6 +5376,102 @@
           </a:extLst>
         </p:spPr>
       </p:pic>
+      <p:sp>
+        <p:nvSpPr>
+          <p:cNvPr id="3" name="TextBox 2">
+            <a:extLst>
+              <a:ext uri="{FF2B5EF4-FFF2-40B4-BE49-F238E27FC236}">
+                <a16:creationId xmlns:a16="http://schemas.microsoft.com/office/drawing/2014/main" id="{4A7E67EB-DABA-8DB2-ACC0-E72581944703}"/>
+              </a:ext>
+            </a:extLst>
+          </p:cNvPr>
+          <p:cNvSpPr txBox="1"/>
+          <p:nvPr/>
+        </p:nvSpPr>
+        <p:spPr>
+          <a:xfrm>
+            <a:off x="7458635" y="2133601"/>
+            <a:ext cx="3505200" cy="1754326"/>
+          </a:xfrm>
+          <a:prstGeom prst="rect">
+            <a:avLst/>
+          </a:prstGeom>
+          <a:noFill/>
+        </p:spPr>
+        <p:txBody>
+          <a:bodyPr wrap="square" rtlCol="0">
+            <a:spAutoFit/>
+          </a:bodyPr>
+          <a:lstStyle/>
+          <a:p>
+            <a:r>
+              <a:rPr lang="en-US" dirty="0"/>
+              <a:t>All expected confs present </a:t>
+            </a:r>
+            <a:endParaRPr lang="en-US" dirty="0">
+              <a:sym typeface="Wingdings" panose="05000000000000000000" pitchFamily="2" charset="2"/>
+            </a:endParaRPr>
+          </a:p>
+          <a:p>
+            <a:pPr marL="285750" indent="-285750">
+              <a:buFont typeface="Arial" panose="020B0604020202020204" pitchFamily="34" charset="0"/>
+              <a:buChar char="•"/>
+            </a:pPr>
+            <a:r>
+              <a:rPr lang="en-US" dirty="0">
+                <a:sym typeface="Wingdings" panose="05000000000000000000" pitchFamily="2" charset="2"/>
+              </a:rPr>
+              <a:t>20 for 1C </a:t>
+            </a:r>
+          </a:p>
+          <a:p>
+            <a:pPr marL="285750" indent="-285750">
+              <a:buFont typeface="Arial" panose="020B0604020202020204" pitchFamily="34" charset="0"/>
+              <a:buChar char="•"/>
+            </a:pPr>
+            <a:r>
+              <a:rPr lang="en-US" dirty="0">
+                <a:sym typeface="Wingdings" panose="05000000000000000000" pitchFamily="2" charset="2"/>
+              </a:rPr>
+              <a:t>25 for 3C</a:t>
+            </a:r>
+          </a:p>
+          <a:p>
+            <a:pPr marL="285750" indent="-285750">
+              <a:buFont typeface="Arial" panose="020B0604020202020204" pitchFamily="34" charset="0"/>
+              <a:buChar char="•"/>
+            </a:pPr>
+            <a:r>
+              <a:rPr lang="en-US" dirty="0">
+                <a:sym typeface="Wingdings" panose="05000000000000000000" pitchFamily="2" charset="2"/>
+              </a:rPr>
+              <a:t>30 for 4C </a:t>
+            </a:r>
+          </a:p>
+          <a:p>
+            <a:pPr marL="285750" indent="-285750">
+              <a:buFont typeface="Arial" panose="020B0604020202020204" pitchFamily="34" charset="0"/>
+              <a:buChar char="•"/>
+            </a:pPr>
+            <a:endParaRPr lang="en-US" dirty="0">
+              <a:sym typeface="Wingdings" panose="05000000000000000000" pitchFamily="2" charset="2"/>
+            </a:endParaRPr>
+          </a:p>
+          <a:p>
+            <a:pPr marL="285750" indent="-285750">
+              <a:buFont typeface="Arial" panose="020B0604020202020204" pitchFamily="34" charset="0"/>
+              <a:buChar char="•"/>
+            </a:pPr>
+            <a:r>
+              <a:rPr lang="en-US" dirty="0">
+                <a:sym typeface="Wingdings" panose="05000000000000000000" pitchFamily="2" charset="2"/>
+              </a:rPr>
+              <a:t>No 2C? </a:t>
+            </a:r>
+            <a:endParaRPr lang="en-US" dirty="0"/>
+          </a:p>
+        </p:txBody>
+      </p:sp>
     </p:spTree>
     <p:extLst>
       <p:ext uri="{BB962C8B-B14F-4D97-AF65-F5344CB8AC3E}">

--- a/SYSG.pptx
+++ b/SYSG.pptx
@@ -216,7 +216,7 @@
           <a:p>
             <a:fld id="{9DB45F93-D156-4AE8-B29F-58D76D05F0C5}" type="datetimeFigureOut">
               <a:rPr lang="en-US" smtClean="0"/>
-              <a:t>11/20/2023</a:t>
+              <a:t>11/21/2023</a:t>
             </a:fld>
             <a:endParaRPr lang="en-US"/>
           </a:p>
@@ -632,6 +632,90 @@
           <a:p>
             <a:fld id="{C274715F-B38D-4FF4-A3CF-827D419B9D44}" type="slidenum">
               <a:rPr lang="en-US" smtClean="0"/>
+              <a:t>4</a:t>
+            </a:fld>
+            <a:endParaRPr lang="en-US"/>
+          </a:p>
+        </p:txBody>
+      </p:sp>
+    </p:spTree>
+    <p:extLst>
+      <p:ext uri="{BB962C8B-B14F-4D97-AF65-F5344CB8AC3E}">
+        <p14:creationId xmlns:p14="http://schemas.microsoft.com/office/powerpoint/2010/main" val="1713830985"/>
+      </p:ext>
+    </p:extLst>
+  </p:cSld>
+  <p:clrMapOvr>
+    <a:masterClrMapping/>
+  </p:clrMapOvr>
+</p:notes>
+</file>
+
+<file path=ppt/notesSlides/notesSlide3.xml><?xml version="1.0" encoding="utf-8"?>
+<p:notes xmlns:a="http://schemas.openxmlformats.org/drawingml/2006/main" xmlns:r="http://schemas.openxmlformats.org/officeDocument/2006/relationships" xmlns:p="http://schemas.openxmlformats.org/presentationml/2006/main">
+  <p:cSld>
+    <p:spTree>
+      <p:nvGrpSpPr>
+        <p:cNvPr id="1" name=""/>
+        <p:cNvGrpSpPr/>
+        <p:nvPr/>
+      </p:nvGrpSpPr>
+      <p:grpSpPr>
+        <a:xfrm>
+          <a:off x="0" y="0"/>
+          <a:ext cx="0" cy="0"/>
+          <a:chOff x="0" y="0"/>
+          <a:chExt cx="0" cy="0"/>
+        </a:xfrm>
+      </p:grpSpPr>
+      <p:sp>
+        <p:nvSpPr>
+          <p:cNvPr id="2" name="Slide Image Placeholder 1"/>
+          <p:cNvSpPr>
+            <a:spLocks noGrp="1" noRot="1" noChangeAspect="1"/>
+          </p:cNvSpPr>
+          <p:nvPr>
+            <p:ph type="sldImg"/>
+          </p:nvPr>
+        </p:nvSpPr>
+        <p:spPr/>
+      </p:sp>
+      <p:sp>
+        <p:nvSpPr>
+          <p:cNvPr id="3" name="Notes Placeholder 2"/>
+          <p:cNvSpPr>
+            <a:spLocks noGrp="1"/>
+          </p:cNvSpPr>
+          <p:nvPr>
+            <p:ph type="body" idx="1"/>
+          </p:nvPr>
+        </p:nvSpPr>
+        <p:spPr/>
+        <p:txBody>
+          <a:bodyPr/>
+          <a:lstStyle/>
+          <a:p>
+            <a:endParaRPr lang="en-US" dirty="0"/>
+          </a:p>
+        </p:txBody>
+      </p:sp>
+      <p:sp>
+        <p:nvSpPr>
+          <p:cNvPr id="4" name="Slide Number Placeholder 3"/>
+          <p:cNvSpPr>
+            <a:spLocks noGrp="1"/>
+          </p:cNvSpPr>
+          <p:nvPr>
+            <p:ph type="sldNum" sz="quarter" idx="5"/>
+          </p:nvPr>
+        </p:nvSpPr>
+        <p:spPr/>
+        <p:txBody>
+          <a:bodyPr/>
+          <a:lstStyle/>
+          <a:p>
+            <a:fld id="{C274715F-B38D-4FF4-A3CF-827D419B9D44}" type="slidenum">
+              <a:rPr lang="en-US" smtClean="0"/>
               <a:t>5</a:t>
             </a:fld>
             <a:endParaRPr lang="en-US"/>
@@ -798,7 +882,7 @@
           <a:p>
             <a:fld id="{88C60456-FB3B-4026-A5DC-EEEFAE77261F}" type="datetimeFigureOut">
               <a:rPr lang="en-US" smtClean="0"/>
-              <a:t>11/20/2023</a:t>
+              <a:t>11/21/2023</a:t>
             </a:fld>
             <a:endParaRPr lang="en-US"/>
           </a:p>
@@ -996,7 +1080,7 @@
           <a:p>
             <a:fld id="{88C60456-FB3B-4026-A5DC-EEEFAE77261F}" type="datetimeFigureOut">
               <a:rPr lang="en-US" smtClean="0"/>
-              <a:t>11/20/2023</a:t>
+              <a:t>11/21/2023</a:t>
             </a:fld>
             <a:endParaRPr lang="en-US"/>
           </a:p>
@@ -1204,7 +1288,7 @@
           <a:p>
             <a:fld id="{88C60456-FB3B-4026-A5DC-EEEFAE77261F}" type="datetimeFigureOut">
               <a:rPr lang="en-US" smtClean="0"/>
-              <a:t>11/20/2023</a:t>
+              <a:t>11/21/2023</a:t>
             </a:fld>
             <a:endParaRPr lang="en-US"/>
           </a:p>
@@ -1402,7 +1486,7 @@
           <a:p>
             <a:fld id="{88C60456-FB3B-4026-A5DC-EEEFAE77261F}" type="datetimeFigureOut">
               <a:rPr lang="en-US" smtClean="0"/>
-              <a:t>11/20/2023</a:t>
+              <a:t>11/21/2023</a:t>
             </a:fld>
             <a:endParaRPr lang="en-US"/>
           </a:p>
@@ -1677,7 +1761,7 @@
           <a:p>
             <a:fld id="{88C60456-FB3B-4026-A5DC-EEEFAE77261F}" type="datetimeFigureOut">
               <a:rPr lang="en-US" smtClean="0"/>
-              <a:t>11/20/2023</a:t>
+              <a:t>11/21/2023</a:t>
             </a:fld>
             <a:endParaRPr lang="en-US"/>
           </a:p>
@@ -1942,7 +2026,7 @@
           <a:p>
             <a:fld id="{88C60456-FB3B-4026-A5DC-EEEFAE77261F}" type="datetimeFigureOut">
               <a:rPr lang="en-US" smtClean="0"/>
-              <a:t>11/20/2023</a:t>
+              <a:t>11/21/2023</a:t>
             </a:fld>
             <a:endParaRPr lang="en-US"/>
           </a:p>
@@ -2354,7 +2438,7 @@
           <a:p>
             <a:fld id="{88C60456-FB3B-4026-A5DC-EEEFAE77261F}" type="datetimeFigureOut">
               <a:rPr lang="en-US" smtClean="0"/>
-              <a:t>11/20/2023</a:t>
+              <a:t>11/21/2023</a:t>
             </a:fld>
             <a:endParaRPr lang="en-US"/>
           </a:p>
@@ -2495,7 +2579,7 @@
           <a:p>
             <a:fld id="{88C60456-FB3B-4026-A5DC-EEEFAE77261F}" type="datetimeFigureOut">
               <a:rPr lang="en-US" smtClean="0"/>
-              <a:t>11/20/2023</a:t>
+              <a:t>11/21/2023</a:t>
             </a:fld>
             <a:endParaRPr lang="en-US"/>
           </a:p>
@@ -2608,7 +2692,7 @@
           <a:p>
             <a:fld id="{88C60456-FB3B-4026-A5DC-EEEFAE77261F}" type="datetimeFigureOut">
               <a:rPr lang="en-US" smtClean="0"/>
-              <a:t>11/20/2023</a:t>
+              <a:t>11/21/2023</a:t>
             </a:fld>
             <a:endParaRPr lang="en-US"/>
           </a:p>
@@ -2919,7 +3003,7 @@
           <a:p>
             <a:fld id="{88C60456-FB3B-4026-A5DC-EEEFAE77261F}" type="datetimeFigureOut">
               <a:rPr lang="en-US" smtClean="0"/>
-              <a:t>11/20/2023</a:t>
+              <a:t>11/21/2023</a:t>
             </a:fld>
             <a:endParaRPr lang="en-US"/>
           </a:p>
@@ -3207,7 +3291,7 @@
           <a:p>
             <a:fld id="{88C60456-FB3B-4026-A5DC-EEEFAE77261F}" type="datetimeFigureOut">
               <a:rPr lang="en-US" smtClean="0"/>
-              <a:t>11/20/2023</a:t>
+              <a:t>11/21/2023</a:t>
             </a:fld>
             <a:endParaRPr lang="en-US"/>
           </a:p>
@@ -3448,7 +3532,7 @@
           <a:p>
             <a:fld id="{88C60456-FB3B-4026-A5DC-EEEFAE77261F}" type="datetimeFigureOut">
               <a:rPr lang="en-US" smtClean="0"/>
-              <a:t>11/20/2023</a:t>
+              <a:t>11/21/2023</a:t>
             </a:fld>
             <a:endParaRPr lang="en-US"/>
           </a:p>
@@ -4404,7 +4488,7 @@
           <p:nvPr/>
         </p:nvPicPr>
         <p:blipFill>
-          <a:blip r:embed="rId2">
+          <a:blip r:embed="rId3">
             <a:extLst>
               <a:ext uri="{28A0092B-C50C-407E-A947-70E740481C1C}">
                 <a14:useLocalDpi xmlns:a14="http://schemas.microsoft.com/office/drawing/2010/main" val="0"/>
@@ -4490,6 +4574,71 @@
               <a:rPr lang="en-US" dirty="0"/>
               <a:t> (mid-point)</a:t>
             </a:r>
+          </a:p>
+        </p:txBody>
+      </p:sp>
+      <p:sp>
+        <p:nvSpPr>
+          <p:cNvPr id="3" name="Rectangle 2">
+            <a:extLst>
+              <a:ext uri="{FF2B5EF4-FFF2-40B4-BE49-F238E27FC236}">
+                <a16:creationId xmlns:a16="http://schemas.microsoft.com/office/drawing/2014/main" id="{CD74B0A0-8A5D-F1C4-B6A9-F522E1344890}"/>
+              </a:ext>
+            </a:extLst>
+          </p:cNvPr>
+          <p:cNvSpPr/>
+          <p:nvPr/>
+        </p:nvSpPr>
+        <p:spPr>
+          <a:xfrm>
+            <a:off x="3154017" y="4657803"/>
+            <a:ext cx="4694583" cy="792480"/>
+          </a:xfrm>
+          <a:prstGeom prst="rect">
+            <a:avLst/>
+          </a:prstGeom>
+          <a:solidFill>
+            <a:schemeClr val="accent2"/>
+          </a:solidFill>
+        </p:spPr>
+        <p:style>
+          <a:lnRef idx="2">
+            <a:schemeClr val="accent1">
+              <a:shade val="15000"/>
+            </a:schemeClr>
+          </a:lnRef>
+          <a:fillRef idx="1">
+            <a:schemeClr val="accent1"/>
+          </a:fillRef>
+          <a:effectRef idx="0">
+            <a:schemeClr val="accent1"/>
+          </a:effectRef>
+          <a:fontRef idx="minor">
+            <a:schemeClr val="lt1"/>
+          </a:fontRef>
+        </p:style>
+        <p:txBody>
+          <a:bodyPr rtlCol="0" anchor="ctr"/>
+          <a:lstStyle/>
+          <a:p>
+            <a:pPr algn="ctr"/>
+            <a:r>
+              <a:rPr lang="en-US" dirty="0"/>
+              <a:t>50</a:t>
+            </a:r>
+            <a:r>
+              <a:rPr lang="en-US" baseline="30000" dirty="0"/>
+              <a:t>th</a:t>
+            </a:r>
+            <a:r>
+              <a:rPr lang="en-US" dirty="0"/>
+              <a:t> mid-point </a:t>
+            </a:r>
+            <a:r>
+              <a:rPr lang="en-US"/>
+              <a:t>running p2a4s02.01 (11/21)</a:t>
+            </a:r>
+            <a:endParaRPr lang="en-US" dirty="0"/>
           </a:p>
         </p:txBody>
       </p:sp>

--- a/SYSG.pptx
+++ b/SYSG.pptx
@@ -4632,13 +4632,8 @@
             </a:r>
             <a:r>
               <a:rPr lang="en-US" dirty="0"/>
-              <a:t> mid-point </a:t>
-            </a:r>
-            <a:r>
-              <a:rPr lang="en-US"/>
-              <a:t>running p2a4s02.01 (11/21)</a:t>
-            </a:r>
-            <a:endParaRPr lang="en-US" dirty="0"/>
+              <a:t> mid-point running p2a4s02.01 (11/21)</a:t>
+            </a:r>
           </a:p>
         </p:txBody>
       </p:sp>

--- a/SYSG.pptx
+++ b/SYSG.pptx
@@ -4438,7 +4438,7 @@
         </p:nvSpPr>
         <p:spPr>
           <a:xfrm>
-            <a:off x="7486638" y="1594903"/>
+            <a:off x="6739878" y="1867244"/>
             <a:ext cx="2492484" cy="865955"/>
           </a:xfrm>
           <a:prstGeom prst="rect">
@@ -4475,10 +4475,10 @@
       </p:sp>
       <p:pic>
         <p:nvPicPr>
-          <p:cNvPr id="2050" name="Picture 2">
-            <a:extLst>
-              <a:ext uri="{FF2B5EF4-FFF2-40B4-BE49-F238E27FC236}">
-                <a16:creationId xmlns:a16="http://schemas.microsoft.com/office/drawing/2014/main" id="{263DFE1F-AC58-9E8D-9F1F-B0F593718FB9}"/>
+          <p:cNvPr id="1026" name="Picture 2">
+            <a:extLst>
+              <a:ext uri="{FF2B5EF4-FFF2-40B4-BE49-F238E27FC236}">
+                <a16:creationId xmlns:a16="http://schemas.microsoft.com/office/drawing/2014/main" id="{97210BB8-9448-FD1F-5A82-23A0B72F6C6C}"/>
               </a:ext>
             </a:extLst>
           </p:cNvPr>
@@ -4502,8 +4502,8 @@
         </p:blipFill>
         <p:spPr bwMode="auto">
           <a:xfrm>
-            <a:off x="3277598" y="903149"/>
-            <a:ext cx="3432080" cy="2704191"/>
+            <a:off x="1904795" y="1082040"/>
+            <a:ext cx="4191205" cy="3302318"/>
           </a:xfrm>
           <a:prstGeom prst="rect">
             <a:avLst/>
@@ -4522,10 +4522,10 @@
       </p:pic>
       <p:sp>
         <p:nvSpPr>
-          <p:cNvPr id="2" name="Rectangle 1">
-            <a:extLst>
-              <a:ext uri="{FF2B5EF4-FFF2-40B4-BE49-F238E27FC236}">
-                <a16:creationId xmlns:a16="http://schemas.microsoft.com/office/drawing/2014/main" id="{CBEF4323-C2D1-BDA3-7B52-A1BF43299919}"/>
+          <p:cNvPr id="4" name="Rectangle 3">
+            <a:extLst>
+              <a:ext uri="{FF2B5EF4-FFF2-40B4-BE49-F238E27FC236}">
+                <a16:creationId xmlns:a16="http://schemas.microsoft.com/office/drawing/2014/main" id="{FE140C29-5703-EA25-FAFE-A4F5DDFCB05D}"/>
               </a:ext>
             </a:extLst>
           </p:cNvPr>
@@ -4534,8 +4534,8 @@
         </p:nvSpPr>
         <p:spPr>
           <a:xfrm>
-            <a:off x="1254396" y="1769669"/>
-            <a:ext cx="2671482" cy="516425"/>
+            <a:off x="2590137" y="4384358"/>
+            <a:ext cx="2492484" cy="865955"/>
           </a:xfrm>
           <a:prstGeom prst="rect">
             <a:avLst/>
@@ -4564,75 +4564,7 @@
             <a:pPr algn="ctr"/>
             <a:r>
               <a:rPr lang="en-US" dirty="0"/>
-              <a:t>100</a:t>
-            </a:r>
-            <a:r>
-              <a:rPr lang="en-US" baseline="30000" dirty="0"/>
-              <a:t>th</a:t>
-            </a:r>
-            <a:r>
-              <a:rPr lang="en-US" dirty="0"/>
-              <a:t> (mid-point)</a:t>
-            </a:r>
-          </a:p>
-        </p:txBody>
-      </p:sp>
-      <p:sp>
-        <p:nvSpPr>
-          <p:cNvPr id="3" name="Rectangle 2">
-            <a:extLst>
-              <a:ext uri="{FF2B5EF4-FFF2-40B4-BE49-F238E27FC236}">
-                <a16:creationId xmlns:a16="http://schemas.microsoft.com/office/drawing/2014/main" id="{CD74B0A0-8A5D-F1C4-B6A9-F522E1344890}"/>
-              </a:ext>
-            </a:extLst>
-          </p:cNvPr>
-          <p:cNvSpPr/>
-          <p:nvPr/>
-        </p:nvSpPr>
-        <p:spPr>
-          <a:xfrm>
-            <a:off x="3154017" y="4657803"/>
-            <a:ext cx="4694583" cy="792480"/>
-          </a:xfrm>
-          <a:prstGeom prst="rect">
-            <a:avLst/>
-          </a:prstGeom>
-          <a:solidFill>
-            <a:schemeClr val="accent2"/>
-          </a:solidFill>
-        </p:spPr>
-        <p:style>
-          <a:lnRef idx="2">
-            <a:schemeClr val="accent1">
-              <a:shade val="15000"/>
-            </a:schemeClr>
-          </a:lnRef>
-          <a:fillRef idx="1">
-            <a:schemeClr val="accent1"/>
-          </a:fillRef>
-          <a:effectRef idx="0">
-            <a:schemeClr val="accent1"/>
-          </a:effectRef>
-          <a:fontRef idx="minor">
-            <a:schemeClr val="lt1"/>
-          </a:fontRef>
-        </p:style>
-        <p:txBody>
-          <a:bodyPr rtlCol="0" anchor="ctr"/>
-          <a:lstStyle/>
-          <a:p>
-            <a:pPr algn="ctr"/>
-            <a:r>
-              <a:rPr lang="en-US" dirty="0"/>
-              <a:t>50</a:t>
-            </a:r>
-            <a:r>
-              <a:rPr lang="en-US" baseline="30000" dirty="0"/>
-              <a:t>th</a:t>
-            </a:r>
-            <a:r>
-              <a:rPr lang="en-US" dirty="0"/>
-              <a:t> mid-point running p2a4s02.01 (11/21)</a:t>
+              <a:t>Note: all normalized (overall, mid-, end-)</a:t>
             </a:r>
           </a:p>
         </p:txBody>

--- a/SYSG.pptx
+++ b/SYSG.pptx
@@ -216,7 +216,7 @@
           <a:p>
             <a:fld id="{9DB45F93-D156-4AE8-B29F-58D76D05F0C5}" type="datetimeFigureOut">
               <a:rPr lang="en-US" smtClean="0"/>
-              <a:t>11/21/2023</a:t>
+              <a:t>11/30/2023</a:t>
             </a:fld>
             <a:endParaRPr lang="en-US"/>
           </a:p>
@@ -882,7 +882,7 @@
           <a:p>
             <a:fld id="{88C60456-FB3B-4026-A5DC-EEEFAE77261F}" type="datetimeFigureOut">
               <a:rPr lang="en-US" smtClean="0"/>
-              <a:t>11/21/2023</a:t>
+              <a:t>11/30/2023</a:t>
             </a:fld>
             <a:endParaRPr lang="en-US"/>
           </a:p>
@@ -1080,7 +1080,7 @@
           <a:p>
             <a:fld id="{88C60456-FB3B-4026-A5DC-EEEFAE77261F}" type="datetimeFigureOut">
               <a:rPr lang="en-US" smtClean="0"/>
-              <a:t>11/21/2023</a:t>
+              <a:t>11/30/2023</a:t>
             </a:fld>
             <a:endParaRPr lang="en-US"/>
           </a:p>
@@ -1288,7 +1288,7 @@
           <a:p>
             <a:fld id="{88C60456-FB3B-4026-A5DC-EEEFAE77261F}" type="datetimeFigureOut">
               <a:rPr lang="en-US" smtClean="0"/>
-              <a:t>11/21/2023</a:t>
+              <a:t>11/30/2023</a:t>
             </a:fld>
             <a:endParaRPr lang="en-US"/>
           </a:p>
@@ -1486,7 +1486,7 @@
           <a:p>
             <a:fld id="{88C60456-FB3B-4026-A5DC-EEEFAE77261F}" type="datetimeFigureOut">
               <a:rPr lang="en-US" smtClean="0"/>
-              <a:t>11/21/2023</a:t>
+              <a:t>11/30/2023</a:t>
             </a:fld>
             <a:endParaRPr lang="en-US"/>
           </a:p>
@@ -1761,7 +1761,7 @@
           <a:p>
             <a:fld id="{88C60456-FB3B-4026-A5DC-EEEFAE77261F}" type="datetimeFigureOut">
               <a:rPr lang="en-US" smtClean="0"/>
-              <a:t>11/21/2023</a:t>
+              <a:t>11/30/2023</a:t>
             </a:fld>
             <a:endParaRPr lang="en-US"/>
           </a:p>
@@ -2026,7 +2026,7 @@
           <a:p>
             <a:fld id="{88C60456-FB3B-4026-A5DC-EEEFAE77261F}" type="datetimeFigureOut">
               <a:rPr lang="en-US" smtClean="0"/>
-              <a:t>11/21/2023</a:t>
+              <a:t>11/30/2023</a:t>
             </a:fld>
             <a:endParaRPr lang="en-US"/>
           </a:p>
@@ -2438,7 +2438,7 @@
           <a:p>
             <a:fld id="{88C60456-FB3B-4026-A5DC-EEEFAE77261F}" type="datetimeFigureOut">
               <a:rPr lang="en-US" smtClean="0"/>
-              <a:t>11/21/2023</a:t>
+              <a:t>11/30/2023</a:t>
             </a:fld>
             <a:endParaRPr lang="en-US"/>
           </a:p>
@@ -2579,7 +2579,7 @@
           <a:p>
             <a:fld id="{88C60456-FB3B-4026-A5DC-EEEFAE77261F}" type="datetimeFigureOut">
               <a:rPr lang="en-US" smtClean="0"/>
-              <a:t>11/21/2023</a:t>
+              <a:t>11/30/2023</a:t>
             </a:fld>
             <a:endParaRPr lang="en-US"/>
           </a:p>
@@ -2692,7 +2692,7 @@
           <a:p>
             <a:fld id="{88C60456-FB3B-4026-A5DC-EEEFAE77261F}" type="datetimeFigureOut">
               <a:rPr lang="en-US" smtClean="0"/>
-              <a:t>11/21/2023</a:t>
+              <a:t>11/30/2023</a:t>
             </a:fld>
             <a:endParaRPr lang="en-US"/>
           </a:p>
@@ -3003,7 +3003,7 @@
           <a:p>
             <a:fld id="{88C60456-FB3B-4026-A5DC-EEEFAE77261F}" type="datetimeFigureOut">
               <a:rPr lang="en-US" smtClean="0"/>
-              <a:t>11/21/2023</a:t>
+              <a:t>11/30/2023</a:t>
             </a:fld>
             <a:endParaRPr lang="en-US"/>
           </a:p>
@@ -3291,7 +3291,7 @@
           <a:p>
             <a:fld id="{88C60456-FB3B-4026-A5DC-EEEFAE77261F}" type="datetimeFigureOut">
               <a:rPr lang="en-US" smtClean="0"/>
-              <a:t>11/21/2023</a:t>
+              <a:t>11/30/2023</a:t>
             </a:fld>
             <a:endParaRPr lang="en-US"/>
           </a:p>
@@ -3532,7 +3532,7 @@
           <a:p>
             <a:fld id="{88C60456-FB3B-4026-A5DC-EEEFAE77261F}" type="datetimeFigureOut">
               <a:rPr lang="en-US" smtClean="0"/>
-              <a:t>11/21/2023</a:t>
+              <a:t>11/30/2023</a:t>
             </a:fld>
             <a:endParaRPr lang="en-US"/>
           </a:p>
@@ -5407,10 +5407,10 @@
       </p:sp>
       <p:pic>
         <p:nvPicPr>
-          <p:cNvPr id="1026" name="Picture 2">
-            <a:extLst>
-              <a:ext uri="{FF2B5EF4-FFF2-40B4-BE49-F238E27FC236}">
-                <a16:creationId xmlns:a16="http://schemas.microsoft.com/office/drawing/2014/main" id="{73DA8BA8-20A0-9904-6C3A-49EE62217B97}"/>
+          <p:cNvPr id="4" name="Picture 2">
+            <a:extLst>
+              <a:ext uri="{FF2B5EF4-FFF2-40B4-BE49-F238E27FC236}">
+                <a16:creationId xmlns:a16="http://schemas.microsoft.com/office/drawing/2014/main" id="{221BBE3A-9C97-6F0A-4344-837FAA55C1E2}"/>
               </a:ext>
             </a:extLst>
           </p:cNvPr>
@@ -5434,8 +5434,8 @@
         </p:blipFill>
         <p:spPr bwMode="auto">
           <a:xfrm>
-            <a:off x="508689" y="1685364"/>
-            <a:ext cx="6142942" cy="3789830"/>
+            <a:off x="245299" y="2000694"/>
+            <a:ext cx="6760788" cy="3127398"/>
           </a:xfrm>
           <a:prstGeom prst="rect">
             <a:avLst/>
@@ -5452,102 +5452,6 @@
           </a:extLst>
         </p:spPr>
       </p:pic>
-      <p:sp>
-        <p:nvSpPr>
-          <p:cNvPr id="3" name="TextBox 2">
-            <a:extLst>
-              <a:ext uri="{FF2B5EF4-FFF2-40B4-BE49-F238E27FC236}">
-                <a16:creationId xmlns:a16="http://schemas.microsoft.com/office/drawing/2014/main" id="{4A7E67EB-DABA-8DB2-ACC0-E72581944703}"/>
-              </a:ext>
-            </a:extLst>
-          </p:cNvPr>
-          <p:cNvSpPr txBox="1"/>
-          <p:nvPr/>
-        </p:nvSpPr>
-        <p:spPr>
-          <a:xfrm>
-            <a:off x="7458635" y="2133601"/>
-            <a:ext cx="3505200" cy="1754326"/>
-          </a:xfrm>
-          <a:prstGeom prst="rect">
-            <a:avLst/>
-          </a:prstGeom>
-          <a:noFill/>
-        </p:spPr>
-        <p:txBody>
-          <a:bodyPr wrap="square" rtlCol="0">
-            <a:spAutoFit/>
-          </a:bodyPr>
-          <a:lstStyle/>
-          <a:p>
-            <a:r>
-              <a:rPr lang="en-US" dirty="0"/>
-              <a:t>All expected confs present </a:t>
-            </a:r>
-            <a:endParaRPr lang="en-US" dirty="0">
-              <a:sym typeface="Wingdings" panose="05000000000000000000" pitchFamily="2" charset="2"/>
-            </a:endParaRPr>
-          </a:p>
-          <a:p>
-            <a:pPr marL="285750" indent="-285750">
-              <a:buFont typeface="Arial" panose="020B0604020202020204" pitchFamily="34" charset="0"/>
-              <a:buChar char="•"/>
-            </a:pPr>
-            <a:r>
-              <a:rPr lang="en-US" dirty="0">
-                <a:sym typeface="Wingdings" panose="05000000000000000000" pitchFamily="2" charset="2"/>
-              </a:rPr>
-              <a:t>20 for 1C </a:t>
-            </a:r>
-          </a:p>
-          <a:p>
-            <a:pPr marL="285750" indent="-285750">
-              <a:buFont typeface="Arial" panose="020B0604020202020204" pitchFamily="34" charset="0"/>
-              <a:buChar char="•"/>
-            </a:pPr>
-            <a:r>
-              <a:rPr lang="en-US" dirty="0">
-                <a:sym typeface="Wingdings" panose="05000000000000000000" pitchFamily="2" charset="2"/>
-              </a:rPr>
-              <a:t>25 for 3C</a:t>
-            </a:r>
-          </a:p>
-          <a:p>
-            <a:pPr marL="285750" indent="-285750">
-              <a:buFont typeface="Arial" panose="020B0604020202020204" pitchFamily="34" charset="0"/>
-              <a:buChar char="•"/>
-            </a:pPr>
-            <a:r>
-              <a:rPr lang="en-US" dirty="0">
-                <a:sym typeface="Wingdings" panose="05000000000000000000" pitchFamily="2" charset="2"/>
-              </a:rPr>
-              <a:t>30 for 4C </a:t>
-            </a:r>
-          </a:p>
-          <a:p>
-            <a:pPr marL="285750" indent="-285750">
-              <a:buFont typeface="Arial" panose="020B0604020202020204" pitchFamily="34" charset="0"/>
-              <a:buChar char="•"/>
-            </a:pPr>
-            <a:endParaRPr lang="en-US" dirty="0">
-              <a:sym typeface="Wingdings" panose="05000000000000000000" pitchFamily="2" charset="2"/>
-            </a:endParaRPr>
-          </a:p>
-          <a:p>
-            <a:pPr marL="285750" indent="-285750">
-              <a:buFont typeface="Arial" panose="020B0604020202020204" pitchFamily="34" charset="0"/>
-              <a:buChar char="•"/>
-            </a:pPr>
-            <a:r>
-              <a:rPr lang="en-US" dirty="0">
-                <a:sym typeface="Wingdings" panose="05000000000000000000" pitchFamily="2" charset="2"/>
-              </a:rPr>
-              <a:t>No 2C? </a:t>
-            </a:r>
-            <a:endParaRPr lang="en-US" dirty="0"/>
-          </a:p>
-        </p:txBody>
-      </p:sp>
     </p:spTree>
     <p:extLst>
       <p:ext uri="{BB962C8B-B14F-4D97-AF65-F5344CB8AC3E}">
